--- a/Slides/AZ-104T00A-ENU-PowerPoint_03 - done.pptx
+++ b/Slides/AZ-104T00A-ENU-PowerPoint_03 - done.pptx
@@ -5,10 +5,10 @@
     <p:sldMasterId id="2147484551" r:id="rId1"/>
   </p:sldMasterIdLst>
   <p:notesMasterIdLst>
-    <p:notesMasterId r:id="rId45"/>
+    <p:notesMasterId r:id="rId48"/>
   </p:notesMasterIdLst>
   <p:handoutMasterIdLst>
-    <p:handoutMasterId r:id="rId46"/>
+    <p:handoutMasterId r:id="rId49"/>
   </p:handoutMasterIdLst>
   <p:sldIdLst>
     <p:sldId id="2246" r:id="rId2"/>
@@ -22,38 +22,41 @@
     <p:sldId id="2593" r:id="rId10"/>
     <p:sldId id="1868" r:id="rId11"/>
     <p:sldId id="2586" r:id="rId12"/>
-    <p:sldId id="1884" r:id="rId13"/>
-    <p:sldId id="1899" r:id="rId14"/>
-    <p:sldId id="1901" r:id="rId15"/>
-    <p:sldId id="9138" r:id="rId16"/>
-    <p:sldId id="1905" r:id="rId17"/>
-    <p:sldId id="1906" r:id="rId18"/>
-    <p:sldId id="2594" r:id="rId19"/>
-    <p:sldId id="2010" r:id="rId20"/>
-    <p:sldId id="2243" r:id="rId21"/>
-    <p:sldId id="2589" r:id="rId22"/>
-    <p:sldId id="2244" r:id="rId23"/>
-    <p:sldId id="2590" r:id="rId24"/>
-    <p:sldId id="2245" r:id="rId25"/>
-    <p:sldId id="2591" r:id="rId26"/>
-    <p:sldId id="2587" r:id="rId27"/>
-    <p:sldId id="1980" r:id="rId28"/>
-    <p:sldId id="1992" r:id="rId29"/>
-    <p:sldId id="1990" r:id="rId30"/>
-    <p:sldId id="1981" r:id="rId31"/>
-    <p:sldId id="1986" r:id="rId32"/>
-    <p:sldId id="1908" r:id="rId33"/>
-    <p:sldId id="2248" r:id="rId34"/>
-    <p:sldId id="2249" r:id="rId35"/>
-    <p:sldId id="1994" r:id="rId36"/>
-    <p:sldId id="1995" r:id="rId37"/>
-    <p:sldId id="1891" r:id="rId38"/>
-    <p:sldId id="1892" r:id="rId39"/>
-    <p:sldId id="1893" r:id="rId40"/>
-    <p:sldId id="2242" r:id="rId41"/>
-    <p:sldId id="1670" r:id="rId42"/>
-    <p:sldId id="1996" r:id="rId43"/>
-    <p:sldId id="2592" r:id="rId44"/>
+    <p:sldId id="9140" r:id="rId13"/>
+    <p:sldId id="1884" r:id="rId14"/>
+    <p:sldId id="9139" r:id="rId15"/>
+    <p:sldId id="1899" r:id="rId16"/>
+    <p:sldId id="1901" r:id="rId17"/>
+    <p:sldId id="9141" r:id="rId18"/>
+    <p:sldId id="9138" r:id="rId19"/>
+    <p:sldId id="1905" r:id="rId20"/>
+    <p:sldId id="1906" r:id="rId21"/>
+    <p:sldId id="2594" r:id="rId22"/>
+    <p:sldId id="2010" r:id="rId23"/>
+    <p:sldId id="2243" r:id="rId24"/>
+    <p:sldId id="2589" r:id="rId25"/>
+    <p:sldId id="2244" r:id="rId26"/>
+    <p:sldId id="2590" r:id="rId27"/>
+    <p:sldId id="2245" r:id="rId28"/>
+    <p:sldId id="2591" r:id="rId29"/>
+    <p:sldId id="2587" r:id="rId30"/>
+    <p:sldId id="1980" r:id="rId31"/>
+    <p:sldId id="1992" r:id="rId32"/>
+    <p:sldId id="1990" r:id="rId33"/>
+    <p:sldId id="1981" r:id="rId34"/>
+    <p:sldId id="1986" r:id="rId35"/>
+    <p:sldId id="1908" r:id="rId36"/>
+    <p:sldId id="2248" r:id="rId37"/>
+    <p:sldId id="2249" r:id="rId38"/>
+    <p:sldId id="1994" r:id="rId39"/>
+    <p:sldId id="1995" r:id="rId40"/>
+    <p:sldId id="1891" r:id="rId41"/>
+    <p:sldId id="1892" r:id="rId42"/>
+    <p:sldId id="1893" r:id="rId43"/>
+    <p:sldId id="2242" r:id="rId44"/>
+    <p:sldId id="1670" r:id="rId45"/>
+    <p:sldId id="1996" r:id="rId46"/>
+    <p:sldId id="2592" r:id="rId47"/>
   </p:sldIdLst>
   <p:sldSz cx="12436475" cy="6994525"/>
   <p:notesSz cx="6858000" cy="9144000"/>
@@ -176,9 +179,12 @@
           <p14:sldIdLst>
             <p14:sldId id="1868"/>
             <p14:sldId id="2586"/>
+            <p14:sldId id="9140"/>
             <p14:sldId id="1884"/>
+            <p14:sldId id="9139"/>
             <p14:sldId id="1899"/>
             <p14:sldId id="1901"/>
+            <p14:sldId id="9141"/>
             <p14:sldId id="9138"/>
             <p14:sldId id="1905"/>
             <p14:sldId id="1906"/>
@@ -351,7 +357,7 @@
               <a:rPr lang="en-US" smtClean="0">
                 <a:latin typeface="Segoe UI" pitchFamily="34" charset="0"/>
               </a:rPr>
-              <a:t>12/7/2022 8:50 PM</a:t>
+              <a:t>12/12/2022 7:05 AM</a:t>
             </a:fld>
             <a:endParaRPr lang="en-US">
               <a:latin typeface="Segoe UI" pitchFamily="34" charset="0"/>
@@ -629,7 +635,7 @@
           <a:p>
             <a:fld id="{DCE60099-03E7-4FA1-8A7F-E6E6CFB0F855}" type="datetime8">
               <a:rPr lang="en-US" smtClean="0"/>
-              <a:t>12/7/2022 5:32 PM</a:t>
+              <a:t>12/12/2022 6:52 AM</a:t>
             </a:fld>
             <a:endParaRPr lang="en-US"/>
           </a:p>
@@ -1095,7 +1101,7 @@
                 <a:tabLst/>
                 <a:defRPr/>
               </a:pPr>
-              <a:t>12/7/2022 5:32 PM</a:t>
+              <a:t>12/12/2022 6:52 AM</a:t>
             </a:fld>
             <a:endParaRPr kumimoji="0" lang="en-US" sz="1200" b="0" i="0" u="none" strike="noStrike" kern="1200" cap="none" spc="0" normalizeH="0" baseline="0" noProof="0" dirty="0">
               <a:ln>
@@ -1335,7 +1341,7 @@
           <a:p>
             <a:fld id="{9427A7F7-BB1E-479D-AFAA-B52F4D0C99F2}" type="datetime8">
               <a:rPr lang="en-US" smtClean="0"/>
-              <a:t>12/7/2022 5:32 PM</a:t>
+              <a:t>12/12/2022 6:52 AM</a:t>
             </a:fld>
             <a:endParaRPr lang="en-US" dirty="0"/>
           </a:p>
@@ -1359,7 +1365,7 @@
             <a:fld id="{B4008EB6-D09E-4580-8CD6-DDB14511944F}" type="slidenum">
               <a:rPr lang="en-US" smtClean="0"/>
               <a:pPr/>
-              <a:t>12</a:t>
+              <a:t>13</a:t>
             </a:fld>
             <a:endParaRPr lang="en-US" dirty="0"/>
           </a:p>
@@ -1530,7 +1536,7 @@
             <a:fld id="{B4008EB6-D09E-4580-8CD6-DDB14511944F}" type="slidenum">
               <a:rPr lang="en-US" smtClean="0"/>
               <a:pPr/>
-              <a:t>13</a:t>
+              <a:t>15</a:t>
             </a:fld>
             <a:endParaRPr lang="en-US" dirty="0"/>
           </a:p>
@@ -1735,7 +1741,7 @@
             <a:fld id="{B4008EB6-D09E-4580-8CD6-DDB14511944F}" type="slidenum">
               <a:rPr lang="en-US" smtClean="0"/>
               <a:pPr/>
-              <a:t>14</a:t>
+              <a:t>16</a:t>
             </a:fld>
             <a:endParaRPr lang="en-US" dirty="0"/>
           </a:p>
@@ -1880,7 +1886,7 @@
             <a:fld id="{B4008EB6-D09E-4580-8CD6-DDB14511944F}" type="slidenum">
               <a:rPr lang="en-US" smtClean="0"/>
               <a:pPr/>
-              <a:t>15</a:t>
+              <a:t>18</a:t>
             </a:fld>
             <a:endParaRPr lang="en-US" dirty="0"/>
           </a:p>
@@ -1987,7 +1993,7 @@
           <a:p>
             <a:fld id="{8507DC7E-BC41-4478-BA30-CBCC3A644F0A}" type="slidenum">
               <a:rPr lang="en-US" smtClean="0"/>
-              <a:t>16</a:t>
+              <a:t>19</a:t>
             </a:fld>
             <a:endParaRPr lang="en-US" dirty="0"/>
           </a:p>
@@ -2094,7 +2100,7 @@
           <a:p>
             <a:fld id="{8507DC7E-BC41-4478-BA30-CBCC3A644F0A}" type="slidenum">
               <a:rPr lang="en-US" smtClean="0"/>
-              <a:t>17</a:t>
+              <a:t>20</a:t>
             </a:fld>
             <a:endParaRPr lang="en-US" dirty="0"/>
           </a:p>
@@ -2433,7 +2439,7 @@
           <a:p>
             <a:fld id="{8507DC7E-BC41-4478-BA30-CBCC3A644F0A}" type="slidenum">
               <a:rPr lang="en-US" smtClean="0"/>
-              <a:t>18</a:t>
+              <a:t>21</a:t>
             </a:fld>
             <a:endParaRPr lang="en-US" dirty="0"/>
           </a:p>
@@ -2545,7 +2551,7 @@
           <a:p>
             <a:fld id="{8507DC7E-BC41-4478-BA30-CBCC3A644F0A}" type="slidenum">
               <a:rPr lang="en-US" smtClean="0"/>
-              <a:t>19</a:t>
+              <a:t>22</a:t>
             </a:fld>
             <a:endParaRPr lang="en-US" dirty="0"/>
           </a:p>
@@ -2732,7 +2738,7 @@
           <a:p>
             <a:fld id="{386CE63F-9E7F-4C04-9D0D-FCA25A8E9E86}" type="datetime8">
               <a:rPr lang="en-US" smtClean="0"/>
-              <a:t>12/7/2022 5:32 PM</a:t>
+              <a:t>12/12/2022 6:52 AM</a:t>
             </a:fld>
             <a:endParaRPr lang="en-US" dirty="0"/>
           </a:p>
@@ -2756,7 +2762,7 @@
             <a:fld id="{B4008EB6-D09E-4580-8CD6-DDB14511944F}" type="slidenum">
               <a:rPr lang="en-US" smtClean="0"/>
               <a:pPr/>
-              <a:t>20</a:t>
+              <a:t>23</a:t>
             </a:fld>
             <a:endParaRPr lang="en-US" dirty="0"/>
           </a:p>
@@ -2943,7 +2949,7 @@
           <a:p>
             <a:fld id="{386CE63F-9E7F-4C04-9D0D-FCA25A8E9E86}" type="datetime8">
               <a:rPr lang="en-US" smtClean="0"/>
-              <a:t>12/7/2022 5:32 PM</a:t>
+              <a:t>12/12/2022 6:52 AM</a:t>
             </a:fld>
             <a:endParaRPr lang="en-US" dirty="0"/>
           </a:p>
@@ -2967,7 +2973,7 @@
             <a:fld id="{B4008EB6-D09E-4580-8CD6-DDB14511944F}" type="slidenum">
               <a:rPr lang="en-US" smtClean="0"/>
               <a:pPr/>
-              <a:t>22</a:t>
+              <a:t>25</a:t>
             </a:fld>
             <a:endParaRPr lang="en-US" dirty="0"/>
           </a:p>
@@ -3319,7 +3325,7 @@
           <a:p>
             <a:fld id="{386CE63F-9E7F-4C04-9D0D-FCA25A8E9E86}" type="datetime8">
               <a:rPr lang="en-US" smtClean="0"/>
-              <a:t>12/7/2022 5:32 PM</a:t>
+              <a:t>12/12/2022 6:52 AM</a:t>
             </a:fld>
             <a:endParaRPr lang="en-US" dirty="0"/>
           </a:p>
@@ -3343,7 +3349,7 @@
             <a:fld id="{B4008EB6-D09E-4580-8CD6-DDB14511944F}" type="slidenum">
               <a:rPr lang="en-US" smtClean="0"/>
               <a:pPr/>
-              <a:t>24</a:t>
+              <a:t>27</a:t>
             </a:fld>
             <a:endParaRPr lang="en-US" dirty="0"/>
           </a:p>
@@ -4515,7 +4521,7 @@
           <a:p>
             <a:fld id="{8507DC7E-BC41-4478-BA30-CBCC3A644F0A}" type="slidenum">
               <a:rPr lang="en-US" smtClean="0"/>
-              <a:t>27</a:t>
+              <a:t>30</a:t>
             </a:fld>
             <a:endParaRPr lang="en-US"/>
           </a:p>
@@ -4680,7 +4686,7 @@
             <a:fld id="{B4008EB6-D09E-4580-8CD6-DDB14511944F}" type="slidenum">
               <a:rPr lang="en-US" smtClean="0"/>
               <a:pPr/>
-              <a:t>28</a:t>
+              <a:t>31</a:t>
             </a:fld>
             <a:endParaRPr lang="en-US"/>
           </a:p>
@@ -4787,7 +4793,7 @@
           <a:p>
             <a:fld id="{8507DC7E-BC41-4478-BA30-CBCC3A644F0A}" type="slidenum">
               <a:rPr lang="en-US" smtClean="0"/>
-              <a:t>29</a:t>
+              <a:t>32</a:t>
             </a:fld>
             <a:endParaRPr lang="en-US"/>
           </a:p>
@@ -4960,7 +4966,7 @@
           <a:p>
             <a:fld id="{72E0C910-0166-48E0-B8EF-5071277A02A8}" type="datetime8">
               <a:rPr lang="en-US" smtClean="0"/>
-              <a:t>12/7/2022 5:32 PM</a:t>
+              <a:t>12/12/2022 6:52 AM</a:t>
             </a:fld>
             <a:endParaRPr lang="en-US"/>
           </a:p>
@@ -4984,7 +4990,7 @@
             <a:fld id="{B4008EB6-D09E-4580-8CD6-DDB14511944F}" type="slidenum">
               <a:rPr lang="en-US" smtClean="0"/>
               <a:pPr/>
-              <a:t>30</a:t>
+              <a:t>33</a:t>
             </a:fld>
             <a:endParaRPr lang="en-US"/>
           </a:p>
@@ -5154,7 +5160,7 @@
           <a:p>
             <a:fld id="{72E0C910-0166-48E0-B8EF-5071277A02A8}" type="datetime8">
               <a:rPr lang="en-US" smtClean="0"/>
-              <a:t>12/7/2022 5:32 PM</a:t>
+              <a:t>12/12/2022 6:52 AM</a:t>
             </a:fld>
             <a:endParaRPr lang="en-US"/>
           </a:p>
@@ -5178,7 +5184,7 @@
             <a:fld id="{B4008EB6-D09E-4580-8CD6-DDB14511944F}" type="slidenum">
               <a:rPr lang="en-US" smtClean="0"/>
               <a:pPr/>
-              <a:t>31</a:t>
+              <a:t>34</a:t>
             </a:fld>
             <a:endParaRPr lang="en-US"/>
           </a:p>
@@ -5342,7 +5348,7 @@
           <a:p>
             <a:fld id="{386CE63F-9E7F-4C04-9D0D-FCA25A8E9E86}" type="datetime8">
               <a:rPr lang="en-US" smtClean="0"/>
-              <a:t>12/7/2022 5:32 PM</a:t>
+              <a:t>12/12/2022 6:52 AM</a:t>
             </a:fld>
             <a:endParaRPr lang="en-US"/>
           </a:p>
@@ -5366,7 +5372,7 @@
             <a:fld id="{B4008EB6-D09E-4580-8CD6-DDB14511944F}" type="slidenum">
               <a:rPr lang="en-US" smtClean="0"/>
               <a:pPr/>
-              <a:t>32</a:t>
+              <a:t>35</a:t>
             </a:fld>
             <a:endParaRPr lang="en-US"/>
           </a:p>
@@ -5513,7 +5519,7 @@
           <a:p>
             <a:fld id="{8507DC7E-BC41-4478-BA30-CBCC3A644F0A}" type="slidenum">
               <a:rPr lang="en-US" smtClean="0"/>
-              <a:t>34</a:t>
+              <a:t>37</a:t>
             </a:fld>
             <a:endParaRPr lang="en-US"/>
           </a:p>
@@ -5678,7 +5684,7 @@
             <a:fld id="{B4008EB6-D09E-4580-8CD6-DDB14511944F}" type="slidenum">
               <a:rPr lang="en-US" smtClean="0"/>
               <a:pPr/>
-              <a:t>35</a:t>
+              <a:t>38</a:t>
             </a:fld>
             <a:endParaRPr lang="en-US"/>
           </a:p>
@@ -5842,7 +5848,7 @@
           <a:p>
             <a:fld id="{9427A7F7-BB1E-479D-AFAA-B52F4D0C99F2}" type="datetime8">
               <a:rPr lang="en-US" smtClean="0"/>
-              <a:t>12/7/2022 5:32 PM</a:t>
+              <a:t>12/12/2022 6:52 AM</a:t>
             </a:fld>
             <a:endParaRPr lang="en-US"/>
           </a:p>
@@ -5866,7 +5872,7 @@
             <a:fld id="{B4008EB6-D09E-4580-8CD6-DDB14511944F}" type="slidenum">
               <a:rPr lang="en-US" smtClean="0"/>
               <a:pPr/>
-              <a:t>37</a:t>
+              <a:t>40</a:t>
             </a:fld>
             <a:endParaRPr lang="en-US"/>
           </a:p>
@@ -6178,7 +6184,7 @@
           <a:p>
             <a:fld id="{386CE63F-9E7F-4C04-9D0D-FCA25A8E9E86}" type="datetime8">
               <a:rPr lang="en-US" smtClean="0"/>
-              <a:t>12/7/2022 5:32 PM</a:t>
+              <a:t>12/12/2022 6:52 AM</a:t>
             </a:fld>
             <a:endParaRPr lang="en-US"/>
           </a:p>
@@ -6202,7 +6208,7 @@
             <a:fld id="{B4008EB6-D09E-4580-8CD6-DDB14511944F}" type="slidenum">
               <a:rPr lang="en-US" smtClean="0"/>
               <a:pPr/>
-              <a:t>38</a:t>
+              <a:t>41</a:t>
             </a:fld>
             <a:endParaRPr lang="en-US"/>
           </a:p>
@@ -6399,7 +6405,7 @@
           <a:p>
             <a:fld id="{386CE63F-9E7F-4C04-9D0D-FCA25A8E9E86}" type="datetime8">
               <a:rPr lang="en-US" smtClean="0"/>
-              <a:t>12/7/2022 5:32 PM</a:t>
+              <a:t>12/12/2022 6:52 AM</a:t>
             </a:fld>
             <a:endParaRPr lang="en-US"/>
           </a:p>
@@ -6423,7 +6429,7 @@
             <a:fld id="{B4008EB6-D09E-4580-8CD6-DDB14511944F}" type="slidenum">
               <a:rPr lang="en-US" smtClean="0"/>
               <a:pPr/>
-              <a:t>39</a:t>
+              <a:t>42</a:t>
             </a:fld>
             <a:endParaRPr lang="en-US"/>
           </a:p>
@@ -6580,7 +6586,7 @@
             <a:fld id="{B4008EB6-D09E-4580-8CD6-DDB14511944F}" type="slidenum">
               <a:rPr lang="en-US" smtClean="0"/>
               <a:pPr/>
-              <a:t>40</a:t>
+              <a:t>43</a:t>
             </a:fld>
             <a:endParaRPr lang="en-US"/>
           </a:p>
@@ -6760,7 +6766,7 @@
           <a:p>
             <a:fld id="{9427A7F7-BB1E-479D-AFAA-B52F4D0C99F2}" type="datetime8">
               <a:rPr lang="en-US" smtClean="0"/>
-              <a:t>12/7/2022 5:32 PM</a:t>
+              <a:t>12/12/2022 6:52 AM</a:t>
             </a:fld>
             <a:endParaRPr lang="en-US"/>
           </a:p>
@@ -6784,7 +6790,7 @@
             <a:fld id="{B4008EB6-D09E-4580-8CD6-DDB14511944F}" type="slidenum">
               <a:rPr lang="en-US" smtClean="0"/>
               <a:pPr/>
-              <a:t>41</a:t>
+              <a:t>44</a:t>
             </a:fld>
             <a:endParaRPr lang="en-US"/>
           </a:p>
@@ -6871,7 +6877,7 @@
           <a:p>
             <a:fld id="{8507DC7E-BC41-4478-BA30-CBCC3A644F0A}" type="slidenum">
               <a:rPr lang="en-US" smtClean="0"/>
-              <a:t>42</a:t>
+              <a:t>45</a:t>
             </a:fld>
             <a:endParaRPr lang="en-US"/>
           </a:p>
@@ -6961,7 +6967,7 @@
           <a:p>
             <a:fld id="{8507DC7E-BC41-4478-BA30-CBCC3A644F0A}" type="slidenum">
               <a:rPr lang="en-US" smtClean="0"/>
-              <a:t>43</a:t>
+              <a:t>46</a:t>
             </a:fld>
             <a:endParaRPr lang="en-US"/>
           </a:p>
@@ -11586,6 +11592,318 @@
 </file>
 
 <file path=ppt/slides/slide12.xml><?xml version="1.0" encoding="utf-8"?>
+<p:sld xmlns:a="http://schemas.openxmlformats.org/drawingml/2006/main" xmlns:r="http://schemas.openxmlformats.org/officeDocument/2006/relationships" xmlns:p="http://schemas.openxmlformats.org/presentationml/2006/main">
+  <p:cSld>
+    <p:spTree>
+      <p:nvGrpSpPr>
+        <p:cNvPr id="1" name=""/>
+        <p:cNvGrpSpPr/>
+        <p:nvPr/>
+      </p:nvGrpSpPr>
+      <p:grpSpPr>
+        <a:xfrm>
+          <a:off x="0" y="0"/>
+          <a:ext cx="0" cy="0"/>
+          <a:chOff x="0" y="0"/>
+          <a:chExt cx="0" cy="0"/>
+        </a:xfrm>
+      </p:grpSpPr>
+      <p:sp>
+        <p:nvSpPr>
+          <p:cNvPr id="3" name="Title 2">
+            <a:extLst>
+              <a:ext uri="{FF2B5EF4-FFF2-40B4-BE49-F238E27FC236}">
+                <a16:creationId xmlns:a16="http://schemas.microsoft.com/office/drawing/2014/main" id="{DAA4ADB3-F6C7-0B41-4949-B46760738811}"/>
+              </a:ext>
+            </a:extLst>
+          </p:cNvPr>
+          <p:cNvSpPr>
+            <a:spLocks noGrp="1"/>
+          </p:cNvSpPr>
+          <p:nvPr>
+            <p:ph type="title"/>
+          </p:nvPr>
+        </p:nvSpPr>
+        <p:spPr/>
+        <p:txBody>
+          <a:bodyPr/>
+          <a:lstStyle/>
+          <a:p>
+            <a:r>
+              <a:rPr lang="en-GB" dirty="0"/>
+              <a:t>Benefits of using Azure Resource Manager Templates</a:t>
+            </a:r>
+          </a:p>
+        </p:txBody>
+      </p:sp>
+      <p:sp>
+        <p:nvSpPr>
+          <p:cNvPr id="4" name="TextBox 3">
+            <a:extLst>
+              <a:ext uri="{FF2B5EF4-FFF2-40B4-BE49-F238E27FC236}">
+                <a16:creationId xmlns:a16="http://schemas.microsoft.com/office/drawing/2014/main" id="{929FA6E8-4EB7-F7F8-3859-891C82F45101}"/>
+              </a:ext>
+            </a:extLst>
+          </p:cNvPr>
+          <p:cNvSpPr txBox="1"/>
+          <p:nvPr/>
+        </p:nvSpPr>
+        <p:spPr>
+          <a:xfrm>
+            <a:off x="465138" y="1250302"/>
+            <a:ext cx="11533187" cy="5564600"/>
+          </a:xfrm>
+          <a:prstGeom prst="rect">
+            <a:avLst/>
+          </a:prstGeom>
+          <a:noFill/>
+        </p:spPr>
+        <p:txBody>
+          <a:bodyPr wrap="square" lIns="182880" tIns="146304" rIns="182880" bIns="146304" rtlCol="0">
+            <a:spAutoFit/>
+          </a:bodyPr>
+          <a:lstStyle/>
+          <a:p>
+            <a:pPr>
+              <a:lnSpc>
+                <a:spcPct val="90000"/>
+              </a:lnSpc>
+              <a:spcAft>
+                <a:spcPts val="600"/>
+              </a:spcAft>
+            </a:pPr>
+            <a:r>
+              <a:rPr lang="en-GB" sz="2400" dirty="0">
+                <a:gradFill>
+                  <a:gsLst>
+                    <a:gs pos="2917">
+                      <a:schemeClr val="tx1"/>
+                    </a:gs>
+                    <a:gs pos="30000">
+                      <a:schemeClr val="tx1"/>
+                    </a:gs>
+                  </a:gsLst>
+                  <a:lin ang="5400000" scaled="0"/>
+                </a:gradFill>
+              </a:rPr>
+              <a:t>Declarative language which allows you to automate the deployment of Infrastructure, this is known as IaC. </a:t>
+            </a:r>
+          </a:p>
+          <a:p>
+            <a:pPr>
+              <a:lnSpc>
+                <a:spcPct val="90000"/>
+              </a:lnSpc>
+              <a:spcAft>
+                <a:spcPts val="600"/>
+              </a:spcAft>
+            </a:pPr>
+            <a:endParaRPr lang="en-GB" sz="2400" dirty="0">
+              <a:gradFill>
+                <a:gsLst>
+                  <a:gs pos="2917">
+                    <a:schemeClr val="tx1"/>
+                  </a:gs>
+                  <a:gs pos="30000">
+                    <a:schemeClr val="tx1"/>
+                  </a:gs>
+                </a:gsLst>
+                <a:lin ang="5400000" scaled="0"/>
+              </a:gradFill>
+            </a:endParaRPr>
+          </a:p>
+          <a:p>
+            <a:pPr>
+              <a:lnSpc>
+                <a:spcPct val="90000"/>
+              </a:lnSpc>
+              <a:spcAft>
+                <a:spcPts val="600"/>
+              </a:spcAft>
+            </a:pPr>
+            <a:r>
+              <a:rPr lang="en-GB" sz="2400" dirty="0">
+                <a:gradFill>
+                  <a:gsLst>
+                    <a:gs pos="2917">
+                      <a:schemeClr val="tx1"/>
+                    </a:gs>
+                    <a:gs pos="30000">
+                      <a:schemeClr val="tx1"/>
+                    </a:gs>
+                  </a:gsLst>
+                  <a:lin ang="5400000" scaled="0"/>
+                </a:gradFill>
+              </a:rPr>
+              <a:t>Used to create repeatable IaC artefacts which allow the deployment of repeatable infrastructure. Use case – deploy multiple identical environments. </a:t>
+            </a:r>
+          </a:p>
+          <a:p>
+            <a:pPr>
+              <a:lnSpc>
+                <a:spcPct val="90000"/>
+              </a:lnSpc>
+              <a:spcAft>
+                <a:spcPts val="600"/>
+              </a:spcAft>
+            </a:pPr>
+            <a:endParaRPr lang="en-GB" sz="2400" dirty="0">
+              <a:gradFill>
+                <a:gsLst>
+                  <a:gs pos="2917">
+                    <a:schemeClr val="tx1"/>
+                  </a:gs>
+                  <a:gs pos="30000">
+                    <a:schemeClr val="tx1"/>
+                  </a:gs>
+                </a:gsLst>
+                <a:lin ang="5400000" scaled="0"/>
+              </a:gradFill>
+            </a:endParaRPr>
+          </a:p>
+          <a:p>
+            <a:pPr>
+              <a:lnSpc>
+                <a:spcPct val="90000"/>
+              </a:lnSpc>
+              <a:spcAft>
+                <a:spcPts val="600"/>
+              </a:spcAft>
+            </a:pPr>
+            <a:r>
+              <a:rPr lang="en-GB" sz="2400" dirty="0">
+                <a:gradFill>
+                  <a:gsLst>
+                    <a:gs pos="2917">
+                      <a:schemeClr val="tx1"/>
+                    </a:gs>
+                    <a:gs pos="30000">
+                      <a:schemeClr val="tx1"/>
+                    </a:gs>
+                  </a:gsLst>
+                  <a:lin ang="5400000" scaled="0"/>
+                </a:gradFill>
+              </a:rPr>
+              <a:t>ARM templates are based on JSON – and allow you to describe the entire infrastructure, which differ from a scripted deployment. </a:t>
+            </a:r>
+          </a:p>
+          <a:p>
+            <a:pPr>
+              <a:lnSpc>
+                <a:spcPct val="90000"/>
+              </a:lnSpc>
+              <a:spcAft>
+                <a:spcPts val="600"/>
+              </a:spcAft>
+            </a:pPr>
+            <a:endParaRPr lang="en-GB" sz="2400" dirty="0">
+              <a:gradFill>
+                <a:gsLst>
+                  <a:gs pos="2917">
+                    <a:schemeClr val="tx1"/>
+                  </a:gs>
+                  <a:gs pos="30000">
+                    <a:schemeClr val="tx1"/>
+                  </a:gs>
+                </a:gsLst>
+                <a:lin ang="5400000" scaled="0"/>
+              </a:gradFill>
+            </a:endParaRPr>
+          </a:p>
+          <a:p>
+            <a:pPr>
+              <a:lnSpc>
+                <a:spcPct val="90000"/>
+              </a:lnSpc>
+              <a:spcAft>
+                <a:spcPts val="600"/>
+              </a:spcAft>
+            </a:pPr>
+            <a:r>
+              <a:rPr lang="en-GB" sz="2400" dirty="0">
+                <a:gradFill>
+                  <a:gsLst>
+                    <a:gs pos="2917">
+                      <a:schemeClr val="tx1"/>
+                    </a:gs>
+                    <a:gs pos="30000">
+                      <a:schemeClr val="tx1"/>
+                    </a:gs>
+                  </a:gsLst>
+                  <a:lin ang="5400000" scaled="0"/>
+                </a:gradFill>
+              </a:rPr>
+              <a:t>ARM templates allow you to describe an infrastructure, so that all of the components are created in the correct order (dependencies). </a:t>
+            </a:r>
+          </a:p>
+          <a:p>
+            <a:pPr>
+              <a:lnSpc>
+                <a:spcPct val="90000"/>
+              </a:lnSpc>
+              <a:spcAft>
+                <a:spcPts val="600"/>
+              </a:spcAft>
+            </a:pPr>
+            <a:endParaRPr lang="en-GB" sz="2400" dirty="0">
+              <a:gradFill>
+                <a:gsLst>
+                  <a:gs pos="2917">
+                    <a:schemeClr val="tx1"/>
+                  </a:gs>
+                  <a:gs pos="30000">
+                    <a:schemeClr val="tx1"/>
+                  </a:gs>
+                </a:gsLst>
+                <a:lin ang="5400000" scaled="0"/>
+              </a:gradFill>
+            </a:endParaRPr>
+          </a:p>
+          <a:p>
+            <a:pPr>
+              <a:lnSpc>
+                <a:spcPct val="90000"/>
+              </a:lnSpc>
+              <a:spcAft>
+                <a:spcPts val="600"/>
+              </a:spcAft>
+            </a:pPr>
+            <a:r>
+              <a:rPr lang="en-GB" sz="2400" dirty="0">
+                <a:gradFill>
+                  <a:gsLst>
+                    <a:gs pos="2917">
+                      <a:schemeClr val="tx1"/>
+                    </a:gs>
+                    <a:gs pos="30000">
+                      <a:schemeClr val="tx1"/>
+                    </a:gs>
+                  </a:gsLst>
+                  <a:lin ang="5400000" scaled="0"/>
+                </a:gradFill>
+              </a:rPr>
+              <a:t>ARM can be enriched using PowerShell, Bash or even Chef and Puppet tools to further advance configurations once the resources are deployed.</a:t>
+            </a:r>
+          </a:p>
+        </p:txBody>
+      </p:sp>
+    </p:spTree>
+    <p:extLst>
+      <p:ext uri="{BB962C8B-B14F-4D97-AF65-F5344CB8AC3E}">
+        <p14:creationId xmlns:p14="http://schemas.microsoft.com/office/powerpoint/2010/main" val="3786147191"/>
+      </p:ext>
+    </p:extLst>
+  </p:cSld>
+  <p:clrMapOvr>
+    <a:masterClrMapping/>
+  </p:clrMapOvr>
+  <p:transition>
+    <p:fade/>
+  </p:transition>
+</p:sld>
+</file>
+
+<file path=ppt/slides/slide13.xml><?xml version="1.0" encoding="utf-8"?>
 <p:sld xmlns:a="http://schemas.openxmlformats.org/drawingml/2006/main" xmlns:r="http://schemas.openxmlformats.org/officeDocument/2006/relationships" xmlns:p="http://schemas.openxmlformats.org/presentationml/2006/main">
   <p:cSld>
     <p:spTree>
@@ -13292,7 +13610,374 @@
 </p:sld>
 </file>
 
-<file path=ppt/slides/slide13.xml><?xml version="1.0" encoding="utf-8"?>
+<file path=ppt/slides/slide14.xml><?xml version="1.0" encoding="utf-8"?>
+<p:sld xmlns:a="http://schemas.openxmlformats.org/drawingml/2006/main" xmlns:r="http://schemas.openxmlformats.org/officeDocument/2006/relationships" xmlns:p="http://schemas.openxmlformats.org/presentationml/2006/main">
+  <p:cSld>
+    <p:spTree>
+      <p:nvGrpSpPr>
+        <p:cNvPr id="1" name=""/>
+        <p:cNvGrpSpPr/>
+        <p:nvPr/>
+      </p:nvGrpSpPr>
+      <p:grpSpPr>
+        <a:xfrm>
+          <a:off x="0" y="0"/>
+          <a:ext cx="0" cy="0"/>
+          <a:chOff x="0" y="0"/>
+          <a:chExt cx="0" cy="0"/>
+        </a:xfrm>
+      </p:grpSpPr>
+      <p:sp>
+        <p:nvSpPr>
+          <p:cNvPr id="2" name="Title 1">
+            <a:extLst>
+              <a:ext uri="{FF2B5EF4-FFF2-40B4-BE49-F238E27FC236}">
+                <a16:creationId xmlns:a16="http://schemas.microsoft.com/office/drawing/2014/main" id="{53504714-05B8-076D-0FCB-687587A49884}"/>
+              </a:ext>
+            </a:extLst>
+          </p:cNvPr>
+          <p:cNvSpPr>
+            <a:spLocks noGrp="1"/>
+          </p:cNvSpPr>
+          <p:nvPr>
+            <p:ph type="title"/>
+          </p:nvPr>
+        </p:nvSpPr>
+        <p:spPr/>
+        <p:txBody>
+          <a:bodyPr/>
+          <a:lstStyle/>
+          <a:p>
+            <a:r>
+              <a:rPr lang="en-GB" dirty="0"/>
+              <a:t>Azure Template Components</a:t>
+            </a:r>
+          </a:p>
+        </p:txBody>
+      </p:sp>
+      <p:sp>
+        <p:nvSpPr>
+          <p:cNvPr id="3" name="TextBox 2">
+            <a:extLst>
+              <a:ext uri="{FF2B5EF4-FFF2-40B4-BE49-F238E27FC236}">
+                <a16:creationId xmlns:a16="http://schemas.microsoft.com/office/drawing/2014/main" id="{0E6ED15B-8AD5-A59C-21D2-3B967E7860D5}"/>
+              </a:ext>
+            </a:extLst>
+          </p:cNvPr>
+          <p:cNvSpPr txBox="1"/>
+          <p:nvPr/>
+        </p:nvSpPr>
+        <p:spPr>
+          <a:xfrm>
+            <a:off x="465138" y="1250302"/>
+            <a:ext cx="11533187" cy="6300186"/>
+          </a:xfrm>
+          <a:prstGeom prst="rect">
+            <a:avLst/>
+          </a:prstGeom>
+          <a:noFill/>
+        </p:spPr>
+        <p:txBody>
+          <a:bodyPr wrap="square" lIns="182880" tIns="146304" rIns="182880" bIns="146304" rtlCol="0">
+            <a:spAutoFit/>
+          </a:bodyPr>
+          <a:lstStyle/>
+          <a:p>
+            <a:pPr>
+              <a:lnSpc>
+                <a:spcPct val="90000"/>
+              </a:lnSpc>
+              <a:spcAft>
+                <a:spcPts val="600"/>
+              </a:spcAft>
+            </a:pPr>
+            <a:r>
+              <a:rPr lang="en-GB" sz="2100" dirty="0">
+                <a:gradFill>
+                  <a:gsLst>
+                    <a:gs pos="2917">
+                      <a:schemeClr val="tx1"/>
+                    </a:gs>
+                    <a:gs pos="30000">
+                      <a:schemeClr val="tx1"/>
+                    </a:gs>
+                  </a:gsLst>
+                  <a:lin ang="5400000" scaled="0"/>
+                </a:gradFill>
+              </a:rPr>
+              <a:t>Parameters – Parameters allow you to pass different values to the ARM template for use during the deployment. Some common examples include names of resources. </a:t>
+            </a:r>
+          </a:p>
+          <a:p>
+            <a:pPr>
+              <a:lnSpc>
+                <a:spcPct val="90000"/>
+              </a:lnSpc>
+              <a:spcAft>
+                <a:spcPts val="600"/>
+              </a:spcAft>
+            </a:pPr>
+            <a:endParaRPr lang="en-GB" sz="2100" dirty="0">
+              <a:gradFill>
+                <a:gsLst>
+                  <a:gs pos="2917">
+                    <a:schemeClr val="tx1"/>
+                  </a:gs>
+                  <a:gs pos="30000">
+                    <a:schemeClr val="tx1"/>
+                  </a:gs>
+                </a:gsLst>
+                <a:lin ang="5400000" scaled="0"/>
+              </a:gradFill>
+            </a:endParaRPr>
+          </a:p>
+          <a:p>
+            <a:pPr>
+              <a:lnSpc>
+                <a:spcPct val="90000"/>
+              </a:lnSpc>
+              <a:spcAft>
+                <a:spcPts val="600"/>
+              </a:spcAft>
+            </a:pPr>
+            <a:r>
+              <a:rPr lang="en-GB" sz="2100" dirty="0">
+                <a:gradFill>
+                  <a:gsLst>
+                    <a:gs pos="2917">
+                      <a:schemeClr val="tx1"/>
+                    </a:gs>
+                    <a:gs pos="30000">
+                      <a:schemeClr val="tx1"/>
+                    </a:gs>
+                  </a:gsLst>
+                  <a:lin ang="5400000" scaled="0"/>
+                </a:gradFill>
+              </a:rPr>
+              <a:t>Functions – Functions allow you to create complicated expressions that you don’t want to repeat throughout the template. For example, say you need to create unique names for resources. Instead of copying and pasting the same code to generate the unique name, you create a function that makes the unique name.</a:t>
+            </a:r>
+          </a:p>
+          <a:p>
+            <a:pPr>
+              <a:lnSpc>
+                <a:spcPct val="90000"/>
+              </a:lnSpc>
+              <a:spcAft>
+                <a:spcPts val="600"/>
+              </a:spcAft>
+            </a:pPr>
+            <a:endParaRPr lang="en-GB" sz="2100" dirty="0">
+              <a:gradFill>
+                <a:gsLst>
+                  <a:gs pos="2917">
+                    <a:schemeClr val="tx1"/>
+                  </a:gs>
+                  <a:gs pos="30000">
+                    <a:schemeClr val="tx1"/>
+                  </a:gs>
+                </a:gsLst>
+                <a:lin ang="5400000" scaled="0"/>
+              </a:gradFill>
+            </a:endParaRPr>
+          </a:p>
+          <a:p>
+            <a:pPr>
+              <a:lnSpc>
+                <a:spcPct val="90000"/>
+              </a:lnSpc>
+              <a:spcAft>
+                <a:spcPts val="600"/>
+              </a:spcAft>
+            </a:pPr>
+            <a:r>
+              <a:rPr lang="en-GB" sz="2100" dirty="0">
+                <a:gradFill>
+                  <a:gsLst>
+                    <a:gs pos="2917">
+                      <a:schemeClr val="tx1"/>
+                    </a:gs>
+                    <a:gs pos="30000">
+                      <a:schemeClr val="tx1"/>
+                    </a:gs>
+                  </a:gsLst>
+                  <a:lin ang="5400000" scaled="0"/>
+                </a:gradFill>
+              </a:rPr>
+              <a:t>Variables – </a:t>
+            </a:r>
+            <a:r>
+              <a:rPr lang="en-GB" sz="2100" b="0" i="0" dirty="0">
+                <a:solidFill>
+                  <a:srgbClr val="212234"/>
+                </a:solidFill>
+                <a:effectLst/>
+                <a:latin typeface="Graphik LC Web"/>
+              </a:rPr>
+              <a:t>Variables are not much different in ARM templates than you find in other programming languages. Variables contain values that are used repeatedly throughout the template.</a:t>
+            </a:r>
+            <a:endParaRPr lang="en-GB" sz="2100" dirty="0">
+              <a:gradFill>
+                <a:gsLst>
+                  <a:gs pos="2917">
+                    <a:schemeClr val="tx1"/>
+                  </a:gs>
+                  <a:gs pos="30000">
+                    <a:schemeClr val="tx1"/>
+                  </a:gs>
+                </a:gsLst>
+                <a:lin ang="5400000" scaled="0"/>
+              </a:gradFill>
+            </a:endParaRPr>
+          </a:p>
+          <a:p>
+            <a:pPr>
+              <a:lnSpc>
+                <a:spcPct val="90000"/>
+              </a:lnSpc>
+              <a:spcAft>
+                <a:spcPts val="600"/>
+              </a:spcAft>
+            </a:pPr>
+            <a:endParaRPr lang="en-GB" sz="2100" dirty="0">
+              <a:gradFill>
+                <a:gsLst>
+                  <a:gs pos="2917">
+                    <a:schemeClr val="tx1"/>
+                  </a:gs>
+                  <a:gs pos="30000">
+                    <a:schemeClr val="tx1"/>
+                  </a:gs>
+                </a:gsLst>
+                <a:lin ang="5400000" scaled="0"/>
+              </a:gradFill>
+            </a:endParaRPr>
+          </a:p>
+          <a:p>
+            <a:pPr>
+              <a:lnSpc>
+                <a:spcPct val="90000"/>
+              </a:lnSpc>
+              <a:spcAft>
+                <a:spcPts val="600"/>
+              </a:spcAft>
+            </a:pPr>
+            <a:r>
+              <a:rPr lang="en-GB" sz="2100" dirty="0">
+                <a:solidFill>
+                  <a:srgbClr val="212234"/>
+                </a:solidFill>
+                <a:latin typeface="Graphik LC Web"/>
+              </a:rPr>
+              <a:t>Resources – The resources section defines what Azure resources to deploy with the template. Resources can be anything as small as a network security group all the way to virtual machines, storage accounts, or Azure Functions.</a:t>
+            </a:r>
+          </a:p>
+          <a:p>
+            <a:pPr>
+              <a:lnSpc>
+                <a:spcPct val="90000"/>
+              </a:lnSpc>
+              <a:spcAft>
+                <a:spcPts val="600"/>
+              </a:spcAft>
+            </a:pPr>
+            <a:endParaRPr lang="en-GB" sz="2100" dirty="0">
+              <a:gradFill>
+                <a:gsLst>
+                  <a:gs pos="2917">
+                    <a:schemeClr val="tx1"/>
+                  </a:gs>
+                  <a:gs pos="30000">
+                    <a:schemeClr val="tx1"/>
+                  </a:gs>
+                </a:gsLst>
+                <a:lin ang="5400000" scaled="0"/>
+              </a:gradFill>
+            </a:endParaRPr>
+          </a:p>
+          <a:p>
+            <a:pPr>
+              <a:lnSpc>
+                <a:spcPct val="90000"/>
+              </a:lnSpc>
+              <a:spcAft>
+                <a:spcPts val="600"/>
+              </a:spcAft>
+            </a:pPr>
+            <a:r>
+              <a:rPr lang="en-GB" sz="2100" dirty="0">
+                <a:solidFill>
+                  <a:srgbClr val="212234"/>
+                </a:solidFill>
+                <a:latin typeface="Graphik LC Web"/>
+              </a:rPr>
+              <a:t>Outputs – The outputs section defines values and information returned from the deployment.</a:t>
+            </a:r>
+          </a:p>
+          <a:p>
+            <a:pPr>
+              <a:lnSpc>
+                <a:spcPct val="90000"/>
+              </a:lnSpc>
+              <a:spcAft>
+                <a:spcPts val="600"/>
+              </a:spcAft>
+            </a:pPr>
+            <a:endParaRPr lang="en-GB" sz="2100" dirty="0">
+              <a:gradFill>
+                <a:gsLst>
+                  <a:gs pos="2917">
+                    <a:schemeClr val="tx1"/>
+                  </a:gs>
+                  <a:gs pos="30000">
+                    <a:schemeClr val="tx1"/>
+                  </a:gs>
+                </a:gsLst>
+                <a:lin ang="5400000" scaled="0"/>
+              </a:gradFill>
+            </a:endParaRPr>
+          </a:p>
+          <a:p>
+            <a:pPr>
+              <a:lnSpc>
+                <a:spcPct val="90000"/>
+              </a:lnSpc>
+              <a:spcAft>
+                <a:spcPts val="600"/>
+              </a:spcAft>
+            </a:pPr>
+            <a:endParaRPr lang="en-GB" sz="2100" dirty="0">
+              <a:gradFill>
+                <a:gsLst>
+                  <a:gs pos="2917">
+                    <a:schemeClr val="tx1"/>
+                  </a:gs>
+                  <a:gs pos="30000">
+                    <a:schemeClr val="tx1"/>
+                  </a:gs>
+                </a:gsLst>
+                <a:lin ang="5400000" scaled="0"/>
+              </a:gradFill>
+            </a:endParaRPr>
+          </a:p>
+        </p:txBody>
+      </p:sp>
+    </p:spTree>
+    <p:extLst>
+      <p:ext uri="{BB962C8B-B14F-4D97-AF65-F5344CB8AC3E}">
+        <p14:creationId xmlns:p14="http://schemas.microsoft.com/office/powerpoint/2010/main" val="3920354843"/>
+      </p:ext>
+    </p:extLst>
+  </p:cSld>
+  <p:clrMapOvr>
+    <a:masterClrMapping/>
+  </p:clrMapOvr>
+  <p:transition>
+    <p:fade/>
+  </p:transition>
+</p:sld>
+</file>
+
+<file path=ppt/slides/slide15.xml><?xml version="1.0" encoding="utf-8"?>
 <p:sld xmlns:a="http://schemas.openxmlformats.org/drawingml/2006/main" xmlns:r="http://schemas.openxmlformats.org/officeDocument/2006/relationships" xmlns:p="http://schemas.openxmlformats.org/presentationml/2006/main">
   <p:cSld>
     <p:spTree>
@@ -14359,7 +15044,7 @@
 </p:sld>
 </file>
 
-<file path=ppt/slides/slide14.xml><?xml version="1.0" encoding="utf-8"?>
+<file path=ppt/slides/slide16.xml><?xml version="1.0" encoding="utf-8"?>
 <p:sld xmlns:a="http://schemas.openxmlformats.org/drawingml/2006/main" xmlns:r="http://schemas.openxmlformats.org/officeDocument/2006/relationships" xmlns:p="http://schemas.openxmlformats.org/presentationml/2006/main">
   <p:cSld>
     <p:spTree>
@@ -15005,7 +15690,70 @@
 </p:sld>
 </file>
 
-<file path=ppt/slides/slide15.xml><?xml version="1.0" encoding="utf-8"?>
+<file path=ppt/slides/slide17.xml><?xml version="1.0" encoding="utf-8"?>
+<p:sld xmlns:a="http://schemas.openxmlformats.org/drawingml/2006/main" xmlns:r="http://schemas.openxmlformats.org/officeDocument/2006/relationships" xmlns:p="http://schemas.openxmlformats.org/presentationml/2006/main">
+  <p:cSld>
+    <p:spTree>
+      <p:nvGrpSpPr>
+        <p:cNvPr id="1" name=""/>
+        <p:cNvGrpSpPr/>
+        <p:nvPr/>
+      </p:nvGrpSpPr>
+      <p:grpSpPr>
+        <a:xfrm>
+          <a:off x="0" y="0"/>
+          <a:ext cx="0" cy="0"/>
+          <a:chOff x="0" y="0"/>
+          <a:chExt cx="0" cy="0"/>
+        </a:xfrm>
+      </p:grpSpPr>
+      <p:pic>
+        <p:nvPicPr>
+          <p:cNvPr id="4" name="Picture 3">
+            <a:extLst>
+              <a:ext uri="{FF2B5EF4-FFF2-40B4-BE49-F238E27FC236}">
+                <a16:creationId xmlns:a16="http://schemas.microsoft.com/office/drawing/2014/main" id="{A09DE0ED-F2A0-C7DC-51F6-510C225AF05A}"/>
+              </a:ext>
+            </a:extLst>
+          </p:cNvPr>
+          <p:cNvPicPr>
+            <a:picLocks noChangeAspect="1"/>
+          </p:cNvPicPr>
+          <p:nvPr/>
+        </p:nvPicPr>
+        <p:blipFill>
+          <a:blip r:embed="rId2"/>
+          <a:stretch>
+            <a:fillRect/>
+          </a:stretch>
+        </p:blipFill>
+        <p:spPr>
+          <a:xfrm>
+            <a:off x="3257611" y="235620"/>
+            <a:ext cx="5921253" cy="6523285"/>
+          </a:xfrm>
+          <a:prstGeom prst="rect">
+            <a:avLst/>
+          </a:prstGeom>
+        </p:spPr>
+      </p:pic>
+    </p:spTree>
+    <p:extLst>
+      <p:ext uri="{BB962C8B-B14F-4D97-AF65-F5344CB8AC3E}">
+        <p14:creationId xmlns:p14="http://schemas.microsoft.com/office/powerpoint/2010/main" val="3445439916"/>
+      </p:ext>
+    </p:extLst>
+  </p:cSld>
+  <p:clrMapOvr>
+    <a:masterClrMapping/>
+  </p:clrMapOvr>
+  <p:transition>
+    <p:fade/>
+  </p:transition>
+</p:sld>
+</file>
+
+<file path=ppt/slides/slide18.xml><?xml version="1.0" encoding="utf-8"?>
 <p:sld xmlns:a="http://schemas.openxmlformats.org/drawingml/2006/main" xmlns:r="http://schemas.openxmlformats.org/officeDocument/2006/relationships" xmlns:p="http://schemas.openxmlformats.org/presentationml/2006/main">
   <p:cSld>
     <p:spTree>
@@ -15842,7 +16590,7 @@
 </p:sld>
 </file>
 
-<file path=ppt/slides/slide16.xml><?xml version="1.0" encoding="utf-8"?>
+<file path=ppt/slides/slide19.xml><?xml version="1.0" encoding="utf-8"?>
 <p:sld xmlns:a="http://schemas.openxmlformats.org/drawingml/2006/main" xmlns:r="http://schemas.openxmlformats.org/officeDocument/2006/relationships" xmlns:p="http://schemas.openxmlformats.org/presentationml/2006/main">
   <p:cSld>
     <p:spTree>
@@ -16093,1368 +16841,6 @@
     <p:extLst>
       <p:ext uri="{BB962C8B-B14F-4D97-AF65-F5344CB8AC3E}">
         <p14:creationId xmlns:p14="http://schemas.microsoft.com/office/powerpoint/2010/main" val="3504811312"/>
-      </p:ext>
-    </p:extLst>
-  </p:cSld>
-  <p:clrMapOvr>
-    <a:masterClrMapping/>
-  </p:clrMapOvr>
-  <p:transition>
-    <p:fade/>
-  </p:transition>
-</p:sld>
-</file>
-
-<file path=ppt/slides/slide17.xml><?xml version="1.0" encoding="utf-8"?>
-<p:sld xmlns:a="http://schemas.openxmlformats.org/drawingml/2006/main" xmlns:r="http://schemas.openxmlformats.org/officeDocument/2006/relationships" xmlns:p="http://schemas.openxmlformats.org/presentationml/2006/main">
-  <p:cSld>
-    <p:spTree>
-      <p:nvGrpSpPr>
-        <p:cNvPr id="1" name=""/>
-        <p:cNvGrpSpPr/>
-        <p:nvPr/>
-      </p:nvGrpSpPr>
-      <p:grpSpPr>
-        <a:xfrm>
-          <a:off x="0" y="0"/>
-          <a:ext cx="0" cy="0"/>
-          <a:chOff x="0" y="0"/>
-          <a:chExt cx="0" cy="0"/>
-        </a:xfrm>
-      </p:grpSpPr>
-      <p:sp>
-        <p:nvSpPr>
-          <p:cNvPr id="2" name="Title 1">
-            <a:extLst>
-              <a:ext uri="{FF2B5EF4-FFF2-40B4-BE49-F238E27FC236}">
-                <a16:creationId xmlns:a16="http://schemas.microsoft.com/office/drawing/2014/main" id="{78E406A8-7297-4381-A5CF-82B697D2A49A}"/>
-              </a:ext>
-            </a:extLst>
-          </p:cNvPr>
-          <p:cNvSpPr>
-            <a:spLocks noGrp="1"/>
-          </p:cNvSpPr>
-          <p:nvPr>
-            <p:ph type="title"/>
-          </p:nvPr>
-        </p:nvSpPr>
-        <p:spPr/>
-        <p:txBody>
-          <a:bodyPr/>
-          <a:lstStyle/>
-          <a:p>
-            <a:r>
-              <a:rPr lang="en-US" dirty="0"/>
-              <a:t>Demonstration – Run Templates with PowerShell (optional)</a:t>
-            </a:r>
-          </a:p>
-        </p:txBody>
-      </p:sp>
-      <p:pic>
-        <p:nvPicPr>
-          <p:cNvPr id="7" name="Picture 6" descr="Icon of 5 circles connected by a line">
-            <a:extLst>
-              <a:ext uri="{FF2B5EF4-FFF2-40B4-BE49-F238E27FC236}">
-                <a16:creationId xmlns:a16="http://schemas.microsoft.com/office/drawing/2014/main" id="{F87AB56D-D932-4BA9-9E38-63F16931A13E}"/>
-              </a:ext>
-            </a:extLst>
-          </p:cNvPr>
-          <p:cNvPicPr>
-            <a:picLocks noChangeAspect="1"/>
-          </p:cNvPicPr>
-          <p:nvPr/>
-        </p:nvPicPr>
-        <p:blipFill>
-          <a:blip r:embed="rId3" cstate="screen">
-            <a:extLst>
-              <a:ext uri="{28A0092B-C50C-407E-A947-70E740481C1C}">
-                <a14:useLocalDpi xmlns:a14="http://schemas.microsoft.com/office/drawing/2010/main"/>
-              </a:ext>
-            </a:extLst>
-          </a:blip>
-          <a:stretch>
-            <a:fillRect/>
-          </a:stretch>
-        </p:blipFill>
-        <p:spPr>
-          <a:xfrm>
-            <a:off x="431801" y="1521993"/>
-            <a:ext cx="1056132" cy="1054608"/>
-          </a:xfrm>
-          <a:prstGeom prst="rect">
-            <a:avLst/>
-          </a:prstGeom>
-        </p:spPr>
-      </p:pic>
-      <p:sp>
-        <p:nvSpPr>
-          <p:cNvPr id="36" name="Rectangle 35">
-            <a:extLst>
-              <a:ext uri="{FF2B5EF4-FFF2-40B4-BE49-F238E27FC236}">
-                <a16:creationId xmlns:a16="http://schemas.microsoft.com/office/drawing/2014/main" id="{136C632F-1DB8-4EAB-AB3D-A088953F9869}"/>
-              </a:ext>
-            </a:extLst>
-          </p:cNvPr>
-          <p:cNvSpPr/>
-          <p:nvPr/>
-        </p:nvSpPr>
-        <p:spPr bwMode="auto">
-          <a:xfrm>
-            <a:off x="1811337" y="1522238"/>
-            <a:ext cx="10198101" cy="1042416"/>
-          </a:xfrm>
-          <a:prstGeom prst="rect">
-            <a:avLst/>
-          </a:prstGeom>
-          <a:noFill/>
-          <a:ln>
-            <a:noFill/>
-            <a:headEnd type="none" w="med" len="med"/>
-            <a:tailEnd type="none" w="med" len="med"/>
-          </a:ln>
-          <a:effectLst/>
-        </p:spPr>
-        <p:style>
-          <a:lnRef idx="1">
-            <a:schemeClr val="accent2"/>
-          </a:lnRef>
-          <a:fillRef idx="3">
-            <a:schemeClr val="accent2"/>
-          </a:fillRef>
-          <a:effectRef idx="2">
-            <a:schemeClr val="accent2"/>
-          </a:effectRef>
-          <a:fontRef idx="minor">
-            <a:schemeClr val="lt1"/>
-          </a:fontRef>
-        </p:style>
-        <p:txBody>
-          <a:bodyPr rot="0" spcFirstLastPara="0" vertOverflow="overflow" horzOverflow="overflow" vert="horz" wrap="square" lIns="0" tIns="0" rIns="0" bIns="0" numCol="1" spcCol="0" rtlCol="0" fromWordArt="0" anchor="ctr" anchorCtr="0" forceAA="0" compatLnSpc="1">
-            <a:prstTxWarp prst="textNoShape">
-              <a:avLst/>
-            </a:prstTxWarp>
-            <a:noAutofit/>
-          </a:bodyPr>
-          <a:lstStyle/>
-          <a:p>
-            <a:pPr defTabSz="1022350">
-              <a:spcBef>
-                <a:spcPct val="0"/>
-              </a:spcBef>
-              <a:spcAft>
-                <a:spcPct val="35000"/>
-              </a:spcAft>
-            </a:pPr>
-            <a:r>
-              <a:rPr lang="en-US" sz="2400" dirty="0">
-                <a:solidFill>
-                  <a:schemeClr val="tx1"/>
-                </a:solidFill>
-              </a:rPr>
-              <a:t>Connect to your subscription</a:t>
-            </a:r>
-          </a:p>
-        </p:txBody>
-      </p:sp>
-      <p:cxnSp>
-        <p:nvCxnSpPr>
-          <p:cNvPr id="13" name="Straight Connector 12">
-            <a:extLst>
-              <a:ext uri="{FF2B5EF4-FFF2-40B4-BE49-F238E27FC236}">
-                <a16:creationId xmlns:a16="http://schemas.microsoft.com/office/drawing/2014/main" id="{2E2A41FB-CB23-4BD3-9945-0213B6CA76FA}"/>
-              </a:ext>
-              <a:ext uri="{C183D7F6-B498-43B3-948B-1728B52AA6E4}">
-                <adec:decorative xmlns:adec="http://schemas.microsoft.com/office/drawing/2017/decorative" val="1"/>
-              </a:ext>
-            </a:extLst>
-          </p:cNvPr>
-          <p:cNvCxnSpPr>
-            <a:cxnSpLocks/>
-          </p:cNvCxnSpPr>
-          <p:nvPr/>
-        </p:nvCxnSpPr>
-        <p:spPr>
-          <a:xfrm>
-            <a:off x="1799617" y="2680876"/>
-            <a:ext cx="10214583" cy="0"/>
-          </a:xfrm>
-          <a:prstGeom prst="line">
-            <a:avLst/>
-          </a:prstGeom>
-          <a:ln w="19050">
-            <a:solidFill>
-              <a:schemeClr val="bg1">
-                <a:lumMod val="65000"/>
-              </a:schemeClr>
-            </a:solidFill>
-            <a:prstDash val="dash"/>
-            <a:headEnd type="none"/>
-            <a:tailEnd type="none"/>
-          </a:ln>
-        </p:spPr>
-        <p:style>
-          <a:lnRef idx="1">
-            <a:schemeClr val="accent1"/>
-          </a:lnRef>
-          <a:fillRef idx="0">
-            <a:schemeClr val="accent1"/>
-          </a:fillRef>
-          <a:effectRef idx="0">
-            <a:schemeClr val="accent1"/>
-          </a:effectRef>
-          <a:fontRef idx="minor">
-            <a:schemeClr val="tx1"/>
-          </a:fontRef>
-        </p:style>
-      </p:cxnSp>
-      <p:pic>
-        <p:nvPicPr>
-          <p:cNvPr id="8" name="Picture 7" descr="Icon of two people">
-            <a:extLst>
-              <a:ext uri="{FF2B5EF4-FFF2-40B4-BE49-F238E27FC236}">
-                <a16:creationId xmlns:a16="http://schemas.microsoft.com/office/drawing/2014/main" id="{6303D34B-CF9D-412A-93DC-6E1E9251DA59}"/>
-              </a:ext>
-            </a:extLst>
-          </p:cNvPr>
-          <p:cNvPicPr>
-            <a:picLocks noChangeAspect="1"/>
-          </p:cNvPicPr>
-          <p:nvPr/>
-        </p:nvPicPr>
-        <p:blipFill>
-          <a:blip r:embed="rId4" cstate="screen">
-            <a:extLst>
-              <a:ext uri="{28A0092B-C50C-407E-A947-70E740481C1C}">
-                <a14:useLocalDpi xmlns:a14="http://schemas.microsoft.com/office/drawing/2010/main"/>
-              </a:ext>
-            </a:extLst>
-          </a:blip>
-          <a:stretch>
-            <a:fillRect/>
-          </a:stretch>
-        </p:blipFill>
-        <p:spPr>
-          <a:xfrm>
-            <a:off x="431801" y="2785659"/>
-            <a:ext cx="1056132" cy="1056132"/>
-          </a:xfrm>
-          <a:prstGeom prst="rect">
-            <a:avLst/>
-          </a:prstGeom>
-        </p:spPr>
-      </p:pic>
-      <p:sp>
-        <p:nvSpPr>
-          <p:cNvPr id="44" name="Rectangle 43">
-            <a:extLst>
-              <a:ext uri="{FF2B5EF4-FFF2-40B4-BE49-F238E27FC236}">
-                <a16:creationId xmlns:a16="http://schemas.microsoft.com/office/drawing/2014/main" id="{5A785D11-F598-4903-93C5-231ED85CF121}"/>
-              </a:ext>
-            </a:extLst>
-          </p:cNvPr>
-          <p:cNvSpPr/>
-          <p:nvPr/>
-        </p:nvSpPr>
-        <p:spPr bwMode="auto">
-          <a:xfrm>
-            <a:off x="1811337" y="2790414"/>
-            <a:ext cx="10198101" cy="1042416"/>
-          </a:xfrm>
-          <a:prstGeom prst="rect">
-            <a:avLst/>
-          </a:prstGeom>
-          <a:noFill/>
-          <a:ln>
-            <a:noFill/>
-            <a:headEnd type="none" w="med" len="med"/>
-            <a:tailEnd type="none" w="med" len="med"/>
-          </a:ln>
-          <a:effectLst/>
-        </p:spPr>
-        <p:style>
-          <a:lnRef idx="1">
-            <a:schemeClr val="accent2"/>
-          </a:lnRef>
-          <a:fillRef idx="3">
-            <a:schemeClr val="accent2"/>
-          </a:fillRef>
-          <a:effectRef idx="2">
-            <a:schemeClr val="accent2"/>
-          </a:effectRef>
-          <a:fontRef idx="minor">
-            <a:schemeClr val="lt1"/>
-          </a:fontRef>
-        </p:style>
-        <p:txBody>
-          <a:bodyPr rot="0" spcFirstLastPara="0" vertOverflow="overflow" horzOverflow="overflow" vert="horz" wrap="square" lIns="0" tIns="0" rIns="0" bIns="0" numCol="1" spcCol="0" rtlCol="0" fromWordArt="0" anchor="ctr" anchorCtr="0" forceAA="0" compatLnSpc="1">
-            <a:prstTxWarp prst="textNoShape">
-              <a:avLst/>
-            </a:prstTxWarp>
-            <a:noAutofit/>
-          </a:bodyPr>
-          <a:lstStyle/>
-          <a:p>
-            <a:pPr defTabSz="1022350">
-              <a:spcBef>
-                <a:spcPct val="0"/>
-              </a:spcBef>
-              <a:spcAft>
-                <a:spcPct val="35000"/>
-              </a:spcAft>
-            </a:pPr>
-            <a:r>
-              <a:rPr lang="en-US" sz="2400" dirty="0">
-                <a:solidFill>
-                  <a:schemeClr val="tx1"/>
-                </a:solidFill>
-              </a:rPr>
-              <a:t>Create the resource group</a:t>
-            </a:r>
-          </a:p>
-        </p:txBody>
-      </p:sp>
-      <p:pic>
-        <p:nvPicPr>
-          <p:cNvPr id="9" name="Picture 8" descr="Icon of arrow pointing upwards">
-            <a:extLst>
-              <a:ext uri="{FF2B5EF4-FFF2-40B4-BE49-F238E27FC236}">
-                <a16:creationId xmlns:a16="http://schemas.microsoft.com/office/drawing/2014/main" id="{14747D07-0190-4312-B329-C4E6D76CC512}"/>
-              </a:ext>
-            </a:extLst>
-          </p:cNvPr>
-          <p:cNvPicPr>
-            <a:picLocks noChangeAspect="1"/>
-          </p:cNvPicPr>
-          <p:nvPr/>
-        </p:nvPicPr>
-        <p:blipFill>
-          <a:blip r:embed="rId5" cstate="screen">
-            <a:extLst>
-              <a:ext uri="{28A0092B-C50C-407E-A947-70E740481C1C}">
-                <a14:useLocalDpi xmlns:a14="http://schemas.microsoft.com/office/drawing/2010/main"/>
-              </a:ext>
-            </a:extLst>
-          </a:blip>
-          <a:stretch>
-            <a:fillRect/>
-          </a:stretch>
-        </p:blipFill>
-        <p:spPr>
-          <a:xfrm>
-            <a:off x="431801" y="4049325"/>
-            <a:ext cx="1056132" cy="1056132"/>
-          </a:xfrm>
-          <a:prstGeom prst="rect">
-            <a:avLst/>
-          </a:prstGeom>
-        </p:spPr>
-      </p:pic>
-      <p:cxnSp>
-        <p:nvCxnSpPr>
-          <p:cNvPr id="18" name="Straight Connector 17">
-            <a:extLst>
-              <a:ext uri="{FF2B5EF4-FFF2-40B4-BE49-F238E27FC236}">
-                <a16:creationId xmlns:a16="http://schemas.microsoft.com/office/drawing/2014/main" id="{8F24EDD8-4FF2-4CD0-8763-057E286B8835}"/>
-              </a:ext>
-              <a:ext uri="{C183D7F6-B498-43B3-948B-1728B52AA6E4}">
-                <adec:decorative xmlns:adec="http://schemas.microsoft.com/office/drawing/2017/decorative" val="1"/>
-              </a:ext>
-            </a:extLst>
-          </p:cNvPr>
-          <p:cNvCxnSpPr>
-            <a:cxnSpLocks/>
-          </p:cNvCxnSpPr>
-          <p:nvPr/>
-        </p:nvCxnSpPr>
-        <p:spPr>
-          <a:xfrm>
-            <a:off x="1799617" y="3944542"/>
-            <a:ext cx="10214583" cy="0"/>
-          </a:xfrm>
-          <a:prstGeom prst="line">
-            <a:avLst/>
-          </a:prstGeom>
-          <a:ln w="19050">
-            <a:solidFill>
-              <a:schemeClr val="bg1">
-                <a:lumMod val="65000"/>
-              </a:schemeClr>
-            </a:solidFill>
-            <a:prstDash val="dash"/>
-            <a:headEnd type="none"/>
-            <a:tailEnd type="none"/>
-          </a:ln>
-        </p:spPr>
-        <p:style>
-          <a:lnRef idx="1">
-            <a:schemeClr val="accent1"/>
-          </a:lnRef>
-          <a:fillRef idx="0">
-            <a:schemeClr val="accent1"/>
-          </a:fillRef>
-          <a:effectRef idx="0">
-            <a:schemeClr val="accent1"/>
-          </a:effectRef>
-          <a:fontRef idx="minor">
-            <a:schemeClr val="tx1"/>
-          </a:fontRef>
-        </p:style>
-      </p:cxnSp>
-      <p:sp>
-        <p:nvSpPr>
-          <p:cNvPr id="57" name="Rectangle 56">
-            <a:extLst>
-              <a:ext uri="{FF2B5EF4-FFF2-40B4-BE49-F238E27FC236}">
-                <a16:creationId xmlns:a16="http://schemas.microsoft.com/office/drawing/2014/main" id="{372AA575-2169-47CD-9F8F-69BD77B7AAC8}"/>
-              </a:ext>
-            </a:extLst>
-          </p:cNvPr>
-          <p:cNvSpPr/>
-          <p:nvPr/>
-        </p:nvSpPr>
-        <p:spPr bwMode="auto">
-          <a:xfrm>
-            <a:off x="1811337" y="4058590"/>
-            <a:ext cx="10198101" cy="1042416"/>
-          </a:xfrm>
-          <a:prstGeom prst="rect">
-            <a:avLst/>
-          </a:prstGeom>
-          <a:noFill/>
-          <a:ln>
-            <a:noFill/>
-            <a:headEnd type="none" w="med" len="med"/>
-            <a:tailEnd type="none" w="med" len="med"/>
-          </a:ln>
-          <a:effectLst/>
-        </p:spPr>
-        <p:style>
-          <a:lnRef idx="1">
-            <a:schemeClr val="accent2"/>
-          </a:lnRef>
-          <a:fillRef idx="3">
-            <a:schemeClr val="accent2"/>
-          </a:fillRef>
-          <a:effectRef idx="2">
-            <a:schemeClr val="accent2"/>
-          </a:effectRef>
-          <a:fontRef idx="minor">
-            <a:schemeClr val="lt1"/>
-          </a:fontRef>
-        </p:style>
-        <p:txBody>
-          <a:bodyPr rot="0" spcFirstLastPara="0" vertOverflow="overflow" horzOverflow="overflow" vert="horz" wrap="square" lIns="0" tIns="0" rIns="0" bIns="0" numCol="1" spcCol="0" rtlCol="0" fromWordArt="0" anchor="ctr" anchorCtr="0" forceAA="0" compatLnSpc="1">
-            <a:prstTxWarp prst="textNoShape">
-              <a:avLst/>
-            </a:prstTxWarp>
-            <a:noAutofit/>
-          </a:bodyPr>
-          <a:lstStyle/>
-          <a:p>
-            <a:pPr>
-              <a:spcBef>
-                <a:spcPts val="612"/>
-              </a:spcBef>
-            </a:pPr>
-            <a:r>
-              <a:rPr lang="en-US" sz="2400" dirty="0">
-                <a:solidFill>
-                  <a:schemeClr val="tx1"/>
-                </a:solidFill>
-              </a:rPr>
-              <a:t>Deploy the template into the resource group</a:t>
-            </a:r>
-          </a:p>
-        </p:txBody>
-      </p:sp>
-      <p:pic>
-        <p:nvPicPr>
-          <p:cNvPr id="10" name="Picture 9" descr="Icon of a webpage layout template">
-            <a:extLst>
-              <a:ext uri="{FF2B5EF4-FFF2-40B4-BE49-F238E27FC236}">
-                <a16:creationId xmlns:a16="http://schemas.microsoft.com/office/drawing/2014/main" id="{CC25ED89-1FFE-4DFD-8EEB-B0A76CC4EDFA}"/>
-              </a:ext>
-            </a:extLst>
-          </p:cNvPr>
-          <p:cNvPicPr>
-            <a:picLocks noChangeAspect="1"/>
-          </p:cNvPicPr>
-          <p:nvPr/>
-        </p:nvPicPr>
-        <p:blipFill>
-          <a:blip r:embed="rId6" cstate="screen">
-            <a:extLst>
-              <a:ext uri="{28A0092B-C50C-407E-A947-70E740481C1C}">
-                <a14:useLocalDpi xmlns:a14="http://schemas.microsoft.com/office/drawing/2010/main"/>
-              </a:ext>
-            </a:extLst>
-          </a:blip>
-          <a:stretch>
-            <a:fillRect/>
-          </a:stretch>
-        </p:blipFill>
-        <p:spPr>
-          <a:xfrm>
-            <a:off x="431801" y="5312989"/>
-            <a:ext cx="1056132" cy="1056132"/>
-          </a:xfrm>
-          <a:prstGeom prst="rect">
-            <a:avLst/>
-          </a:prstGeom>
-        </p:spPr>
-      </p:pic>
-      <p:cxnSp>
-        <p:nvCxnSpPr>
-          <p:cNvPr id="19" name="Straight Connector 18">
-            <a:extLst>
-              <a:ext uri="{FF2B5EF4-FFF2-40B4-BE49-F238E27FC236}">
-                <a16:creationId xmlns:a16="http://schemas.microsoft.com/office/drawing/2014/main" id="{BF58A6BA-10E8-4043-B8A3-49EFC0684B0B}"/>
-              </a:ext>
-              <a:ext uri="{C183D7F6-B498-43B3-948B-1728B52AA6E4}">
-                <adec:decorative xmlns:adec="http://schemas.microsoft.com/office/drawing/2017/decorative" val="1"/>
-              </a:ext>
-            </a:extLst>
-          </p:cNvPr>
-          <p:cNvCxnSpPr>
-            <a:cxnSpLocks/>
-          </p:cNvCxnSpPr>
-          <p:nvPr/>
-        </p:nvCxnSpPr>
-        <p:spPr>
-          <a:xfrm>
-            <a:off x="1799617" y="5208208"/>
-            <a:ext cx="10214583" cy="0"/>
-          </a:xfrm>
-          <a:prstGeom prst="line">
-            <a:avLst/>
-          </a:prstGeom>
-          <a:ln w="19050">
-            <a:solidFill>
-              <a:schemeClr val="bg1">
-                <a:lumMod val="65000"/>
-              </a:schemeClr>
-            </a:solidFill>
-            <a:prstDash val="dash"/>
-            <a:headEnd type="none"/>
-            <a:tailEnd type="none"/>
-          </a:ln>
-        </p:spPr>
-        <p:style>
-          <a:lnRef idx="1">
-            <a:schemeClr val="accent1"/>
-          </a:lnRef>
-          <a:fillRef idx="0">
-            <a:schemeClr val="accent1"/>
-          </a:fillRef>
-          <a:effectRef idx="0">
-            <a:schemeClr val="accent1"/>
-          </a:effectRef>
-          <a:fontRef idx="minor">
-            <a:schemeClr val="tx1"/>
-          </a:fontRef>
-        </p:style>
-      </p:cxnSp>
-      <p:sp>
-        <p:nvSpPr>
-          <p:cNvPr id="59" name="Rectangle 58">
-            <a:extLst>
-              <a:ext uri="{FF2B5EF4-FFF2-40B4-BE49-F238E27FC236}">
-                <a16:creationId xmlns:a16="http://schemas.microsoft.com/office/drawing/2014/main" id="{BC230958-9C95-4833-8A64-1480D89CC97F}"/>
-              </a:ext>
-            </a:extLst>
-          </p:cNvPr>
-          <p:cNvSpPr/>
-          <p:nvPr/>
-        </p:nvSpPr>
-        <p:spPr bwMode="auto">
-          <a:xfrm>
-            <a:off x="1811337" y="5326765"/>
-            <a:ext cx="10198101" cy="1042416"/>
-          </a:xfrm>
-          <a:prstGeom prst="rect">
-            <a:avLst/>
-          </a:prstGeom>
-          <a:noFill/>
-          <a:ln>
-            <a:noFill/>
-            <a:headEnd type="none" w="med" len="med"/>
-            <a:tailEnd type="none" w="med" len="med"/>
-          </a:ln>
-          <a:effectLst/>
-        </p:spPr>
-        <p:style>
-          <a:lnRef idx="1">
-            <a:schemeClr val="accent2"/>
-          </a:lnRef>
-          <a:fillRef idx="3">
-            <a:schemeClr val="accent2"/>
-          </a:fillRef>
-          <a:effectRef idx="2">
-            <a:schemeClr val="accent2"/>
-          </a:effectRef>
-          <a:fontRef idx="minor">
-            <a:schemeClr val="lt1"/>
-          </a:fontRef>
-        </p:style>
-        <p:txBody>
-          <a:bodyPr rot="0" spcFirstLastPara="0" vertOverflow="overflow" horzOverflow="overflow" vert="horz" wrap="square" lIns="0" tIns="0" rIns="0" bIns="0" numCol="1" spcCol="0" rtlCol="0" fromWordArt="0" anchor="ctr" anchorCtr="0" forceAA="0" compatLnSpc="1">
-            <a:prstTxWarp prst="textNoShape">
-              <a:avLst/>
-            </a:prstTxWarp>
-            <a:noAutofit/>
-          </a:bodyPr>
-          <a:lstStyle/>
-          <a:p>
-            <a:pPr defTabSz="1022350">
-              <a:spcBef>
-                <a:spcPct val="0"/>
-              </a:spcBef>
-              <a:spcAft>
-                <a:spcPct val="35000"/>
-              </a:spcAft>
-            </a:pPr>
-            <a:r>
-              <a:rPr lang="en-US" sz="2400" dirty="0">
-                <a:solidFill>
-                  <a:schemeClr val="tx1"/>
-                </a:solidFill>
-              </a:rPr>
-              <a:t>Verify the template deployed</a:t>
-            </a:r>
-          </a:p>
-        </p:txBody>
-      </p:sp>
-    </p:spTree>
-    <p:extLst>
-      <p:ext uri="{BB962C8B-B14F-4D97-AF65-F5344CB8AC3E}">
-        <p14:creationId xmlns:p14="http://schemas.microsoft.com/office/powerpoint/2010/main" val="2792913724"/>
-      </p:ext>
-    </p:extLst>
-  </p:cSld>
-  <p:clrMapOvr>
-    <a:masterClrMapping/>
-  </p:clrMapOvr>
-  <p:transition>
-    <p:fade/>
-  </p:transition>
-</p:sld>
-</file>
-
-<file path=ppt/slides/slide18.xml><?xml version="1.0" encoding="utf-8"?>
-<p:sld xmlns:a="http://schemas.openxmlformats.org/drawingml/2006/main" xmlns:r="http://schemas.openxmlformats.org/officeDocument/2006/relationships" xmlns:p="http://schemas.openxmlformats.org/presentationml/2006/main">
-  <p:cSld>
-    <p:spTree>
-      <p:nvGrpSpPr>
-        <p:cNvPr id="1" name=""/>
-        <p:cNvGrpSpPr/>
-        <p:nvPr/>
-      </p:nvGrpSpPr>
-      <p:grpSpPr>
-        <a:xfrm>
-          <a:off x="0" y="0"/>
-          <a:ext cx="0" cy="0"/>
-          <a:chOff x="0" y="0"/>
-          <a:chExt cx="0" cy="0"/>
-        </a:xfrm>
-      </p:grpSpPr>
-      <p:sp>
-        <p:nvSpPr>
-          <p:cNvPr id="2" name="Title 1">
-            <a:extLst>
-              <a:ext uri="{FF2B5EF4-FFF2-40B4-BE49-F238E27FC236}">
-                <a16:creationId xmlns:a16="http://schemas.microsoft.com/office/drawing/2014/main" id="{968A36AA-E9C3-4D65-A81C-6BDA7C1BB0F9}"/>
-              </a:ext>
-            </a:extLst>
-          </p:cNvPr>
-          <p:cNvSpPr>
-            <a:spLocks noGrp="1"/>
-          </p:cNvSpPr>
-          <p:nvPr>
-            <p:ph type="title"/>
-          </p:nvPr>
-        </p:nvSpPr>
-        <p:spPr/>
-        <p:txBody>
-          <a:bodyPr/>
-          <a:lstStyle/>
-          <a:p>
-            <a:r>
-              <a:rPr lang="en-US" dirty="0"/>
-              <a:t>Summary and Resources</a:t>
-            </a:r>
-          </a:p>
-        </p:txBody>
-      </p:sp>
-      <p:sp>
-        <p:nvSpPr>
-          <p:cNvPr id="18" name="Rectangle 17">
-            <a:extLst>
-              <a:ext uri="{FF2B5EF4-FFF2-40B4-BE49-F238E27FC236}">
-                <a16:creationId xmlns:a16="http://schemas.microsoft.com/office/drawing/2014/main" id="{1B76FA35-9DAE-4E8C-B7D4-DDB8E3FAB1CC}"/>
-              </a:ext>
-            </a:extLst>
-          </p:cNvPr>
-          <p:cNvSpPr/>
-          <p:nvPr/>
-        </p:nvSpPr>
-        <p:spPr bwMode="auto">
-          <a:xfrm>
-            <a:off x="427039" y="1561783"/>
-            <a:ext cx="4297362" cy="640080"/>
-          </a:xfrm>
-          <a:prstGeom prst="rect">
-            <a:avLst/>
-          </a:prstGeom>
-          <a:solidFill>
-            <a:srgbClr val="243A5E"/>
-          </a:solidFill>
-          <a:ln w="6350">
-            <a:solidFill>
-              <a:srgbClr val="243A5E"/>
-            </a:solidFill>
-          </a:ln>
-        </p:spPr>
-        <p:style>
-          <a:lnRef idx="0">
-            <a:scrgbClr r="0" g="0" b="0"/>
-          </a:lnRef>
-          <a:fillRef idx="0">
-            <a:scrgbClr r="0" g="0" b="0"/>
-          </a:fillRef>
-          <a:effectRef idx="0">
-            <a:scrgbClr r="0" g="0" b="0"/>
-          </a:effectRef>
-          <a:fontRef idx="minor">
-            <a:schemeClr val="lt1"/>
-          </a:fontRef>
-        </p:style>
-        <p:txBody>
-          <a:bodyPr spcFirstLastPara="0" vert="horz" wrap="square" lIns="182880" tIns="137160" rIns="182880" bIns="137160" numCol="1" spcCol="1270" anchor="ctr" anchorCtr="0">
-            <a:noAutofit/>
-          </a:bodyPr>
-          <a:lstStyle/>
-          <a:p>
-            <a:pPr algn="ctr"/>
-            <a:r>
-              <a:rPr lang="en-US" sz="2000" dirty="0">
-                <a:latin typeface="+mj-lt"/>
-              </a:rPr>
-              <a:t>Knowledge Check Questions</a:t>
-            </a:r>
-          </a:p>
-        </p:txBody>
-      </p:sp>
-      <p:sp>
-        <p:nvSpPr>
-          <p:cNvPr id="19" name="Rectangle 18">
-            <a:extLst>
-              <a:ext uri="{FF2B5EF4-FFF2-40B4-BE49-F238E27FC236}">
-                <a16:creationId xmlns:a16="http://schemas.microsoft.com/office/drawing/2014/main" id="{B809EBB3-E2ED-4315-8770-BB6D970116FC}"/>
-              </a:ext>
-            </a:extLst>
-          </p:cNvPr>
-          <p:cNvSpPr/>
-          <p:nvPr/>
-        </p:nvSpPr>
-        <p:spPr bwMode="auto">
-          <a:xfrm>
-            <a:off x="4876800" y="1561783"/>
-            <a:ext cx="7132638" cy="640080"/>
-          </a:xfrm>
-          <a:prstGeom prst="rect">
-            <a:avLst/>
-          </a:prstGeom>
-          <a:solidFill>
-            <a:srgbClr val="243A5E"/>
-          </a:solidFill>
-          <a:ln w="6350">
-            <a:solidFill>
-              <a:srgbClr val="243A5E"/>
-            </a:solidFill>
-          </a:ln>
-        </p:spPr>
-        <p:style>
-          <a:lnRef idx="0">
-            <a:scrgbClr r="0" g="0" b="0"/>
-          </a:lnRef>
-          <a:fillRef idx="0">
-            <a:scrgbClr r="0" g="0" b="0"/>
-          </a:fillRef>
-          <a:effectRef idx="0">
-            <a:scrgbClr r="0" g="0" b="0"/>
-          </a:effectRef>
-          <a:fontRef idx="minor">
-            <a:schemeClr val="lt1"/>
-          </a:fontRef>
-        </p:style>
-        <p:txBody>
-          <a:bodyPr spcFirstLastPara="0" vert="horz" wrap="square" lIns="182880" tIns="137160" rIns="182880" bIns="137160" numCol="1" spcCol="1270" anchor="ctr" anchorCtr="0">
-            <a:noAutofit/>
-          </a:bodyPr>
-          <a:lstStyle/>
-          <a:p>
-            <a:r>
-              <a:rPr lang="en-US" sz="2000" dirty="0">
-                <a:latin typeface="+mj-lt"/>
-              </a:rPr>
-              <a:t>Microsoft Learn Modules (docs.microsoft.com/Learn)</a:t>
-            </a:r>
-          </a:p>
-        </p:txBody>
-      </p:sp>
-      <p:cxnSp>
-        <p:nvCxnSpPr>
-          <p:cNvPr id="21" name="Straight Connector 20">
-            <a:extLst>
-              <a:ext uri="{FF2B5EF4-FFF2-40B4-BE49-F238E27FC236}">
-                <a16:creationId xmlns:a16="http://schemas.microsoft.com/office/drawing/2014/main" id="{93E5F85F-B84B-4610-8829-80B9B97DA0A4}"/>
-              </a:ext>
-              <a:ext uri="{C183D7F6-B498-43B3-948B-1728B52AA6E4}">
-                <adec:decorative xmlns:adec="http://schemas.microsoft.com/office/drawing/2017/decorative" val="1"/>
-              </a:ext>
-            </a:extLst>
-          </p:cNvPr>
-          <p:cNvCxnSpPr>
-            <a:cxnSpLocks/>
-          </p:cNvCxnSpPr>
-          <p:nvPr/>
-        </p:nvCxnSpPr>
-        <p:spPr>
-          <a:xfrm>
-            <a:off x="4877294" y="2875361"/>
-            <a:ext cx="7132144" cy="0"/>
-          </a:xfrm>
-          <a:prstGeom prst="line">
-            <a:avLst/>
-          </a:prstGeom>
-          <a:ln w="19050">
-            <a:solidFill>
-              <a:schemeClr val="bg1">
-                <a:lumMod val="65000"/>
-              </a:schemeClr>
-            </a:solidFill>
-            <a:prstDash val="dash"/>
-            <a:headEnd type="none"/>
-            <a:tailEnd type="none"/>
-          </a:ln>
-        </p:spPr>
-        <p:style>
-          <a:lnRef idx="1">
-            <a:schemeClr val="accent1"/>
-          </a:lnRef>
-          <a:fillRef idx="0">
-            <a:schemeClr val="accent1"/>
-          </a:fillRef>
-          <a:effectRef idx="0">
-            <a:schemeClr val="accent1"/>
-          </a:effectRef>
-          <a:fontRef idx="minor">
-            <a:schemeClr val="tx1"/>
-          </a:fontRef>
-        </p:style>
-      </p:cxnSp>
-      <p:cxnSp>
-        <p:nvCxnSpPr>
-          <p:cNvPr id="23" name="Straight Connector 22">
-            <a:extLst>
-              <a:ext uri="{FF2B5EF4-FFF2-40B4-BE49-F238E27FC236}">
-                <a16:creationId xmlns:a16="http://schemas.microsoft.com/office/drawing/2014/main" id="{B31CE05C-4091-493A-B8A0-4B14EC5EC842}"/>
-              </a:ext>
-              <a:ext uri="{C183D7F6-B498-43B3-948B-1728B52AA6E4}">
-                <adec:decorative xmlns:adec="http://schemas.microsoft.com/office/drawing/2017/decorative" val="1"/>
-              </a:ext>
-            </a:extLst>
-          </p:cNvPr>
-          <p:cNvCxnSpPr>
-            <a:cxnSpLocks/>
-          </p:cNvCxnSpPr>
-          <p:nvPr/>
-        </p:nvCxnSpPr>
-        <p:spPr>
-          <a:xfrm>
-            <a:off x="4877294" y="3548859"/>
-            <a:ext cx="7132144" cy="0"/>
-          </a:xfrm>
-          <a:prstGeom prst="line">
-            <a:avLst/>
-          </a:prstGeom>
-          <a:ln w="19050">
-            <a:solidFill>
-              <a:schemeClr val="bg1">
-                <a:lumMod val="65000"/>
-              </a:schemeClr>
-            </a:solidFill>
-            <a:prstDash val="dash"/>
-            <a:headEnd type="none"/>
-            <a:tailEnd type="none"/>
-          </a:ln>
-        </p:spPr>
-        <p:style>
-          <a:lnRef idx="1">
-            <a:schemeClr val="accent1"/>
-          </a:lnRef>
-          <a:fillRef idx="0">
-            <a:schemeClr val="accent1"/>
-          </a:fillRef>
-          <a:effectRef idx="0">
-            <a:schemeClr val="accent1"/>
-          </a:effectRef>
-          <a:fontRef idx="minor">
-            <a:schemeClr val="tx1"/>
-          </a:fontRef>
-        </p:style>
-      </p:cxnSp>
-      <p:sp>
-        <p:nvSpPr>
-          <p:cNvPr id="24" name="Rectangle 23">
-            <a:extLst>
-              <a:ext uri="{FF2B5EF4-FFF2-40B4-BE49-F238E27FC236}">
-                <a16:creationId xmlns:a16="http://schemas.microsoft.com/office/drawing/2014/main" id="{54B5EDE0-FAD7-455E-86D0-EBCCE9AC7677}"/>
-              </a:ext>
-            </a:extLst>
-          </p:cNvPr>
-          <p:cNvSpPr/>
-          <p:nvPr/>
-        </p:nvSpPr>
-        <p:spPr>
-          <a:xfrm>
-            <a:off x="4877294" y="2326720"/>
-            <a:ext cx="7132144" cy="548640"/>
-          </a:xfrm>
-          <a:prstGeom prst="rect">
-            <a:avLst/>
-          </a:prstGeom>
-          <a:noFill/>
-          <a:ln>
-            <a:noFill/>
-          </a:ln>
-        </p:spPr>
-        <p:style>
-          <a:lnRef idx="2">
-            <a:schemeClr val="lt1">
-              <a:hueOff val="0"/>
-              <a:satOff val="0"/>
-              <a:lumOff val="0"/>
-              <a:alphaOff val="0"/>
-            </a:schemeClr>
-          </a:lnRef>
-          <a:fillRef idx="1">
-            <a:schemeClr val="accent1">
-              <a:hueOff val="0"/>
-              <a:satOff val="0"/>
-              <a:lumOff val="0"/>
-              <a:alphaOff val="0"/>
-            </a:schemeClr>
-          </a:fillRef>
-          <a:effectRef idx="0">
-            <a:schemeClr val="accent1">
-              <a:hueOff val="0"/>
-              <a:satOff val="0"/>
-              <a:lumOff val="0"/>
-              <a:alphaOff val="0"/>
-            </a:schemeClr>
-          </a:effectRef>
-          <a:fontRef idx="minor">
-            <a:schemeClr val="lt1"/>
-          </a:fontRef>
-        </p:style>
-        <p:txBody>
-          <a:bodyPr spcFirstLastPara="0" vert="horz" wrap="square" lIns="106040" tIns="106040" rIns="106040" bIns="106040" numCol="1" spcCol="1270" anchor="ctr" anchorCtr="0">
-            <a:noAutofit/>
-          </a:bodyPr>
-          <a:lstStyle/>
-          <a:p>
-            <a:pPr defTabSz="800100">
-              <a:lnSpc>
-                <a:spcPct val="90000"/>
-              </a:lnSpc>
-              <a:spcBef>
-                <a:spcPct val="0"/>
-              </a:spcBef>
-              <a:spcAft>
-                <a:spcPct val="35000"/>
-              </a:spcAft>
-              <a:buSzPct val="100000"/>
-              <a:tabLst>
-                <a:tab pos="349724" algn="l"/>
-                <a:tab pos="582873" algn="l"/>
-              </a:tabLst>
-            </a:pPr>
-            <a:r>
-              <a:rPr lang="en-US" dirty="0">
-                <a:hlinkClick r:id="rId3"/>
-              </a:rPr>
-              <a:t>Create Azure resources using Azure Resource Manager templates</a:t>
-            </a:r>
-            <a:endParaRPr lang="en-US" dirty="0">
-              <a:solidFill>
-                <a:schemeClr val="tx1"/>
-              </a:solidFill>
-            </a:endParaRPr>
-          </a:p>
-        </p:txBody>
-      </p:sp>
-      <p:pic>
-        <p:nvPicPr>
-          <p:cNvPr id="3" name="Picture 2">
-            <a:extLst>
-              <a:ext uri="{FF2B5EF4-FFF2-40B4-BE49-F238E27FC236}">
-                <a16:creationId xmlns:a16="http://schemas.microsoft.com/office/drawing/2014/main" id="{EB194B0C-9628-44DF-BD6F-EA71522B57B4}"/>
-              </a:ext>
-              <a:ext uri="{C183D7F6-B498-43B3-948B-1728B52AA6E4}">
-                <adec:decorative xmlns:adec="http://schemas.microsoft.com/office/drawing/2017/decorative" val="1"/>
-              </a:ext>
-            </a:extLst>
-          </p:cNvPr>
-          <p:cNvPicPr>
-            <a:picLocks noChangeAspect="1"/>
-          </p:cNvPicPr>
-          <p:nvPr/>
-        </p:nvPicPr>
-        <p:blipFill>
-          <a:blip r:embed="rId4" cstate="screen">
-            <a:extLst>
-              <a:ext uri="{28A0092B-C50C-407E-A947-70E740481C1C}">
-                <a14:useLocalDpi xmlns:a14="http://schemas.microsoft.com/office/drawing/2010/main"/>
-              </a:ext>
-            </a:extLst>
-          </a:blip>
-          <a:stretch>
-            <a:fillRect/>
-          </a:stretch>
-        </p:blipFill>
-        <p:spPr>
-          <a:xfrm>
-            <a:off x="1741597" y="2784577"/>
-            <a:ext cx="1494645" cy="2173707"/>
-          </a:xfrm>
-          <a:prstGeom prst="rect">
-            <a:avLst/>
-          </a:prstGeom>
-        </p:spPr>
-      </p:pic>
-      <p:sp>
-        <p:nvSpPr>
-          <p:cNvPr id="4" name="Rectangle 3">
-            <a:extLst>
-              <a:ext uri="{FF2B5EF4-FFF2-40B4-BE49-F238E27FC236}">
-                <a16:creationId xmlns:a16="http://schemas.microsoft.com/office/drawing/2014/main" id="{ED578A82-C822-4991-B52A-8A20F374F4C9}"/>
-              </a:ext>
-            </a:extLst>
-          </p:cNvPr>
-          <p:cNvSpPr/>
-          <p:nvPr/>
-        </p:nvSpPr>
-        <p:spPr>
-          <a:xfrm>
-            <a:off x="4866181" y="2948622"/>
-            <a:ext cx="7132144" cy="548640"/>
-          </a:xfrm>
-          <a:prstGeom prst="rect">
-            <a:avLst/>
-          </a:prstGeom>
-          <a:noFill/>
-          <a:ln>
-            <a:noFill/>
-          </a:ln>
-        </p:spPr>
-        <p:style>
-          <a:lnRef idx="2">
-            <a:schemeClr val="lt1">
-              <a:hueOff val="0"/>
-              <a:satOff val="0"/>
-              <a:lumOff val="0"/>
-              <a:alphaOff val="0"/>
-            </a:schemeClr>
-          </a:lnRef>
-          <a:fillRef idx="1">
-            <a:schemeClr val="accent1">
-              <a:hueOff val="0"/>
-              <a:satOff val="0"/>
-              <a:lumOff val="0"/>
-              <a:alphaOff val="0"/>
-            </a:schemeClr>
-          </a:fillRef>
-          <a:effectRef idx="0">
-            <a:schemeClr val="accent1">
-              <a:hueOff val="0"/>
-              <a:satOff val="0"/>
-              <a:lumOff val="0"/>
-              <a:alphaOff val="0"/>
-            </a:schemeClr>
-          </a:effectRef>
-          <a:fontRef idx="minor">
-            <a:schemeClr val="lt1"/>
-          </a:fontRef>
-        </p:style>
-        <p:txBody>
-          <a:bodyPr spcFirstLastPara="0" vert="horz" wrap="square" lIns="106040" tIns="106040" rIns="106040" bIns="106040" numCol="1" spcCol="1270" anchor="ctr" anchorCtr="0">
-            <a:noAutofit/>
-          </a:bodyPr>
-          <a:lstStyle/>
-          <a:p>
-            <a:r>
-              <a:rPr lang="en-US" dirty="0">
-                <a:hlinkClick r:id="rId5"/>
-              </a:rPr>
-              <a:t>Deploy Azure infrastructure by using JSON ARM templates (Sandbox)</a:t>
-            </a:r>
-            <a:endParaRPr lang="en-US" dirty="0">
-              <a:solidFill>
-                <a:schemeClr val="tx1"/>
-              </a:solidFill>
-            </a:endParaRPr>
-          </a:p>
-        </p:txBody>
-      </p:sp>
-      <p:sp>
-        <p:nvSpPr>
-          <p:cNvPr id="15" name="TextBox 14">
-            <a:extLst>
-              <a:ext uri="{FF2B5EF4-FFF2-40B4-BE49-F238E27FC236}">
-                <a16:creationId xmlns:a16="http://schemas.microsoft.com/office/drawing/2014/main" id="{0AB20BF3-2933-4C7E-9E3F-12857EAB1861}"/>
-              </a:ext>
-            </a:extLst>
-          </p:cNvPr>
-          <p:cNvSpPr txBox="1"/>
-          <p:nvPr/>
-        </p:nvSpPr>
-        <p:spPr>
-          <a:xfrm>
-            <a:off x="4876800" y="3706408"/>
-            <a:ext cx="6215448" cy="369332"/>
-          </a:xfrm>
-          <a:prstGeom prst="rect">
-            <a:avLst/>
-          </a:prstGeom>
-          <a:noFill/>
-        </p:spPr>
-        <p:txBody>
-          <a:bodyPr wrap="square">
-            <a:spAutoFit/>
-          </a:bodyPr>
-          <a:lstStyle/>
-          <a:p>
-            <a:r>
-              <a:rPr lang="en-US" dirty="0">
-                <a:hlinkClick r:id="rId6"/>
-              </a:rPr>
-              <a:t>Build your first Bicep template (Sandbox)</a:t>
-            </a:r>
-            <a:endParaRPr lang="en-US" dirty="0"/>
-          </a:p>
-        </p:txBody>
-      </p:sp>
-      <p:sp>
-        <p:nvSpPr>
-          <p:cNvPr id="5" name="TextBox 4">
-            <a:extLst>
-              <a:ext uri="{FF2B5EF4-FFF2-40B4-BE49-F238E27FC236}">
-                <a16:creationId xmlns:a16="http://schemas.microsoft.com/office/drawing/2014/main" id="{54A9EA70-EC91-4F7A-88D4-518E73BABFD8}"/>
-              </a:ext>
-            </a:extLst>
-          </p:cNvPr>
-          <p:cNvSpPr txBox="1"/>
-          <p:nvPr/>
-        </p:nvSpPr>
-        <p:spPr>
-          <a:xfrm>
-            <a:off x="7793037" y="5985163"/>
-            <a:ext cx="4487575" cy="544765"/>
-          </a:xfrm>
-          <a:prstGeom prst="rect">
-            <a:avLst/>
-          </a:prstGeom>
-          <a:solidFill>
-            <a:srgbClr val="FFFFCC"/>
-          </a:solidFill>
-        </p:spPr>
-        <p:txBody>
-          <a:bodyPr wrap="none" lIns="182880" tIns="146304" rIns="182880" bIns="146304" rtlCol="0">
-            <a:spAutoFit/>
-          </a:bodyPr>
-          <a:lstStyle/>
-          <a:p>
-            <a:pPr>
-              <a:lnSpc>
-                <a:spcPct val="90000"/>
-              </a:lnSpc>
-              <a:spcAft>
-                <a:spcPts val="600"/>
-              </a:spcAft>
-            </a:pPr>
-            <a:r>
-              <a:rPr lang="en-US" dirty="0">
-                <a:gradFill>
-                  <a:gsLst>
-                    <a:gs pos="2917">
-                      <a:schemeClr val="tx1"/>
-                    </a:gs>
-                    <a:gs pos="30000">
-                      <a:schemeClr val="tx1"/>
-                    </a:gs>
-                  </a:gsLst>
-                  <a:lin ang="5400000" scaled="0"/>
-                </a:gradFill>
-              </a:rPr>
-              <a:t>A </a:t>
-            </a:r>
-            <a:r>
-              <a:rPr lang="en-US" i="1" dirty="0">
-                <a:gradFill>
-                  <a:gsLst>
-                    <a:gs pos="2917">
-                      <a:schemeClr val="tx1"/>
-                    </a:gs>
-                    <a:gs pos="30000">
-                      <a:schemeClr val="tx1"/>
-                    </a:gs>
-                  </a:gsLst>
-                  <a:lin ang="5400000" scaled="0"/>
-                </a:gradFill>
-              </a:rPr>
-              <a:t>sandbox</a:t>
-            </a:r>
-            <a:r>
-              <a:rPr lang="en-US" dirty="0">
-                <a:gradFill>
-                  <a:gsLst>
-                    <a:gs pos="2917">
-                      <a:schemeClr val="tx1"/>
-                    </a:gs>
-                    <a:gs pos="30000">
-                      <a:schemeClr val="tx1"/>
-                    </a:gs>
-                  </a:gsLst>
-                  <a:lin ang="5400000" scaled="0"/>
-                </a:gradFill>
-              </a:rPr>
-              <a:t> indicates a hands-on exercise.</a:t>
-            </a:r>
-          </a:p>
-        </p:txBody>
-      </p:sp>
-    </p:spTree>
-    <p:extLst>
-      <p:ext uri="{BB962C8B-B14F-4D97-AF65-F5344CB8AC3E}">
-        <p14:creationId xmlns:p14="http://schemas.microsoft.com/office/powerpoint/2010/main" val="916717999"/>
-      </p:ext>
-    </p:extLst>
-  </p:cSld>
-  <p:clrMapOvr>
-    <a:masterClrMapping/>
-  </p:clrMapOvr>
-  <p:transition>
-    <p:fade/>
-  </p:transition>
-</p:sld>
-</file>
-
-<file path=ppt/slides/slide19.xml><?xml version="1.0" encoding="utf-8"?>
-<p:sld xmlns:a="http://schemas.openxmlformats.org/drawingml/2006/main" xmlns:r="http://schemas.openxmlformats.org/officeDocument/2006/relationships" xmlns:p="http://schemas.openxmlformats.org/presentationml/2006/main">
-  <p:cSld>
-    <p:spTree>
-      <p:nvGrpSpPr>
-        <p:cNvPr id="1" name=""/>
-        <p:cNvGrpSpPr/>
-        <p:nvPr/>
-      </p:nvGrpSpPr>
-      <p:grpSpPr>
-        <a:xfrm>
-          <a:off x="0" y="0"/>
-          <a:ext cx="0" cy="0"/>
-          <a:chOff x="0" y="0"/>
-          <a:chExt cx="0" cy="0"/>
-        </a:xfrm>
-      </p:grpSpPr>
-      <p:sp>
-        <p:nvSpPr>
-          <p:cNvPr id="4" name="Title 3">
-            <a:extLst>
-              <a:ext uri="{FF2B5EF4-FFF2-40B4-BE49-F238E27FC236}">
-                <a16:creationId xmlns:a16="http://schemas.microsoft.com/office/drawing/2014/main" id="{0CD8665D-5A50-4F07-9D33-48CCD3FD74C7}"/>
-              </a:ext>
-            </a:extLst>
-          </p:cNvPr>
-          <p:cNvSpPr>
-            <a:spLocks noGrp="1"/>
-          </p:cNvSpPr>
-          <p:nvPr>
-            <p:ph type="title"/>
-          </p:nvPr>
-        </p:nvSpPr>
-        <p:spPr>
-          <a:xfrm>
-            <a:off x="187914" y="2998663"/>
-            <a:ext cx="9725014" cy="997196"/>
-          </a:xfrm>
-        </p:spPr>
-        <p:txBody>
-          <a:bodyPr/>
-          <a:lstStyle/>
-          <a:p>
-            <a:r>
-              <a:rPr lang="en-US" sz="2400" dirty="0"/>
-              <a:t>Lab 03b - Manage Azure resources by Using ARM Templates</a:t>
-            </a:r>
-            <a:br>
-              <a:rPr lang="en-US" sz="2400" dirty="0"/>
-            </a:br>
-            <a:r>
-              <a:rPr lang="en-US" sz="2400" dirty="0"/>
-              <a:t>Lab 03c - Manage Azure resources by Using Azure PowerShell (optional)</a:t>
-            </a:r>
-            <a:br>
-              <a:rPr lang="en-US" sz="2400" dirty="0"/>
-            </a:br>
-            <a:r>
-              <a:rPr lang="en-US" sz="2400" dirty="0"/>
-              <a:t>Lab 03d - Manage Azure resources by Using Azure CLI (optional)</a:t>
-            </a:r>
-            <a:endParaRPr lang="en-IN" sz="2400" dirty="0"/>
-          </a:p>
-        </p:txBody>
-      </p:sp>
-      <p:pic>
-        <p:nvPicPr>
-          <p:cNvPr id="6" name="Picture 5" descr="Icon of a lab flask">
-            <a:extLst>
-              <a:ext uri="{FF2B5EF4-FFF2-40B4-BE49-F238E27FC236}">
-                <a16:creationId xmlns:a16="http://schemas.microsoft.com/office/drawing/2014/main" id="{31BA8DA9-9114-4BC9-BC9C-69DB9B67D10D}"/>
-              </a:ext>
-            </a:extLst>
-          </p:cNvPr>
-          <p:cNvPicPr>
-            <a:picLocks noChangeAspect="1"/>
-          </p:cNvPicPr>
-          <p:nvPr/>
-        </p:nvPicPr>
-        <p:blipFill>
-          <a:blip r:embed="rId3" cstate="screen">
-            <a:extLst>
-              <a:ext uri="{28A0092B-C50C-407E-A947-70E740481C1C}">
-                <a14:useLocalDpi xmlns:a14="http://schemas.microsoft.com/office/drawing/2010/main"/>
-              </a:ext>
-            </a:extLst>
-          </a:blip>
-          <a:stretch>
-            <a:fillRect/>
-          </a:stretch>
-        </p:blipFill>
-        <p:spPr>
-          <a:xfrm>
-            <a:off x="10406243" y="2802098"/>
-            <a:ext cx="955995" cy="1390327"/>
-          </a:xfrm>
-          <a:prstGeom prst="rect">
-            <a:avLst/>
-          </a:prstGeom>
-        </p:spPr>
-      </p:pic>
-    </p:spTree>
-    <p:extLst>
-      <p:ext uri="{BB962C8B-B14F-4D97-AF65-F5344CB8AC3E}">
-        <p14:creationId xmlns:p14="http://schemas.microsoft.com/office/powerpoint/2010/main" val="3194727346"/>
       </p:ext>
     </p:extLst>
   </p:cSld>
@@ -17960,6 +17346,1368 @@
           <p:cNvPr id="2" name="Title 1">
             <a:extLst>
               <a:ext uri="{FF2B5EF4-FFF2-40B4-BE49-F238E27FC236}">
+                <a16:creationId xmlns:a16="http://schemas.microsoft.com/office/drawing/2014/main" id="{78E406A8-7297-4381-A5CF-82B697D2A49A}"/>
+              </a:ext>
+            </a:extLst>
+          </p:cNvPr>
+          <p:cNvSpPr>
+            <a:spLocks noGrp="1"/>
+          </p:cNvSpPr>
+          <p:nvPr>
+            <p:ph type="title"/>
+          </p:nvPr>
+        </p:nvSpPr>
+        <p:spPr/>
+        <p:txBody>
+          <a:bodyPr/>
+          <a:lstStyle/>
+          <a:p>
+            <a:r>
+              <a:rPr lang="en-US" dirty="0"/>
+              <a:t>Demonstration – Run Templates with PowerShell (optional)</a:t>
+            </a:r>
+          </a:p>
+        </p:txBody>
+      </p:sp>
+      <p:pic>
+        <p:nvPicPr>
+          <p:cNvPr id="7" name="Picture 6" descr="Icon of 5 circles connected by a line">
+            <a:extLst>
+              <a:ext uri="{FF2B5EF4-FFF2-40B4-BE49-F238E27FC236}">
+                <a16:creationId xmlns:a16="http://schemas.microsoft.com/office/drawing/2014/main" id="{F87AB56D-D932-4BA9-9E38-63F16931A13E}"/>
+              </a:ext>
+            </a:extLst>
+          </p:cNvPr>
+          <p:cNvPicPr>
+            <a:picLocks noChangeAspect="1"/>
+          </p:cNvPicPr>
+          <p:nvPr/>
+        </p:nvPicPr>
+        <p:blipFill>
+          <a:blip r:embed="rId3" cstate="screen">
+            <a:extLst>
+              <a:ext uri="{28A0092B-C50C-407E-A947-70E740481C1C}">
+                <a14:useLocalDpi xmlns:a14="http://schemas.microsoft.com/office/drawing/2010/main"/>
+              </a:ext>
+            </a:extLst>
+          </a:blip>
+          <a:stretch>
+            <a:fillRect/>
+          </a:stretch>
+        </p:blipFill>
+        <p:spPr>
+          <a:xfrm>
+            <a:off x="431801" y="1521993"/>
+            <a:ext cx="1056132" cy="1054608"/>
+          </a:xfrm>
+          <a:prstGeom prst="rect">
+            <a:avLst/>
+          </a:prstGeom>
+        </p:spPr>
+      </p:pic>
+      <p:sp>
+        <p:nvSpPr>
+          <p:cNvPr id="36" name="Rectangle 35">
+            <a:extLst>
+              <a:ext uri="{FF2B5EF4-FFF2-40B4-BE49-F238E27FC236}">
+                <a16:creationId xmlns:a16="http://schemas.microsoft.com/office/drawing/2014/main" id="{136C632F-1DB8-4EAB-AB3D-A088953F9869}"/>
+              </a:ext>
+            </a:extLst>
+          </p:cNvPr>
+          <p:cNvSpPr/>
+          <p:nvPr/>
+        </p:nvSpPr>
+        <p:spPr bwMode="auto">
+          <a:xfrm>
+            <a:off x="1811337" y="1522238"/>
+            <a:ext cx="10198101" cy="1042416"/>
+          </a:xfrm>
+          <a:prstGeom prst="rect">
+            <a:avLst/>
+          </a:prstGeom>
+          <a:noFill/>
+          <a:ln>
+            <a:noFill/>
+            <a:headEnd type="none" w="med" len="med"/>
+            <a:tailEnd type="none" w="med" len="med"/>
+          </a:ln>
+          <a:effectLst/>
+        </p:spPr>
+        <p:style>
+          <a:lnRef idx="1">
+            <a:schemeClr val="accent2"/>
+          </a:lnRef>
+          <a:fillRef idx="3">
+            <a:schemeClr val="accent2"/>
+          </a:fillRef>
+          <a:effectRef idx="2">
+            <a:schemeClr val="accent2"/>
+          </a:effectRef>
+          <a:fontRef idx="minor">
+            <a:schemeClr val="lt1"/>
+          </a:fontRef>
+        </p:style>
+        <p:txBody>
+          <a:bodyPr rot="0" spcFirstLastPara="0" vertOverflow="overflow" horzOverflow="overflow" vert="horz" wrap="square" lIns="0" tIns="0" rIns="0" bIns="0" numCol="1" spcCol="0" rtlCol="0" fromWordArt="0" anchor="ctr" anchorCtr="0" forceAA="0" compatLnSpc="1">
+            <a:prstTxWarp prst="textNoShape">
+              <a:avLst/>
+            </a:prstTxWarp>
+            <a:noAutofit/>
+          </a:bodyPr>
+          <a:lstStyle/>
+          <a:p>
+            <a:pPr defTabSz="1022350">
+              <a:spcBef>
+                <a:spcPct val="0"/>
+              </a:spcBef>
+              <a:spcAft>
+                <a:spcPct val="35000"/>
+              </a:spcAft>
+            </a:pPr>
+            <a:r>
+              <a:rPr lang="en-US" sz="2400" dirty="0">
+                <a:solidFill>
+                  <a:schemeClr val="tx1"/>
+                </a:solidFill>
+              </a:rPr>
+              <a:t>Connect to your subscription</a:t>
+            </a:r>
+          </a:p>
+        </p:txBody>
+      </p:sp>
+      <p:cxnSp>
+        <p:nvCxnSpPr>
+          <p:cNvPr id="13" name="Straight Connector 12">
+            <a:extLst>
+              <a:ext uri="{FF2B5EF4-FFF2-40B4-BE49-F238E27FC236}">
+                <a16:creationId xmlns:a16="http://schemas.microsoft.com/office/drawing/2014/main" id="{2E2A41FB-CB23-4BD3-9945-0213B6CA76FA}"/>
+              </a:ext>
+              <a:ext uri="{C183D7F6-B498-43B3-948B-1728B52AA6E4}">
+                <adec:decorative xmlns:adec="http://schemas.microsoft.com/office/drawing/2017/decorative" val="1"/>
+              </a:ext>
+            </a:extLst>
+          </p:cNvPr>
+          <p:cNvCxnSpPr>
+            <a:cxnSpLocks/>
+          </p:cNvCxnSpPr>
+          <p:nvPr/>
+        </p:nvCxnSpPr>
+        <p:spPr>
+          <a:xfrm>
+            <a:off x="1799617" y="2680876"/>
+            <a:ext cx="10214583" cy="0"/>
+          </a:xfrm>
+          <a:prstGeom prst="line">
+            <a:avLst/>
+          </a:prstGeom>
+          <a:ln w="19050">
+            <a:solidFill>
+              <a:schemeClr val="bg1">
+                <a:lumMod val="65000"/>
+              </a:schemeClr>
+            </a:solidFill>
+            <a:prstDash val="dash"/>
+            <a:headEnd type="none"/>
+            <a:tailEnd type="none"/>
+          </a:ln>
+        </p:spPr>
+        <p:style>
+          <a:lnRef idx="1">
+            <a:schemeClr val="accent1"/>
+          </a:lnRef>
+          <a:fillRef idx="0">
+            <a:schemeClr val="accent1"/>
+          </a:fillRef>
+          <a:effectRef idx="0">
+            <a:schemeClr val="accent1"/>
+          </a:effectRef>
+          <a:fontRef idx="minor">
+            <a:schemeClr val="tx1"/>
+          </a:fontRef>
+        </p:style>
+      </p:cxnSp>
+      <p:pic>
+        <p:nvPicPr>
+          <p:cNvPr id="8" name="Picture 7" descr="Icon of two people">
+            <a:extLst>
+              <a:ext uri="{FF2B5EF4-FFF2-40B4-BE49-F238E27FC236}">
+                <a16:creationId xmlns:a16="http://schemas.microsoft.com/office/drawing/2014/main" id="{6303D34B-CF9D-412A-93DC-6E1E9251DA59}"/>
+              </a:ext>
+            </a:extLst>
+          </p:cNvPr>
+          <p:cNvPicPr>
+            <a:picLocks noChangeAspect="1"/>
+          </p:cNvPicPr>
+          <p:nvPr/>
+        </p:nvPicPr>
+        <p:blipFill>
+          <a:blip r:embed="rId4" cstate="screen">
+            <a:extLst>
+              <a:ext uri="{28A0092B-C50C-407E-A947-70E740481C1C}">
+                <a14:useLocalDpi xmlns:a14="http://schemas.microsoft.com/office/drawing/2010/main"/>
+              </a:ext>
+            </a:extLst>
+          </a:blip>
+          <a:stretch>
+            <a:fillRect/>
+          </a:stretch>
+        </p:blipFill>
+        <p:spPr>
+          <a:xfrm>
+            <a:off x="431801" y="2785659"/>
+            <a:ext cx="1056132" cy="1056132"/>
+          </a:xfrm>
+          <a:prstGeom prst="rect">
+            <a:avLst/>
+          </a:prstGeom>
+        </p:spPr>
+      </p:pic>
+      <p:sp>
+        <p:nvSpPr>
+          <p:cNvPr id="44" name="Rectangle 43">
+            <a:extLst>
+              <a:ext uri="{FF2B5EF4-FFF2-40B4-BE49-F238E27FC236}">
+                <a16:creationId xmlns:a16="http://schemas.microsoft.com/office/drawing/2014/main" id="{5A785D11-F598-4903-93C5-231ED85CF121}"/>
+              </a:ext>
+            </a:extLst>
+          </p:cNvPr>
+          <p:cNvSpPr/>
+          <p:nvPr/>
+        </p:nvSpPr>
+        <p:spPr bwMode="auto">
+          <a:xfrm>
+            <a:off x="1811337" y="2790414"/>
+            <a:ext cx="10198101" cy="1042416"/>
+          </a:xfrm>
+          <a:prstGeom prst="rect">
+            <a:avLst/>
+          </a:prstGeom>
+          <a:noFill/>
+          <a:ln>
+            <a:noFill/>
+            <a:headEnd type="none" w="med" len="med"/>
+            <a:tailEnd type="none" w="med" len="med"/>
+          </a:ln>
+          <a:effectLst/>
+        </p:spPr>
+        <p:style>
+          <a:lnRef idx="1">
+            <a:schemeClr val="accent2"/>
+          </a:lnRef>
+          <a:fillRef idx="3">
+            <a:schemeClr val="accent2"/>
+          </a:fillRef>
+          <a:effectRef idx="2">
+            <a:schemeClr val="accent2"/>
+          </a:effectRef>
+          <a:fontRef idx="minor">
+            <a:schemeClr val="lt1"/>
+          </a:fontRef>
+        </p:style>
+        <p:txBody>
+          <a:bodyPr rot="0" spcFirstLastPara="0" vertOverflow="overflow" horzOverflow="overflow" vert="horz" wrap="square" lIns="0" tIns="0" rIns="0" bIns="0" numCol="1" spcCol="0" rtlCol="0" fromWordArt="0" anchor="ctr" anchorCtr="0" forceAA="0" compatLnSpc="1">
+            <a:prstTxWarp prst="textNoShape">
+              <a:avLst/>
+            </a:prstTxWarp>
+            <a:noAutofit/>
+          </a:bodyPr>
+          <a:lstStyle/>
+          <a:p>
+            <a:pPr defTabSz="1022350">
+              <a:spcBef>
+                <a:spcPct val="0"/>
+              </a:spcBef>
+              <a:spcAft>
+                <a:spcPct val="35000"/>
+              </a:spcAft>
+            </a:pPr>
+            <a:r>
+              <a:rPr lang="en-US" sz="2400" dirty="0">
+                <a:solidFill>
+                  <a:schemeClr val="tx1"/>
+                </a:solidFill>
+              </a:rPr>
+              <a:t>Create the resource group</a:t>
+            </a:r>
+          </a:p>
+        </p:txBody>
+      </p:sp>
+      <p:pic>
+        <p:nvPicPr>
+          <p:cNvPr id="9" name="Picture 8" descr="Icon of arrow pointing upwards">
+            <a:extLst>
+              <a:ext uri="{FF2B5EF4-FFF2-40B4-BE49-F238E27FC236}">
+                <a16:creationId xmlns:a16="http://schemas.microsoft.com/office/drawing/2014/main" id="{14747D07-0190-4312-B329-C4E6D76CC512}"/>
+              </a:ext>
+            </a:extLst>
+          </p:cNvPr>
+          <p:cNvPicPr>
+            <a:picLocks noChangeAspect="1"/>
+          </p:cNvPicPr>
+          <p:nvPr/>
+        </p:nvPicPr>
+        <p:blipFill>
+          <a:blip r:embed="rId5" cstate="screen">
+            <a:extLst>
+              <a:ext uri="{28A0092B-C50C-407E-A947-70E740481C1C}">
+                <a14:useLocalDpi xmlns:a14="http://schemas.microsoft.com/office/drawing/2010/main"/>
+              </a:ext>
+            </a:extLst>
+          </a:blip>
+          <a:stretch>
+            <a:fillRect/>
+          </a:stretch>
+        </p:blipFill>
+        <p:spPr>
+          <a:xfrm>
+            <a:off x="431801" y="4049325"/>
+            <a:ext cx="1056132" cy="1056132"/>
+          </a:xfrm>
+          <a:prstGeom prst="rect">
+            <a:avLst/>
+          </a:prstGeom>
+        </p:spPr>
+      </p:pic>
+      <p:cxnSp>
+        <p:nvCxnSpPr>
+          <p:cNvPr id="18" name="Straight Connector 17">
+            <a:extLst>
+              <a:ext uri="{FF2B5EF4-FFF2-40B4-BE49-F238E27FC236}">
+                <a16:creationId xmlns:a16="http://schemas.microsoft.com/office/drawing/2014/main" id="{8F24EDD8-4FF2-4CD0-8763-057E286B8835}"/>
+              </a:ext>
+              <a:ext uri="{C183D7F6-B498-43B3-948B-1728B52AA6E4}">
+                <adec:decorative xmlns:adec="http://schemas.microsoft.com/office/drawing/2017/decorative" val="1"/>
+              </a:ext>
+            </a:extLst>
+          </p:cNvPr>
+          <p:cNvCxnSpPr>
+            <a:cxnSpLocks/>
+          </p:cNvCxnSpPr>
+          <p:nvPr/>
+        </p:nvCxnSpPr>
+        <p:spPr>
+          <a:xfrm>
+            <a:off x="1799617" y="3944542"/>
+            <a:ext cx="10214583" cy="0"/>
+          </a:xfrm>
+          <a:prstGeom prst="line">
+            <a:avLst/>
+          </a:prstGeom>
+          <a:ln w="19050">
+            <a:solidFill>
+              <a:schemeClr val="bg1">
+                <a:lumMod val="65000"/>
+              </a:schemeClr>
+            </a:solidFill>
+            <a:prstDash val="dash"/>
+            <a:headEnd type="none"/>
+            <a:tailEnd type="none"/>
+          </a:ln>
+        </p:spPr>
+        <p:style>
+          <a:lnRef idx="1">
+            <a:schemeClr val="accent1"/>
+          </a:lnRef>
+          <a:fillRef idx="0">
+            <a:schemeClr val="accent1"/>
+          </a:fillRef>
+          <a:effectRef idx="0">
+            <a:schemeClr val="accent1"/>
+          </a:effectRef>
+          <a:fontRef idx="minor">
+            <a:schemeClr val="tx1"/>
+          </a:fontRef>
+        </p:style>
+      </p:cxnSp>
+      <p:sp>
+        <p:nvSpPr>
+          <p:cNvPr id="57" name="Rectangle 56">
+            <a:extLst>
+              <a:ext uri="{FF2B5EF4-FFF2-40B4-BE49-F238E27FC236}">
+                <a16:creationId xmlns:a16="http://schemas.microsoft.com/office/drawing/2014/main" id="{372AA575-2169-47CD-9F8F-69BD77B7AAC8}"/>
+              </a:ext>
+            </a:extLst>
+          </p:cNvPr>
+          <p:cNvSpPr/>
+          <p:nvPr/>
+        </p:nvSpPr>
+        <p:spPr bwMode="auto">
+          <a:xfrm>
+            <a:off x="1811337" y="4058590"/>
+            <a:ext cx="10198101" cy="1042416"/>
+          </a:xfrm>
+          <a:prstGeom prst="rect">
+            <a:avLst/>
+          </a:prstGeom>
+          <a:noFill/>
+          <a:ln>
+            <a:noFill/>
+            <a:headEnd type="none" w="med" len="med"/>
+            <a:tailEnd type="none" w="med" len="med"/>
+          </a:ln>
+          <a:effectLst/>
+        </p:spPr>
+        <p:style>
+          <a:lnRef idx="1">
+            <a:schemeClr val="accent2"/>
+          </a:lnRef>
+          <a:fillRef idx="3">
+            <a:schemeClr val="accent2"/>
+          </a:fillRef>
+          <a:effectRef idx="2">
+            <a:schemeClr val="accent2"/>
+          </a:effectRef>
+          <a:fontRef idx="minor">
+            <a:schemeClr val="lt1"/>
+          </a:fontRef>
+        </p:style>
+        <p:txBody>
+          <a:bodyPr rot="0" spcFirstLastPara="0" vertOverflow="overflow" horzOverflow="overflow" vert="horz" wrap="square" lIns="0" tIns="0" rIns="0" bIns="0" numCol="1" spcCol="0" rtlCol="0" fromWordArt="0" anchor="ctr" anchorCtr="0" forceAA="0" compatLnSpc="1">
+            <a:prstTxWarp prst="textNoShape">
+              <a:avLst/>
+            </a:prstTxWarp>
+            <a:noAutofit/>
+          </a:bodyPr>
+          <a:lstStyle/>
+          <a:p>
+            <a:pPr>
+              <a:spcBef>
+                <a:spcPts val="612"/>
+              </a:spcBef>
+            </a:pPr>
+            <a:r>
+              <a:rPr lang="en-US" sz="2400" dirty="0">
+                <a:solidFill>
+                  <a:schemeClr val="tx1"/>
+                </a:solidFill>
+              </a:rPr>
+              <a:t>Deploy the template into the resource group</a:t>
+            </a:r>
+          </a:p>
+        </p:txBody>
+      </p:sp>
+      <p:pic>
+        <p:nvPicPr>
+          <p:cNvPr id="10" name="Picture 9" descr="Icon of a webpage layout template">
+            <a:extLst>
+              <a:ext uri="{FF2B5EF4-FFF2-40B4-BE49-F238E27FC236}">
+                <a16:creationId xmlns:a16="http://schemas.microsoft.com/office/drawing/2014/main" id="{CC25ED89-1FFE-4DFD-8EEB-B0A76CC4EDFA}"/>
+              </a:ext>
+            </a:extLst>
+          </p:cNvPr>
+          <p:cNvPicPr>
+            <a:picLocks noChangeAspect="1"/>
+          </p:cNvPicPr>
+          <p:nvPr/>
+        </p:nvPicPr>
+        <p:blipFill>
+          <a:blip r:embed="rId6" cstate="screen">
+            <a:extLst>
+              <a:ext uri="{28A0092B-C50C-407E-A947-70E740481C1C}">
+                <a14:useLocalDpi xmlns:a14="http://schemas.microsoft.com/office/drawing/2010/main"/>
+              </a:ext>
+            </a:extLst>
+          </a:blip>
+          <a:stretch>
+            <a:fillRect/>
+          </a:stretch>
+        </p:blipFill>
+        <p:spPr>
+          <a:xfrm>
+            <a:off x="431801" y="5312989"/>
+            <a:ext cx="1056132" cy="1056132"/>
+          </a:xfrm>
+          <a:prstGeom prst="rect">
+            <a:avLst/>
+          </a:prstGeom>
+        </p:spPr>
+      </p:pic>
+      <p:cxnSp>
+        <p:nvCxnSpPr>
+          <p:cNvPr id="19" name="Straight Connector 18">
+            <a:extLst>
+              <a:ext uri="{FF2B5EF4-FFF2-40B4-BE49-F238E27FC236}">
+                <a16:creationId xmlns:a16="http://schemas.microsoft.com/office/drawing/2014/main" id="{BF58A6BA-10E8-4043-B8A3-49EFC0684B0B}"/>
+              </a:ext>
+              <a:ext uri="{C183D7F6-B498-43B3-948B-1728B52AA6E4}">
+                <adec:decorative xmlns:adec="http://schemas.microsoft.com/office/drawing/2017/decorative" val="1"/>
+              </a:ext>
+            </a:extLst>
+          </p:cNvPr>
+          <p:cNvCxnSpPr>
+            <a:cxnSpLocks/>
+          </p:cNvCxnSpPr>
+          <p:nvPr/>
+        </p:nvCxnSpPr>
+        <p:spPr>
+          <a:xfrm>
+            <a:off x="1799617" y="5208208"/>
+            <a:ext cx="10214583" cy="0"/>
+          </a:xfrm>
+          <a:prstGeom prst="line">
+            <a:avLst/>
+          </a:prstGeom>
+          <a:ln w="19050">
+            <a:solidFill>
+              <a:schemeClr val="bg1">
+                <a:lumMod val="65000"/>
+              </a:schemeClr>
+            </a:solidFill>
+            <a:prstDash val="dash"/>
+            <a:headEnd type="none"/>
+            <a:tailEnd type="none"/>
+          </a:ln>
+        </p:spPr>
+        <p:style>
+          <a:lnRef idx="1">
+            <a:schemeClr val="accent1"/>
+          </a:lnRef>
+          <a:fillRef idx="0">
+            <a:schemeClr val="accent1"/>
+          </a:fillRef>
+          <a:effectRef idx="0">
+            <a:schemeClr val="accent1"/>
+          </a:effectRef>
+          <a:fontRef idx="minor">
+            <a:schemeClr val="tx1"/>
+          </a:fontRef>
+        </p:style>
+      </p:cxnSp>
+      <p:sp>
+        <p:nvSpPr>
+          <p:cNvPr id="59" name="Rectangle 58">
+            <a:extLst>
+              <a:ext uri="{FF2B5EF4-FFF2-40B4-BE49-F238E27FC236}">
+                <a16:creationId xmlns:a16="http://schemas.microsoft.com/office/drawing/2014/main" id="{BC230958-9C95-4833-8A64-1480D89CC97F}"/>
+              </a:ext>
+            </a:extLst>
+          </p:cNvPr>
+          <p:cNvSpPr/>
+          <p:nvPr/>
+        </p:nvSpPr>
+        <p:spPr bwMode="auto">
+          <a:xfrm>
+            <a:off x="1811337" y="5326765"/>
+            <a:ext cx="10198101" cy="1042416"/>
+          </a:xfrm>
+          <a:prstGeom prst="rect">
+            <a:avLst/>
+          </a:prstGeom>
+          <a:noFill/>
+          <a:ln>
+            <a:noFill/>
+            <a:headEnd type="none" w="med" len="med"/>
+            <a:tailEnd type="none" w="med" len="med"/>
+          </a:ln>
+          <a:effectLst/>
+        </p:spPr>
+        <p:style>
+          <a:lnRef idx="1">
+            <a:schemeClr val="accent2"/>
+          </a:lnRef>
+          <a:fillRef idx="3">
+            <a:schemeClr val="accent2"/>
+          </a:fillRef>
+          <a:effectRef idx="2">
+            <a:schemeClr val="accent2"/>
+          </a:effectRef>
+          <a:fontRef idx="minor">
+            <a:schemeClr val="lt1"/>
+          </a:fontRef>
+        </p:style>
+        <p:txBody>
+          <a:bodyPr rot="0" spcFirstLastPara="0" vertOverflow="overflow" horzOverflow="overflow" vert="horz" wrap="square" lIns="0" tIns="0" rIns="0" bIns="0" numCol="1" spcCol="0" rtlCol="0" fromWordArt="0" anchor="ctr" anchorCtr="0" forceAA="0" compatLnSpc="1">
+            <a:prstTxWarp prst="textNoShape">
+              <a:avLst/>
+            </a:prstTxWarp>
+            <a:noAutofit/>
+          </a:bodyPr>
+          <a:lstStyle/>
+          <a:p>
+            <a:pPr defTabSz="1022350">
+              <a:spcBef>
+                <a:spcPct val="0"/>
+              </a:spcBef>
+              <a:spcAft>
+                <a:spcPct val="35000"/>
+              </a:spcAft>
+            </a:pPr>
+            <a:r>
+              <a:rPr lang="en-US" sz="2400" dirty="0">
+                <a:solidFill>
+                  <a:schemeClr val="tx1"/>
+                </a:solidFill>
+              </a:rPr>
+              <a:t>Verify the template deployed</a:t>
+            </a:r>
+          </a:p>
+        </p:txBody>
+      </p:sp>
+    </p:spTree>
+    <p:extLst>
+      <p:ext uri="{BB962C8B-B14F-4D97-AF65-F5344CB8AC3E}">
+        <p14:creationId xmlns:p14="http://schemas.microsoft.com/office/powerpoint/2010/main" val="2792913724"/>
+      </p:ext>
+    </p:extLst>
+  </p:cSld>
+  <p:clrMapOvr>
+    <a:masterClrMapping/>
+  </p:clrMapOvr>
+  <p:transition>
+    <p:fade/>
+  </p:transition>
+</p:sld>
+</file>
+
+<file path=ppt/slides/slide21.xml><?xml version="1.0" encoding="utf-8"?>
+<p:sld xmlns:a="http://schemas.openxmlformats.org/drawingml/2006/main" xmlns:r="http://schemas.openxmlformats.org/officeDocument/2006/relationships" xmlns:p="http://schemas.openxmlformats.org/presentationml/2006/main">
+  <p:cSld>
+    <p:spTree>
+      <p:nvGrpSpPr>
+        <p:cNvPr id="1" name=""/>
+        <p:cNvGrpSpPr/>
+        <p:nvPr/>
+      </p:nvGrpSpPr>
+      <p:grpSpPr>
+        <a:xfrm>
+          <a:off x="0" y="0"/>
+          <a:ext cx="0" cy="0"/>
+          <a:chOff x="0" y="0"/>
+          <a:chExt cx="0" cy="0"/>
+        </a:xfrm>
+      </p:grpSpPr>
+      <p:sp>
+        <p:nvSpPr>
+          <p:cNvPr id="2" name="Title 1">
+            <a:extLst>
+              <a:ext uri="{FF2B5EF4-FFF2-40B4-BE49-F238E27FC236}">
+                <a16:creationId xmlns:a16="http://schemas.microsoft.com/office/drawing/2014/main" id="{968A36AA-E9C3-4D65-A81C-6BDA7C1BB0F9}"/>
+              </a:ext>
+            </a:extLst>
+          </p:cNvPr>
+          <p:cNvSpPr>
+            <a:spLocks noGrp="1"/>
+          </p:cNvSpPr>
+          <p:nvPr>
+            <p:ph type="title"/>
+          </p:nvPr>
+        </p:nvSpPr>
+        <p:spPr/>
+        <p:txBody>
+          <a:bodyPr/>
+          <a:lstStyle/>
+          <a:p>
+            <a:r>
+              <a:rPr lang="en-US" dirty="0"/>
+              <a:t>Summary and Resources</a:t>
+            </a:r>
+          </a:p>
+        </p:txBody>
+      </p:sp>
+      <p:sp>
+        <p:nvSpPr>
+          <p:cNvPr id="18" name="Rectangle 17">
+            <a:extLst>
+              <a:ext uri="{FF2B5EF4-FFF2-40B4-BE49-F238E27FC236}">
+                <a16:creationId xmlns:a16="http://schemas.microsoft.com/office/drawing/2014/main" id="{1B76FA35-9DAE-4E8C-B7D4-DDB8E3FAB1CC}"/>
+              </a:ext>
+            </a:extLst>
+          </p:cNvPr>
+          <p:cNvSpPr/>
+          <p:nvPr/>
+        </p:nvSpPr>
+        <p:spPr bwMode="auto">
+          <a:xfrm>
+            <a:off x="427039" y="1561783"/>
+            <a:ext cx="4297362" cy="640080"/>
+          </a:xfrm>
+          <a:prstGeom prst="rect">
+            <a:avLst/>
+          </a:prstGeom>
+          <a:solidFill>
+            <a:srgbClr val="243A5E"/>
+          </a:solidFill>
+          <a:ln w="6350">
+            <a:solidFill>
+              <a:srgbClr val="243A5E"/>
+            </a:solidFill>
+          </a:ln>
+        </p:spPr>
+        <p:style>
+          <a:lnRef idx="0">
+            <a:scrgbClr r="0" g="0" b="0"/>
+          </a:lnRef>
+          <a:fillRef idx="0">
+            <a:scrgbClr r="0" g="0" b="0"/>
+          </a:fillRef>
+          <a:effectRef idx="0">
+            <a:scrgbClr r="0" g="0" b="0"/>
+          </a:effectRef>
+          <a:fontRef idx="minor">
+            <a:schemeClr val="lt1"/>
+          </a:fontRef>
+        </p:style>
+        <p:txBody>
+          <a:bodyPr spcFirstLastPara="0" vert="horz" wrap="square" lIns="182880" tIns="137160" rIns="182880" bIns="137160" numCol="1" spcCol="1270" anchor="ctr" anchorCtr="0">
+            <a:noAutofit/>
+          </a:bodyPr>
+          <a:lstStyle/>
+          <a:p>
+            <a:pPr algn="ctr"/>
+            <a:r>
+              <a:rPr lang="en-US" sz="2000" dirty="0">
+                <a:latin typeface="+mj-lt"/>
+              </a:rPr>
+              <a:t>Knowledge Check Questions</a:t>
+            </a:r>
+          </a:p>
+        </p:txBody>
+      </p:sp>
+      <p:sp>
+        <p:nvSpPr>
+          <p:cNvPr id="19" name="Rectangle 18">
+            <a:extLst>
+              <a:ext uri="{FF2B5EF4-FFF2-40B4-BE49-F238E27FC236}">
+                <a16:creationId xmlns:a16="http://schemas.microsoft.com/office/drawing/2014/main" id="{B809EBB3-E2ED-4315-8770-BB6D970116FC}"/>
+              </a:ext>
+            </a:extLst>
+          </p:cNvPr>
+          <p:cNvSpPr/>
+          <p:nvPr/>
+        </p:nvSpPr>
+        <p:spPr bwMode="auto">
+          <a:xfrm>
+            <a:off x="4876800" y="1561783"/>
+            <a:ext cx="7132638" cy="640080"/>
+          </a:xfrm>
+          <a:prstGeom prst="rect">
+            <a:avLst/>
+          </a:prstGeom>
+          <a:solidFill>
+            <a:srgbClr val="243A5E"/>
+          </a:solidFill>
+          <a:ln w="6350">
+            <a:solidFill>
+              <a:srgbClr val="243A5E"/>
+            </a:solidFill>
+          </a:ln>
+        </p:spPr>
+        <p:style>
+          <a:lnRef idx="0">
+            <a:scrgbClr r="0" g="0" b="0"/>
+          </a:lnRef>
+          <a:fillRef idx="0">
+            <a:scrgbClr r="0" g="0" b="0"/>
+          </a:fillRef>
+          <a:effectRef idx="0">
+            <a:scrgbClr r="0" g="0" b="0"/>
+          </a:effectRef>
+          <a:fontRef idx="minor">
+            <a:schemeClr val="lt1"/>
+          </a:fontRef>
+        </p:style>
+        <p:txBody>
+          <a:bodyPr spcFirstLastPara="0" vert="horz" wrap="square" lIns="182880" tIns="137160" rIns="182880" bIns="137160" numCol="1" spcCol="1270" anchor="ctr" anchorCtr="0">
+            <a:noAutofit/>
+          </a:bodyPr>
+          <a:lstStyle/>
+          <a:p>
+            <a:r>
+              <a:rPr lang="en-US" sz="2000" dirty="0">
+                <a:latin typeface="+mj-lt"/>
+              </a:rPr>
+              <a:t>Microsoft Learn Modules (docs.microsoft.com/Learn)</a:t>
+            </a:r>
+          </a:p>
+        </p:txBody>
+      </p:sp>
+      <p:cxnSp>
+        <p:nvCxnSpPr>
+          <p:cNvPr id="21" name="Straight Connector 20">
+            <a:extLst>
+              <a:ext uri="{FF2B5EF4-FFF2-40B4-BE49-F238E27FC236}">
+                <a16:creationId xmlns:a16="http://schemas.microsoft.com/office/drawing/2014/main" id="{93E5F85F-B84B-4610-8829-80B9B97DA0A4}"/>
+              </a:ext>
+              <a:ext uri="{C183D7F6-B498-43B3-948B-1728B52AA6E4}">
+                <adec:decorative xmlns:adec="http://schemas.microsoft.com/office/drawing/2017/decorative" val="1"/>
+              </a:ext>
+            </a:extLst>
+          </p:cNvPr>
+          <p:cNvCxnSpPr>
+            <a:cxnSpLocks/>
+          </p:cNvCxnSpPr>
+          <p:nvPr/>
+        </p:nvCxnSpPr>
+        <p:spPr>
+          <a:xfrm>
+            <a:off x="4877294" y="2875361"/>
+            <a:ext cx="7132144" cy="0"/>
+          </a:xfrm>
+          <a:prstGeom prst="line">
+            <a:avLst/>
+          </a:prstGeom>
+          <a:ln w="19050">
+            <a:solidFill>
+              <a:schemeClr val="bg1">
+                <a:lumMod val="65000"/>
+              </a:schemeClr>
+            </a:solidFill>
+            <a:prstDash val="dash"/>
+            <a:headEnd type="none"/>
+            <a:tailEnd type="none"/>
+          </a:ln>
+        </p:spPr>
+        <p:style>
+          <a:lnRef idx="1">
+            <a:schemeClr val="accent1"/>
+          </a:lnRef>
+          <a:fillRef idx="0">
+            <a:schemeClr val="accent1"/>
+          </a:fillRef>
+          <a:effectRef idx="0">
+            <a:schemeClr val="accent1"/>
+          </a:effectRef>
+          <a:fontRef idx="minor">
+            <a:schemeClr val="tx1"/>
+          </a:fontRef>
+        </p:style>
+      </p:cxnSp>
+      <p:cxnSp>
+        <p:nvCxnSpPr>
+          <p:cNvPr id="23" name="Straight Connector 22">
+            <a:extLst>
+              <a:ext uri="{FF2B5EF4-FFF2-40B4-BE49-F238E27FC236}">
+                <a16:creationId xmlns:a16="http://schemas.microsoft.com/office/drawing/2014/main" id="{B31CE05C-4091-493A-B8A0-4B14EC5EC842}"/>
+              </a:ext>
+              <a:ext uri="{C183D7F6-B498-43B3-948B-1728B52AA6E4}">
+                <adec:decorative xmlns:adec="http://schemas.microsoft.com/office/drawing/2017/decorative" val="1"/>
+              </a:ext>
+            </a:extLst>
+          </p:cNvPr>
+          <p:cNvCxnSpPr>
+            <a:cxnSpLocks/>
+          </p:cNvCxnSpPr>
+          <p:nvPr/>
+        </p:nvCxnSpPr>
+        <p:spPr>
+          <a:xfrm>
+            <a:off x="4877294" y="3548859"/>
+            <a:ext cx="7132144" cy="0"/>
+          </a:xfrm>
+          <a:prstGeom prst="line">
+            <a:avLst/>
+          </a:prstGeom>
+          <a:ln w="19050">
+            <a:solidFill>
+              <a:schemeClr val="bg1">
+                <a:lumMod val="65000"/>
+              </a:schemeClr>
+            </a:solidFill>
+            <a:prstDash val="dash"/>
+            <a:headEnd type="none"/>
+            <a:tailEnd type="none"/>
+          </a:ln>
+        </p:spPr>
+        <p:style>
+          <a:lnRef idx="1">
+            <a:schemeClr val="accent1"/>
+          </a:lnRef>
+          <a:fillRef idx="0">
+            <a:schemeClr val="accent1"/>
+          </a:fillRef>
+          <a:effectRef idx="0">
+            <a:schemeClr val="accent1"/>
+          </a:effectRef>
+          <a:fontRef idx="minor">
+            <a:schemeClr val="tx1"/>
+          </a:fontRef>
+        </p:style>
+      </p:cxnSp>
+      <p:sp>
+        <p:nvSpPr>
+          <p:cNvPr id="24" name="Rectangle 23">
+            <a:extLst>
+              <a:ext uri="{FF2B5EF4-FFF2-40B4-BE49-F238E27FC236}">
+                <a16:creationId xmlns:a16="http://schemas.microsoft.com/office/drawing/2014/main" id="{54B5EDE0-FAD7-455E-86D0-EBCCE9AC7677}"/>
+              </a:ext>
+            </a:extLst>
+          </p:cNvPr>
+          <p:cNvSpPr/>
+          <p:nvPr/>
+        </p:nvSpPr>
+        <p:spPr>
+          <a:xfrm>
+            <a:off x="4877294" y="2326720"/>
+            <a:ext cx="7132144" cy="548640"/>
+          </a:xfrm>
+          <a:prstGeom prst="rect">
+            <a:avLst/>
+          </a:prstGeom>
+          <a:noFill/>
+          <a:ln>
+            <a:noFill/>
+          </a:ln>
+        </p:spPr>
+        <p:style>
+          <a:lnRef idx="2">
+            <a:schemeClr val="lt1">
+              <a:hueOff val="0"/>
+              <a:satOff val="0"/>
+              <a:lumOff val="0"/>
+              <a:alphaOff val="0"/>
+            </a:schemeClr>
+          </a:lnRef>
+          <a:fillRef idx="1">
+            <a:schemeClr val="accent1">
+              <a:hueOff val="0"/>
+              <a:satOff val="0"/>
+              <a:lumOff val="0"/>
+              <a:alphaOff val="0"/>
+            </a:schemeClr>
+          </a:fillRef>
+          <a:effectRef idx="0">
+            <a:schemeClr val="accent1">
+              <a:hueOff val="0"/>
+              <a:satOff val="0"/>
+              <a:lumOff val="0"/>
+              <a:alphaOff val="0"/>
+            </a:schemeClr>
+          </a:effectRef>
+          <a:fontRef idx="minor">
+            <a:schemeClr val="lt1"/>
+          </a:fontRef>
+        </p:style>
+        <p:txBody>
+          <a:bodyPr spcFirstLastPara="0" vert="horz" wrap="square" lIns="106040" tIns="106040" rIns="106040" bIns="106040" numCol="1" spcCol="1270" anchor="ctr" anchorCtr="0">
+            <a:noAutofit/>
+          </a:bodyPr>
+          <a:lstStyle/>
+          <a:p>
+            <a:pPr defTabSz="800100">
+              <a:lnSpc>
+                <a:spcPct val="90000"/>
+              </a:lnSpc>
+              <a:spcBef>
+                <a:spcPct val="0"/>
+              </a:spcBef>
+              <a:spcAft>
+                <a:spcPct val="35000"/>
+              </a:spcAft>
+              <a:buSzPct val="100000"/>
+              <a:tabLst>
+                <a:tab pos="349724" algn="l"/>
+                <a:tab pos="582873" algn="l"/>
+              </a:tabLst>
+            </a:pPr>
+            <a:r>
+              <a:rPr lang="en-US" dirty="0">
+                <a:hlinkClick r:id="rId3"/>
+              </a:rPr>
+              <a:t>Create Azure resources using Azure Resource Manager templates</a:t>
+            </a:r>
+            <a:endParaRPr lang="en-US" dirty="0">
+              <a:solidFill>
+                <a:schemeClr val="tx1"/>
+              </a:solidFill>
+            </a:endParaRPr>
+          </a:p>
+        </p:txBody>
+      </p:sp>
+      <p:pic>
+        <p:nvPicPr>
+          <p:cNvPr id="3" name="Picture 2">
+            <a:extLst>
+              <a:ext uri="{FF2B5EF4-FFF2-40B4-BE49-F238E27FC236}">
+                <a16:creationId xmlns:a16="http://schemas.microsoft.com/office/drawing/2014/main" id="{EB194B0C-9628-44DF-BD6F-EA71522B57B4}"/>
+              </a:ext>
+              <a:ext uri="{C183D7F6-B498-43B3-948B-1728B52AA6E4}">
+                <adec:decorative xmlns:adec="http://schemas.microsoft.com/office/drawing/2017/decorative" val="1"/>
+              </a:ext>
+            </a:extLst>
+          </p:cNvPr>
+          <p:cNvPicPr>
+            <a:picLocks noChangeAspect="1"/>
+          </p:cNvPicPr>
+          <p:nvPr/>
+        </p:nvPicPr>
+        <p:blipFill>
+          <a:blip r:embed="rId4" cstate="screen">
+            <a:extLst>
+              <a:ext uri="{28A0092B-C50C-407E-A947-70E740481C1C}">
+                <a14:useLocalDpi xmlns:a14="http://schemas.microsoft.com/office/drawing/2010/main"/>
+              </a:ext>
+            </a:extLst>
+          </a:blip>
+          <a:stretch>
+            <a:fillRect/>
+          </a:stretch>
+        </p:blipFill>
+        <p:spPr>
+          <a:xfrm>
+            <a:off x="1741597" y="2784577"/>
+            <a:ext cx="1494645" cy="2173707"/>
+          </a:xfrm>
+          <a:prstGeom prst="rect">
+            <a:avLst/>
+          </a:prstGeom>
+        </p:spPr>
+      </p:pic>
+      <p:sp>
+        <p:nvSpPr>
+          <p:cNvPr id="4" name="Rectangle 3">
+            <a:extLst>
+              <a:ext uri="{FF2B5EF4-FFF2-40B4-BE49-F238E27FC236}">
+                <a16:creationId xmlns:a16="http://schemas.microsoft.com/office/drawing/2014/main" id="{ED578A82-C822-4991-B52A-8A20F374F4C9}"/>
+              </a:ext>
+            </a:extLst>
+          </p:cNvPr>
+          <p:cNvSpPr/>
+          <p:nvPr/>
+        </p:nvSpPr>
+        <p:spPr>
+          <a:xfrm>
+            <a:off x="4866181" y="2948622"/>
+            <a:ext cx="7132144" cy="548640"/>
+          </a:xfrm>
+          <a:prstGeom prst="rect">
+            <a:avLst/>
+          </a:prstGeom>
+          <a:noFill/>
+          <a:ln>
+            <a:noFill/>
+          </a:ln>
+        </p:spPr>
+        <p:style>
+          <a:lnRef idx="2">
+            <a:schemeClr val="lt1">
+              <a:hueOff val="0"/>
+              <a:satOff val="0"/>
+              <a:lumOff val="0"/>
+              <a:alphaOff val="0"/>
+            </a:schemeClr>
+          </a:lnRef>
+          <a:fillRef idx="1">
+            <a:schemeClr val="accent1">
+              <a:hueOff val="0"/>
+              <a:satOff val="0"/>
+              <a:lumOff val="0"/>
+              <a:alphaOff val="0"/>
+            </a:schemeClr>
+          </a:fillRef>
+          <a:effectRef idx="0">
+            <a:schemeClr val="accent1">
+              <a:hueOff val="0"/>
+              <a:satOff val="0"/>
+              <a:lumOff val="0"/>
+              <a:alphaOff val="0"/>
+            </a:schemeClr>
+          </a:effectRef>
+          <a:fontRef idx="minor">
+            <a:schemeClr val="lt1"/>
+          </a:fontRef>
+        </p:style>
+        <p:txBody>
+          <a:bodyPr spcFirstLastPara="0" vert="horz" wrap="square" lIns="106040" tIns="106040" rIns="106040" bIns="106040" numCol="1" spcCol="1270" anchor="ctr" anchorCtr="0">
+            <a:noAutofit/>
+          </a:bodyPr>
+          <a:lstStyle/>
+          <a:p>
+            <a:r>
+              <a:rPr lang="en-US" dirty="0">
+                <a:hlinkClick r:id="rId5"/>
+              </a:rPr>
+              <a:t>Deploy Azure infrastructure by using JSON ARM templates (Sandbox)</a:t>
+            </a:r>
+            <a:endParaRPr lang="en-US" dirty="0">
+              <a:solidFill>
+                <a:schemeClr val="tx1"/>
+              </a:solidFill>
+            </a:endParaRPr>
+          </a:p>
+        </p:txBody>
+      </p:sp>
+      <p:sp>
+        <p:nvSpPr>
+          <p:cNvPr id="15" name="TextBox 14">
+            <a:extLst>
+              <a:ext uri="{FF2B5EF4-FFF2-40B4-BE49-F238E27FC236}">
+                <a16:creationId xmlns:a16="http://schemas.microsoft.com/office/drawing/2014/main" id="{0AB20BF3-2933-4C7E-9E3F-12857EAB1861}"/>
+              </a:ext>
+            </a:extLst>
+          </p:cNvPr>
+          <p:cNvSpPr txBox="1"/>
+          <p:nvPr/>
+        </p:nvSpPr>
+        <p:spPr>
+          <a:xfrm>
+            <a:off x="4876800" y="3706408"/>
+            <a:ext cx="6215448" cy="369332"/>
+          </a:xfrm>
+          <a:prstGeom prst="rect">
+            <a:avLst/>
+          </a:prstGeom>
+          <a:noFill/>
+        </p:spPr>
+        <p:txBody>
+          <a:bodyPr wrap="square">
+            <a:spAutoFit/>
+          </a:bodyPr>
+          <a:lstStyle/>
+          <a:p>
+            <a:r>
+              <a:rPr lang="en-US" dirty="0">
+                <a:hlinkClick r:id="rId6"/>
+              </a:rPr>
+              <a:t>Build your first Bicep template (Sandbox)</a:t>
+            </a:r>
+            <a:endParaRPr lang="en-US" dirty="0"/>
+          </a:p>
+        </p:txBody>
+      </p:sp>
+      <p:sp>
+        <p:nvSpPr>
+          <p:cNvPr id="5" name="TextBox 4">
+            <a:extLst>
+              <a:ext uri="{FF2B5EF4-FFF2-40B4-BE49-F238E27FC236}">
+                <a16:creationId xmlns:a16="http://schemas.microsoft.com/office/drawing/2014/main" id="{54A9EA70-EC91-4F7A-88D4-518E73BABFD8}"/>
+              </a:ext>
+            </a:extLst>
+          </p:cNvPr>
+          <p:cNvSpPr txBox="1"/>
+          <p:nvPr/>
+        </p:nvSpPr>
+        <p:spPr>
+          <a:xfrm>
+            <a:off x="7793037" y="5985163"/>
+            <a:ext cx="4487575" cy="544765"/>
+          </a:xfrm>
+          <a:prstGeom prst="rect">
+            <a:avLst/>
+          </a:prstGeom>
+          <a:solidFill>
+            <a:srgbClr val="FFFFCC"/>
+          </a:solidFill>
+        </p:spPr>
+        <p:txBody>
+          <a:bodyPr wrap="none" lIns="182880" tIns="146304" rIns="182880" bIns="146304" rtlCol="0">
+            <a:spAutoFit/>
+          </a:bodyPr>
+          <a:lstStyle/>
+          <a:p>
+            <a:pPr>
+              <a:lnSpc>
+                <a:spcPct val="90000"/>
+              </a:lnSpc>
+              <a:spcAft>
+                <a:spcPts val="600"/>
+              </a:spcAft>
+            </a:pPr>
+            <a:r>
+              <a:rPr lang="en-US" dirty="0">
+                <a:gradFill>
+                  <a:gsLst>
+                    <a:gs pos="2917">
+                      <a:schemeClr val="tx1"/>
+                    </a:gs>
+                    <a:gs pos="30000">
+                      <a:schemeClr val="tx1"/>
+                    </a:gs>
+                  </a:gsLst>
+                  <a:lin ang="5400000" scaled="0"/>
+                </a:gradFill>
+              </a:rPr>
+              <a:t>A </a:t>
+            </a:r>
+            <a:r>
+              <a:rPr lang="en-US" i="1" dirty="0">
+                <a:gradFill>
+                  <a:gsLst>
+                    <a:gs pos="2917">
+                      <a:schemeClr val="tx1"/>
+                    </a:gs>
+                    <a:gs pos="30000">
+                      <a:schemeClr val="tx1"/>
+                    </a:gs>
+                  </a:gsLst>
+                  <a:lin ang="5400000" scaled="0"/>
+                </a:gradFill>
+              </a:rPr>
+              <a:t>sandbox</a:t>
+            </a:r>
+            <a:r>
+              <a:rPr lang="en-US" dirty="0">
+                <a:gradFill>
+                  <a:gsLst>
+                    <a:gs pos="2917">
+                      <a:schemeClr val="tx1"/>
+                    </a:gs>
+                    <a:gs pos="30000">
+                      <a:schemeClr val="tx1"/>
+                    </a:gs>
+                  </a:gsLst>
+                  <a:lin ang="5400000" scaled="0"/>
+                </a:gradFill>
+              </a:rPr>
+              <a:t> indicates a hands-on exercise.</a:t>
+            </a:r>
+          </a:p>
+        </p:txBody>
+      </p:sp>
+    </p:spTree>
+    <p:extLst>
+      <p:ext uri="{BB962C8B-B14F-4D97-AF65-F5344CB8AC3E}">
+        <p14:creationId xmlns:p14="http://schemas.microsoft.com/office/powerpoint/2010/main" val="916717999"/>
+      </p:ext>
+    </p:extLst>
+  </p:cSld>
+  <p:clrMapOvr>
+    <a:masterClrMapping/>
+  </p:clrMapOvr>
+  <p:transition>
+    <p:fade/>
+  </p:transition>
+</p:sld>
+</file>
+
+<file path=ppt/slides/slide22.xml><?xml version="1.0" encoding="utf-8"?>
+<p:sld xmlns:a="http://schemas.openxmlformats.org/drawingml/2006/main" xmlns:r="http://schemas.openxmlformats.org/officeDocument/2006/relationships" xmlns:p="http://schemas.openxmlformats.org/presentationml/2006/main">
+  <p:cSld>
+    <p:spTree>
+      <p:nvGrpSpPr>
+        <p:cNvPr id="1" name=""/>
+        <p:cNvGrpSpPr/>
+        <p:nvPr/>
+      </p:nvGrpSpPr>
+      <p:grpSpPr>
+        <a:xfrm>
+          <a:off x="0" y="0"/>
+          <a:ext cx="0" cy="0"/>
+          <a:chOff x="0" y="0"/>
+          <a:chExt cx="0" cy="0"/>
+        </a:xfrm>
+      </p:grpSpPr>
+      <p:sp>
+        <p:nvSpPr>
+          <p:cNvPr id="4" name="Title 3">
+            <a:extLst>
+              <a:ext uri="{FF2B5EF4-FFF2-40B4-BE49-F238E27FC236}">
+                <a16:creationId xmlns:a16="http://schemas.microsoft.com/office/drawing/2014/main" id="{0CD8665D-5A50-4F07-9D33-48CCD3FD74C7}"/>
+              </a:ext>
+            </a:extLst>
+          </p:cNvPr>
+          <p:cNvSpPr>
+            <a:spLocks noGrp="1"/>
+          </p:cNvSpPr>
+          <p:nvPr>
+            <p:ph type="title"/>
+          </p:nvPr>
+        </p:nvSpPr>
+        <p:spPr>
+          <a:xfrm>
+            <a:off x="187914" y="2998663"/>
+            <a:ext cx="9725014" cy="997196"/>
+          </a:xfrm>
+        </p:spPr>
+        <p:txBody>
+          <a:bodyPr/>
+          <a:lstStyle/>
+          <a:p>
+            <a:r>
+              <a:rPr lang="en-US" sz="2400" dirty="0"/>
+              <a:t>Lab 03b - Manage Azure resources by Using ARM Templates</a:t>
+            </a:r>
+            <a:br>
+              <a:rPr lang="en-US" sz="2400" dirty="0"/>
+            </a:br>
+            <a:r>
+              <a:rPr lang="en-US" sz="2400" dirty="0"/>
+              <a:t>Lab 03c - Manage Azure resources by Using Azure PowerShell (optional)</a:t>
+            </a:r>
+            <a:br>
+              <a:rPr lang="en-US" sz="2400" dirty="0"/>
+            </a:br>
+            <a:r>
+              <a:rPr lang="en-US" sz="2400" dirty="0"/>
+              <a:t>Lab 03d - Manage Azure resources by Using Azure CLI (optional)</a:t>
+            </a:r>
+            <a:endParaRPr lang="en-IN" sz="2400" dirty="0"/>
+          </a:p>
+        </p:txBody>
+      </p:sp>
+      <p:pic>
+        <p:nvPicPr>
+          <p:cNvPr id="6" name="Picture 5" descr="Icon of a lab flask">
+            <a:extLst>
+              <a:ext uri="{FF2B5EF4-FFF2-40B4-BE49-F238E27FC236}">
+                <a16:creationId xmlns:a16="http://schemas.microsoft.com/office/drawing/2014/main" id="{31BA8DA9-9114-4BC9-BC9C-69DB9B67D10D}"/>
+              </a:ext>
+            </a:extLst>
+          </p:cNvPr>
+          <p:cNvPicPr>
+            <a:picLocks noChangeAspect="1"/>
+          </p:cNvPicPr>
+          <p:nvPr/>
+        </p:nvPicPr>
+        <p:blipFill>
+          <a:blip r:embed="rId3" cstate="screen">
+            <a:extLst>
+              <a:ext uri="{28A0092B-C50C-407E-A947-70E740481C1C}">
+                <a14:useLocalDpi xmlns:a14="http://schemas.microsoft.com/office/drawing/2010/main"/>
+              </a:ext>
+            </a:extLst>
+          </a:blip>
+          <a:stretch>
+            <a:fillRect/>
+          </a:stretch>
+        </p:blipFill>
+        <p:spPr>
+          <a:xfrm>
+            <a:off x="10406243" y="2802098"/>
+            <a:ext cx="955995" cy="1390327"/>
+          </a:xfrm>
+          <a:prstGeom prst="rect">
+            <a:avLst/>
+          </a:prstGeom>
+        </p:spPr>
+      </p:pic>
+    </p:spTree>
+    <p:extLst>
+      <p:ext uri="{BB962C8B-B14F-4D97-AF65-F5344CB8AC3E}">
+        <p14:creationId xmlns:p14="http://schemas.microsoft.com/office/powerpoint/2010/main" val="3194727346"/>
+      </p:ext>
+    </p:extLst>
+  </p:cSld>
+  <p:clrMapOvr>
+    <a:masterClrMapping/>
+  </p:clrMapOvr>
+  <p:transition>
+    <p:fade/>
+  </p:transition>
+</p:sld>
+</file>
+
+<file path=ppt/slides/slide23.xml><?xml version="1.0" encoding="utf-8"?>
+<p:sld xmlns:a="http://schemas.openxmlformats.org/drawingml/2006/main" xmlns:r="http://schemas.openxmlformats.org/officeDocument/2006/relationships" xmlns:p="http://schemas.openxmlformats.org/presentationml/2006/main">
+  <p:cSld>
+    <p:spTree>
+      <p:nvGrpSpPr>
+        <p:cNvPr id="1" name=""/>
+        <p:cNvGrpSpPr/>
+        <p:nvPr/>
+      </p:nvGrpSpPr>
+      <p:grpSpPr>
+        <a:xfrm>
+          <a:off x="0" y="0"/>
+          <a:ext cx="0" cy="0"/>
+          <a:chOff x="0" y="0"/>
+          <a:chExt cx="0" cy="0"/>
+        </a:xfrm>
+      </p:grpSpPr>
+      <p:sp>
+        <p:nvSpPr>
+          <p:cNvPr id="2" name="Title 1">
+            <a:extLst>
+              <a:ext uri="{FF2B5EF4-FFF2-40B4-BE49-F238E27FC236}">
                 <a16:creationId xmlns:a16="http://schemas.microsoft.com/office/drawing/2014/main" id="{8B7D2504-CD52-4530-95A0-64324BCD7B4B}"/>
               </a:ext>
             </a:extLst>
@@ -19138,7 +19886,7 @@
 </p:sld>
 </file>
 
-<file path=ppt/slides/slide21.xml><?xml version="1.0" encoding="utf-8"?>
+<file path=ppt/slides/slide24.xml><?xml version="1.0" encoding="utf-8"?>
 <p:sld xmlns:a="http://schemas.openxmlformats.org/drawingml/2006/main" xmlns:r="http://schemas.openxmlformats.org/officeDocument/2006/relationships" xmlns:p="http://schemas.openxmlformats.org/presentationml/2006/main">
   <p:cSld>
     <p:spTree>
@@ -20634,7 +21382,7 @@
 </p:sld>
 </file>
 
-<file path=ppt/slides/slide22.xml><?xml version="1.0" encoding="utf-8"?>
+<file path=ppt/slides/slide25.xml><?xml version="1.0" encoding="utf-8"?>
 <p:sld xmlns:a="http://schemas.openxmlformats.org/drawingml/2006/main" xmlns:r="http://schemas.openxmlformats.org/officeDocument/2006/relationships" xmlns:p="http://schemas.openxmlformats.org/presentationml/2006/main">
   <p:cSld>
     <p:spTree>
@@ -21817,7 +22565,7 @@
 </p:sld>
 </file>
 
-<file path=ppt/slides/slide23.xml><?xml version="1.0" encoding="utf-8"?>
+<file path=ppt/slides/slide26.xml><?xml version="1.0" encoding="utf-8"?>
 <p:sld xmlns:a="http://schemas.openxmlformats.org/drawingml/2006/main" xmlns:r="http://schemas.openxmlformats.org/officeDocument/2006/relationships" xmlns:p="http://schemas.openxmlformats.org/presentationml/2006/main">
   <p:cSld>
     <p:spTree>
@@ -22448,7 +23196,7 @@
 </p:sld>
 </file>
 
-<file path=ppt/slides/slide24.xml><?xml version="1.0" encoding="utf-8"?>
+<file path=ppt/slides/slide27.xml><?xml version="1.0" encoding="utf-8"?>
 <p:sld xmlns:a="http://schemas.openxmlformats.org/drawingml/2006/main" xmlns:r="http://schemas.openxmlformats.org/officeDocument/2006/relationships" xmlns:p="http://schemas.openxmlformats.org/presentationml/2006/main">
   <p:cSld>
     <p:spTree>
@@ -23665,7 +24413,7 @@
 </p:sld>
 </file>
 
-<file path=ppt/slides/slide25.xml><?xml version="1.0" encoding="utf-8"?>
+<file path=ppt/slides/slide28.xml><?xml version="1.0" encoding="utf-8"?>
 <p:sld xmlns:a="http://schemas.openxmlformats.org/drawingml/2006/main" xmlns:r="http://schemas.openxmlformats.org/officeDocument/2006/relationships" xmlns:p="http://schemas.openxmlformats.org/presentationml/2006/main">
   <p:cSld>
     <p:spTree>
@@ -24296,7 +25044,7 @@
 </p:sld>
 </file>
 
-<file path=ppt/slides/slide26.xml><?xml version="1.0" encoding="utf-8"?>
+<file path=ppt/slides/slide29.xml><?xml version="1.0" encoding="utf-8"?>
 <p:sld xmlns:a="http://schemas.openxmlformats.org/drawingml/2006/main" xmlns:r="http://schemas.openxmlformats.org/officeDocument/2006/relationships" xmlns:p="http://schemas.openxmlformats.org/presentationml/2006/main">
   <p:cSld>
     <p:spTree>
@@ -24396,7 +25144,109 @@
 </p:sld>
 </file>
 
-<file path=ppt/slides/slide27.xml><?xml version="1.0" encoding="utf-8"?>
+<file path=ppt/slides/slide3.xml><?xml version="1.0" encoding="utf-8"?>
+<p:sld xmlns:a="http://schemas.openxmlformats.org/drawingml/2006/main" xmlns:r="http://schemas.openxmlformats.org/officeDocument/2006/relationships" xmlns:p="http://schemas.openxmlformats.org/presentationml/2006/main">
+  <p:cSld>
+    <p:spTree>
+      <p:nvGrpSpPr>
+        <p:cNvPr id="1" name=""/>
+        <p:cNvGrpSpPr/>
+        <p:nvPr/>
+      </p:nvGrpSpPr>
+      <p:grpSpPr>
+        <a:xfrm>
+          <a:off x="0" y="0"/>
+          <a:ext cx="0" cy="0"/>
+          <a:chOff x="0" y="0"/>
+          <a:chExt cx="0" cy="0"/>
+        </a:xfrm>
+      </p:grpSpPr>
+      <p:sp>
+        <p:nvSpPr>
+          <p:cNvPr id="4" name="Title 3">
+            <a:extLst>
+              <a:ext uri="{FF2B5EF4-FFF2-40B4-BE49-F238E27FC236}">
+                <a16:creationId xmlns:a16="http://schemas.microsoft.com/office/drawing/2014/main" id="{0CD8665D-5A50-4F07-9D33-48CCD3FD74C7}"/>
+              </a:ext>
+            </a:extLst>
+          </p:cNvPr>
+          <p:cNvSpPr>
+            <a:spLocks noGrp="1"/>
+          </p:cNvSpPr>
+          <p:nvPr>
+            <p:ph type="title"/>
+          </p:nvPr>
+        </p:nvSpPr>
+        <p:spPr>
+          <a:xfrm>
+            <a:off x="437295" y="3247963"/>
+            <a:ext cx="9070923" cy="498598"/>
+          </a:xfrm>
+        </p:spPr>
+        <p:txBody>
+          <a:bodyPr/>
+          <a:lstStyle/>
+          <a:p>
+            <a:r>
+              <a:rPr lang="en-US" spc="0" dirty="0"/>
+              <a:t>Configure Azure Resources with Tools</a:t>
+            </a:r>
+          </a:p>
+        </p:txBody>
+      </p:sp>
+      <p:pic>
+        <p:nvPicPr>
+          <p:cNvPr id="7" name="Picture 6" descr="Icon of a pie chart">
+            <a:extLst>
+              <a:ext uri="{FF2B5EF4-FFF2-40B4-BE49-F238E27FC236}">
+                <a16:creationId xmlns:a16="http://schemas.microsoft.com/office/drawing/2014/main" id="{DB0A8A1E-88C9-49FE-A197-0D6D48B004AC}"/>
+              </a:ext>
+            </a:extLst>
+          </p:cNvPr>
+          <p:cNvPicPr>
+            <a:picLocks noChangeAspect="1"/>
+          </p:cNvPicPr>
+          <p:nvPr/>
+        </p:nvPicPr>
+        <p:blipFill>
+          <a:blip r:embed="rId2" cstate="screen">
+            <a:extLst>
+              <a:ext uri="{28A0092B-C50C-407E-A947-70E740481C1C}">
+                <a14:useLocalDpi xmlns:a14="http://schemas.microsoft.com/office/drawing/2010/main"/>
+              </a:ext>
+            </a:extLst>
+          </a:blip>
+          <a:stretch>
+            <a:fillRect/>
+          </a:stretch>
+        </p:blipFill>
+        <p:spPr>
+          <a:xfrm>
+            <a:off x="10235228" y="2843829"/>
+            <a:ext cx="1347171" cy="1347171"/>
+          </a:xfrm>
+          <a:prstGeom prst="rect">
+            <a:avLst/>
+          </a:prstGeom>
+        </p:spPr>
+      </p:pic>
+    </p:spTree>
+    <p:extLst>
+      <p:ext uri="{BB962C8B-B14F-4D97-AF65-F5344CB8AC3E}">
+        <p14:creationId xmlns:p14="http://schemas.microsoft.com/office/powerpoint/2010/main" val="1021348414"/>
+      </p:ext>
+    </p:extLst>
+  </p:cSld>
+  <p:clrMapOvr>
+    <a:masterClrMapping/>
+  </p:clrMapOvr>
+  <p:transition>
+    <p:fade/>
+  </p:transition>
+</p:sld>
+</file>
+
+<file path=ppt/slides/slide30.xml><?xml version="1.0" encoding="utf-8"?>
 <p:sld xmlns:a="http://schemas.openxmlformats.org/drawingml/2006/main" xmlns:r="http://schemas.openxmlformats.org/officeDocument/2006/relationships" xmlns:p="http://schemas.openxmlformats.org/presentationml/2006/main" show="0">
   <p:cSld>
     <p:spTree>
@@ -24963,7 +25813,7 @@
 </p:sld>
 </file>
 
-<file path=ppt/slides/slide28.xml><?xml version="1.0" encoding="utf-8"?>
+<file path=ppt/slides/slide31.xml><?xml version="1.0" encoding="utf-8"?>
 <p:sld xmlns:a="http://schemas.openxmlformats.org/drawingml/2006/main" xmlns:r="http://schemas.openxmlformats.org/officeDocument/2006/relationships" xmlns:p="http://schemas.openxmlformats.org/presentationml/2006/main" show="0">
   <p:cSld>
     <p:spTree>
@@ -25930,7 +26780,7 @@
 </p:sld>
 </file>
 
-<file path=ppt/slides/slide29.xml><?xml version="1.0" encoding="utf-8"?>
+<file path=ppt/slides/slide32.xml><?xml version="1.0" encoding="utf-8"?>
 <p:sld xmlns:a="http://schemas.openxmlformats.org/drawingml/2006/main" xmlns:r="http://schemas.openxmlformats.org/officeDocument/2006/relationships" xmlns:p="http://schemas.openxmlformats.org/presentationml/2006/main" show="0">
   <p:cSld>
     <p:spTree>
@@ -27313,109 +28163,7 @@
 </p:sld>
 </file>
 
-<file path=ppt/slides/slide3.xml><?xml version="1.0" encoding="utf-8"?>
-<p:sld xmlns:a="http://schemas.openxmlformats.org/drawingml/2006/main" xmlns:r="http://schemas.openxmlformats.org/officeDocument/2006/relationships" xmlns:p="http://schemas.openxmlformats.org/presentationml/2006/main">
-  <p:cSld>
-    <p:spTree>
-      <p:nvGrpSpPr>
-        <p:cNvPr id="1" name=""/>
-        <p:cNvGrpSpPr/>
-        <p:nvPr/>
-      </p:nvGrpSpPr>
-      <p:grpSpPr>
-        <a:xfrm>
-          <a:off x="0" y="0"/>
-          <a:ext cx="0" cy="0"/>
-          <a:chOff x="0" y="0"/>
-          <a:chExt cx="0" cy="0"/>
-        </a:xfrm>
-      </p:grpSpPr>
-      <p:sp>
-        <p:nvSpPr>
-          <p:cNvPr id="4" name="Title 3">
-            <a:extLst>
-              <a:ext uri="{FF2B5EF4-FFF2-40B4-BE49-F238E27FC236}">
-                <a16:creationId xmlns:a16="http://schemas.microsoft.com/office/drawing/2014/main" id="{0CD8665D-5A50-4F07-9D33-48CCD3FD74C7}"/>
-              </a:ext>
-            </a:extLst>
-          </p:cNvPr>
-          <p:cNvSpPr>
-            <a:spLocks noGrp="1"/>
-          </p:cNvSpPr>
-          <p:nvPr>
-            <p:ph type="title"/>
-          </p:nvPr>
-        </p:nvSpPr>
-        <p:spPr>
-          <a:xfrm>
-            <a:off x="437295" y="3247963"/>
-            <a:ext cx="9070923" cy="498598"/>
-          </a:xfrm>
-        </p:spPr>
-        <p:txBody>
-          <a:bodyPr/>
-          <a:lstStyle/>
-          <a:p>
-            <a:r>
-              <a:rPr lang="en-US" spc="0" dirty="0"/>
-              <a:t>Configure Azure Resources with Tools</a:t>
-            </a:r>
-          </a:p>
-        </p:txBody>
-      </p:sp>
-      <p:pic>
-        <p:nvPicPr>
-          <p:cNvPr id="7" name="Picture 6" descr="Icon of a pie chart">
-            <a:extLst>
-              <a:ext uri="{FF2B5EF4-FFF2-40B4-BE49-F238E27FC236}">
-                <a16:creationId xmlns:a16="http://schemas.microsoft.com/office/drawing/2014/main" id="{DB0A8A1E-88C9-49FE-A197-0D6D48B004AC}"/>
-              </a:ext>
-            </a:extLst>
-          </p:cNvPr>
-          <p:cNvPicPr>
-            <a:picLocks noChangeAspect="1"/>
-          </p:cNvPicPr>
-          <p:nvPr/>
-        </p:nvPicPr>
-        <p:blipFill>
-          <a:blip r:embed="rId2" cstate="screen">
-            <a:extLst>
-              <a:ext uri="{28A0092B-C50C-407E-A947-70E740481C1C}">
-                <a14:useLocalDpi xmlns:a14="http://schemas.microsoft.com/office/drawing/2010/main"/>
-              </a:ext>
-            </a:extLst>
-          </a:blip>
-          <a:stretch>
-            <a:fillRect/>
-          </a:stretch>
-        </p:blipFill>
-        <p:spPr>
-          <a:xfrm>
-            <a:off x="10235228" y="2843829"/>
-            <a:ext cx="1347171" cy="1347171"/>
-          </a:xfrm>
-          <a:prstGeom prst="rect">
-            <a:avLst/>
-          </a:prstGeom>
-        </p:spPr>
-      </p:pic>
-    </p:spTree>
-    <p:extLst>
-      <p:ext uri="{BB962C8B-B14F-4D97-AF65-F5344CB8AC3E}">
-        <p14:creationId xmlns:p14="http://schemas.microsoft.com/office/powerpoint/2010/main" val="1021348414"/>
-      </p:ext>
-    </p:extLst>
-  </p:cSld>
-  <p:clrMapOvr>
-    <a:masterClrMapping/>
-  </p:clrMapOvr>
-  <p:transition>
-    <p:fade/>
-  </p:transition>
-</p:sld>
-</file>
-
-<file path=ppt/slides/slide30.xml><?xml version="1.0" encoding="utf-8"?>
+<file path=ppt/slides/slide33.xml><?xml version="1.0" encoding="utf-8"?>
 <p:sld xmlns:a="http://schemas.openxmlformats.org/drawingml/2006/main" xmlns:r="http://schemas.openxmlformats.org/officeDocument/2006/relationships" xmlns:p="http://schemas.openxmlformats.org/presentationml/2006/main" show="0">
   <p:cSld>
     <p:spTree>
@@ -27800,7 +28548,7 @@
 </p:sld>
 </file>
 
-<file path=ppt/slides/slide31.xml><?xml version="1.0" encoding="utf-8"?>
+<file path=ppt/slides/slide34.xml><?xml version="1.0" encoding="utf-8"?>
 <p:sld xmlns:a="http://schemas.openxmlformats.org/drawingml/2006/main" xmlns:r="http://schemas.openxmlformats.org/officeDocument/2006/relationships" xmlns:p="http://schemas.openxmlformats.org/presentationml/2006/main" show="0">
   <p:cSld>
     <p:spTree>
@@ -28306,7 +29054,7 @@
 </p:sld>
 </file>
 
-<file path=ppt/slides/slide32.xml><?xml version="1.0" encoding="utf-8"?>
+<file path=ppt/slides/slide35.xml><?xml version="1.0" encoding="utf-8"?>
 <p:sld xmlns:a="http://schemas.openxmlformats.org/drawingml/2006/main" xmlns:r="http://schemas.openxmlformats.org/officeDocument/2006/relationships" xmlns:p="http://schemas.openxmlformats.org/presentationml/2006/main">
   <p:cSld>
     <p:spTree>
@@ -28894,7 +29642,7 @@
 </p:sld>
 </file>
 
-<file path=ppt/slides/slide33.xml><?xml version="1.0" encoding="utf-8"?>
+<file path=ppt/slides/slide36.xml><?xml version="1.0" encoding="utf-8"?>
 <p:sld xmlns:a="http://schemas.openxmlformats.org/drawingml/2006/main" xmlns:r="http://schemas.openxmlformats.org/officeDocument/2006/relationships" xmlns:p="http://schemas.openxmlformats.org/presentationml/2006/main" show="0">
   <p:cSld>
     <p:spTree>
@@ -28991,7 +29739,7 @@
 </p:sld>
 </file>
 
-<file path=ppt/slides/slide34.xml><?xml version="1.0" encoding="utf-8"?>
+<file path=ppt/slides/slide37.xml><?xml version="1.0" encoding="utf-8"?>
 <p:sld xmlns:a="http://schemas.openxmlformats.org/drawingml/2006/main" xmlns:r="http://schemas.openxmlformats.org/officeDocument/2006/relationships" xmlns:p="http://schemas.openxmlformats.org/presentationml/2006/main" show="0">
   <p:cSld>
     <p:spTree>
@@ -30740,7 +31488,7 @@
 </p:sld>
 </file>
 
-<file path=ppt/slides/slide35.xml><?xml version="1.0" encoding="utf-8"?>
+<file path=ppt/slides/slide38.xml><?xml version="1.0" encoding="utf-8"?>
 <p:sld xmlns:a="http://schemas.openxmlformats.org/drawingml/2006/main" xmlns:r="http://schemas.openxmlformats.org/officeDocument/2006/relationships" xmlns:p="http://schemas.openxmlformats.org/presentationml/2006/main" show="0">
   <p:cSld>
     <p:spTree>
@@ -31710,7 +32458,7 @@
 </p:sld>
 </file>
 
-<file path=ppt/slides/slide36.xml><?xml version="1.0" encoding="utf-8"?>
+<file path=ppt/slides/slide39.xml><?xml version="1.0" encoding="utf-8"?>
 <p:sld xmlns:a="http://schemas.openxmlformats.org/drawingml/2006/main" xmlns:r="http://schemas.openxmlformats.org/officeDocument/2006/relationships" xmlns:p="http://schemas.openxmlformats.org/presentationml/2006/main" show="0">
   <p:cSld>
     <p:spTree>
@@ -32420,7 +33168,500 @@
 </p:sld>
 </file>
 
-<file path=ppt/slides/slide37.xml><?xml version="1.0" encoding="utf-8"?>
+<file path=ppt/slides/slide4.xml><?xml version="1.0" encoding="utf-8"?>
+<p:sld xmlns:a="http://schemas.openxmlformats.org/drawingml/2006/main" xmlns:r="http://schemas.openxmlformats.org/officeDocument/2006/relationships" xmlns:p="http://schemas.openxmlformats.org/presentationml/2006/main">
+  <p:cSld>
+    <p:spTree>
+      <p:nvGrpSpPr>
+        <p:cNvPr id="1" name=""/>
+        <p:cNvGrpSpPr/>
+        <p:nvPr/>
+      </p:nvGrpSpPr>
+      <p:grpSpPr>
+        <a:xfrm>
+          <a:off x="0" y="0"/>
+          <a:ext cx="0" cy="0"/>
+          <a:chOff x="0" y="0"/>
+          <a:chExt cx="0" cy="0"/>
+        </a:xfrm>
+      </p:grpSpPr>
+      <p:sp>
+        <p:nvSpPr>
+          <p:cNvPr id="2" name="Title 1">
+            <a:extLst>
+              <a:ext uri="{FF2B5EF4-FFF2-40B4-BE49-F238E27FC236}">
+                <a16:creationId xmlns:a16="http://schemas.microsoft.com/office/drawing/2014/main" id="{71E72A81-8C75-4163-9D28-302E0F8DD1CA}"/>
+              </a:ext>
+            </a:extLst>
+          </p:cNvPr>
+          <p:cNvSpPr>
+            <a:spLocks noGrp="1"/>
+          </p:cNvSpPr>
+          <p:nvPr>
+            <p:ph type="title"/>
+          </p:nvPr>
+        </p:nvSpPr>
+        <p:spPr>
+          <a:xfrm>
+            <a:off x="465139" y="2471343"/>
+            <a:ext cx="2290253" cy="2051844"/>
+          </a:xfrm>
+        </p:spPr>
+        <p:txBody>
+          <a:bodyPr/>
+          <a:lstStyle/>
+          <a:p>
+            <a:r>
+              <a:rPr lang="en-US" spc="0" dirty="0"/>
+              <a:t>Configure Azure Resources with Tools Introduction</a:t>
+            </a:r>
+          </a:p>
+        </p:txBody>
+      </p:sp>
+      <p:sp>
+        <p:nvSpPr>
+          <p:cNvPr id="62" name="Rectangle 61">
+            <a:extLst>
+              <a:ext uri="{FF2B5EF4-FFF2-40B4-BE49-F238E27FC236}">
+                <a16:creationId xmlns:a16="http://schemas.microsoft.com/office/drawing/2014/main" id="{1B42294D-DFF9-44C2-B135-8C166BD29A4F}"/>
+              </a:ext>
+            </a:extLst>
+          </p:cNvPr>
+          <p:cNvSpPr/>
+          <p:nvPr/>
+        </p:nvSpPr>
+        <p:spPr>
+          <a:xfrm>
+            <a:off x="4359853" y="508137"/>
+            <a:ext cx="6907099" cy="3703260"/>
+          </a:xfrm>
+          <a:prstGeom prst="rect">
+            <a:avLst/>
+          </a:prstGeom>
+          <a:noFill/>
+          <a:ln>
+            <a:noFill/>
+          </a:ln>
+        </p:spPr>
+        <p:style>
+          <a:lnRef idx="2">
+            <a:schemeClr val="lt1">
+              <a:hueOff val="0"/>
+              <a:satOff val="0"/>
+              <a:lumOff val="0"/>
+              <a:alphaOff val="0"/>
+            </a:schemeClr>
+          </a:lnRef>
+          <a:fillRef idx="1">
+            <a:schemeClr val="accent1">
+              <a:hueOff val="0"/>
+              <a:satOff val="0"/>
+              <a:lumOff val="0"/>
+              <a:alphaOff val="0"/>
+            </a:schemeClr>
+          </a:fillRef>
+          <a:effectRef idx="0">
+            <a:schemeClr val="accent1">
+              <a:hueOff val="0"/>
+              <a:satOff val="0"/>
+              <a:lumOff val="0"/>
+              <a:alphaOff val="0"/>
+            </a:schemeClr>
+          </a:effectRef>
+          <a:fontRef idx="minor">
+            <a:schemeClr val="lt1"/>
+          </a:fontRef>
+        </p:style>
+        <p:txBody>
+          <a:bodyPr spcFirstLastPara="0" vert="horz" wrap="square" lIns="0" tIns="0" rIns="0" bIns="0" numCol="1" spcCol="1270" anchor="ctr" anchorCtr="0">
+            <a:noAutofit/>
+          </a:bodyPr>
+          <a:lstStyle/>
+          <a:p>
+            <a:pPr>
+              <a:spcBef>
+                <a:spcPts val="600"/>
+              </a:spcBef>
+              <a:spcAft>
+                <a:spcPts val="2000"/>
+              </a:spcAft>
+            </a:pPr>
+            <a:r>
+              <a:rPr lang="en-US" sz="2000" dirty="0">
+                <a:solidFill>
+                  <a:schemeClr val="tx1"/>
+                </a:solidFill>
+              </a:rPr>
+              <a:t>Compare Administration tools (4 student topics)</a:t>
+            </a:r>
+          </a:p>
+          <a:p>
+            <a:pPr>
+              <a:spcBef>
+                <a:spcPts val="600"/>
+              </a:spcBef>
+              <a:spcAft>
+                <a:spcPts val="2000"/>
+              </a:spcAft>
+            </a:pPr>
+            <a:r>
+              <a:rPr lang="en-US" sz="2000" dirty="0">
+                <a:solidFill>
+                  <a:schemeClr val="tx1"/>
+                </a:solidFill>
+              </a:rPr>
+              <a:t>Demonstration – Azure Portal </a:t>
+            </a:r>
+          </a:p>
+          <a:p>
+            <a:pPr>
+              <a:spcBef>
+                <a:spcPts val="600"/>
+              </a:spcBef>
+              <a:spcAft>
+                <a:spcPts val="2000"/>
+              </a:spcAft>
+            </a:pPr>
+            <a:r>
+              <a:rPr lang="en-US" sz="2000" dirty="0">
+                <a:solidFill>
+                  <a:schemeClr val="tx1"/>
+                </a:solidFill>
+              </a:rPr>
+              <a:t>Demonstration – Azure Cloud Shell </a:t>
+            </a:r>
+          </a:p>
+          <a:p>
+            <a:pPr>
+              <a:spcBef>
+                <a:spcPts val="600"/>
+              </a:spcBef>
+              <a:spcAft>
+                <a:spcPts val="2000"/>
+              </a:spcAft>
+            </a:pPr>
+            <a:r>
+              <a:rPr lang="en-US" sz="2000" dirty="0">
+                <a:solidFill>
+                  <a:schemeClr val="tx1"/>
+                </a:solidFill>
+              </a:rPr>
+              <a:t>Demonstration – Working with PowerShell locally (optional)</a:t>
+            </a:r>
+          </a:p>
+          <a:p>
+            <a:pPr>
+              <a:spcBef>
+                <a:spcPts val="600"/>
+              </a:spcBef>
+              <a:spcAft>
+                <a:spcPts val="2000"/>
+              </a:spcAft>
+            </a:pPr>
+            <a:r>
+              <a:rPr lang="en-US" sz="2000" dirty="0">
+                <a:solidFill>
+                  <a:schemeClr val="tx1"/>
+                </a:solidFill>
+              </a:rPr>
+              <a:t>Demonstration – Azure CLI (optional)</a:t>
+            </a:r>
+          </a:p>
+          <a:p>
+            <a:pPr>
+              <a:spcAft>
+                <a:spcPts val="2000"/>
+              </a:spcAft>
+            </a:pPr>
+            <a:r>
+              <a:rPr lang="en-US" sz="2000" dirty="0">
+                <a:solidFill>
+                  <a:schemeClr val="tx1"/>
+                </a:solidFill>
+              </a:rPr>
+              <a:t>Summary and Resources</a:t>
+            </a:r>
+          </a:p>
+        </p:txBody>
+      </p:sp>
+      <p:grpSp>
+        <p:nvGrpSpPr>
+          <p:cNvPr id="5" name="Group 4">
+            <a:extLst>
+              <a:ext uri="{FF2B5EF4-FFF2-40B4-BE49-F238E27FC236}">
+                <a16:creationId xmlns:a16="http://schemas.microsoft.com/office/drawing/2014/main" id="{E8B405DC-E244-434D-94F8-F1694D1042F3}"/>
+              </a:ext>
+              <a:ext uri="{C183D7F6-B498-43B3-948B-1728B52AA6E4}">
+                <adec:decorative xmlns:adec="http://schemas.microsoft.com/office/drawing/2017/decorative" val="1"/>
+              </a:ext>
+            </a:extLst>
+          </p:cNvPr>
+          <p:cNvGrpSpPr/>
+          <p:nvPr/>
+        </p:nvGrpSpPr>
+        <p:grpSpPr>
+          <a:xfrm>
+            <a:off x="3638921" y="616458"/>
+            <a:ext cx="610961" cy="3524028"/>
+            <a:chOff x="3638921" y="616457"/>
+            <a:chExt cx="628279" cy="3712187"/>
+          </a:xfrm>
+        </p:grpSpPr>
+        <p:grpSp>
+          <p:nvGrpSpPr>
+            <p:cNvPr id="3" name="Group 2">
+              <a:extLst>
+                <a:ext uri="{FF2B5EF4-FFF2-40B4-BE49-F238E27FC236}">
+                  <a16:creationId xmlns:a16="http://schemas.microsoft.com/office/drawing/2014/main" id="{CDCB0692-C0B1-40FD-A728-9CF1F2B646E8}"/>
+                </a:ext>
+              </a:extLst>
+            </p:cNvPr>
+            <p:cNvGrpSpPr/>
+            <p:nvPr/>
+          </p:nvGrpSpPr>
+          <p:grpSpPr>
+            <a:xfrm>
+              <a:off x="3638921" y="616457"/>
+              <a:ext cx="628279" cy="2461337"/>
+              <a:chOff x="3844141" y="443928"/>
+              <a:chExt cx="1002998" cy="4721083"/>
+            </a:xfrm>
+          </p:grpSpPr>
+          <p:pic>
+            <p:nvPicPr>
+              <p:cNvPr id="29" name="Picture 28" descr="Icon of a pie chart">
+                <a:extLst>
+                  <a:ext uri="{FF2B5EF4-FFF2-40B4-BE49-F238E27FC236}">
+                    <a16:creationId xmlns:a16="http://schemas.microsoft.com/office/drawing/2014/main" id="{FF189369-1AAA-4487-B65C-73A8BEDBEBD2}"/>
+                  </a:ext>
+                </a:extLst>
+              </p:cNvPr>
+              <p:cNvPicPr>
+                <a:picLocks noChangeAspect="1"/>
+              </p:cNvPicPr>
+              <p:nvPr/>
+            </p:nvPicPr>
+            <p:blipFill>
+              <a:blip r:embed="rId3" cstate="screen">
+                <a:extLst>
+                  <a:ext uri="{28A0092B-C50C-407E-A947-70E740481C1C}">
+                    <a14:useLocalDpi xmlns:a14="http://schemas.microsoft.com/office/drawing/2010/main"/>
+                  </a:ext>
+                </a:extLst>
+              </a:blip>
+              <a:stretch>
+                <a:fillRect/>
+              </a:stretch>
+            </p:blipFill>
+            <p:spPr>
+              <a:xfrm>
+                <a:off x="3845610" y="443928"/>
+                <a:ext cx="998220" cy="998220"/>
+              </a:xfrm>
+              <a:prstGeom prst="rect">
+                <a:avLst/>
+              </a:prstGeom>
+            </p:spPr>
+          </p:pic>
+          <p:pic>
+            <p:nvPicPr>
+              <p:cNvPr id="33" name="Picture 32" descr="Icon of a webpage showing a person">
+                <a:extLst>
+                  <a:ext uri="{FF2B5EF4-FFF2-40B4-BE49-F238E27FC236}">
+                    <a16:creationId xmlns:a16="http://schemas.microsoft.com/office/drawing/2014/main" id="{B94417F4-B009-49AE-984D-E902694AD932}"/>
+                  </a:ext>
+                </a:extLst>
+              </p:cNvPr>
+              <p:cNvPicPr>
+                <a:picLocks noChangeAspect="1"/>
+              </p:cNvPicPr>
+              <p:nvPr/>
+            </p:nvPicPr>
+            <p:blipFill>
+              <a:blip r:embed="rId4" cstate="screen">
+                <a:extLst>
+                  <a:ext uri="{28A0092B-C50C-407E-A947-70E740481C1C}">
+                    <a14:useLocalDpi xmlns:a14="http://schemas.microsoft.com/office/drawing/2010/main"/>
+                  </a:ext>
+                </a:extLst>
+              </a:blip>
+              <a:stretch>
+                <a:fillRect/>
+              </a:stretch>
+            </p:blipFill>
+            <p:spPr>
+              <a:xfrm>
+                <a:off x="3848919" y="1724533"/>
+                <a:ext cx="998220" cy="998220"/>
+              </a:xfrm>
+              <a:prstGeom prst="rect">
+                <a:avLst/>
+              </a:prstGeom>
+            </p:spPr>
+          </p:pic>
+          <p:pic>
+            <p:nvPicPr>
+              <p:cNvPr id="35" name="Picture 34" descr="Icon of a cloud with multiples lines extending from it">
+                <a:extLst>
+                  <a:ext uri="{FF2B5EF4-FFF2-40B4-BE49-F238E27FC236}">
+                    <a16:creationId xmlns:a16="http://schemas.microsoft.com/office/drawing/2014/main" id="{3792D2D8-446B-4836-A57D-750913B794AB}"/>
+                  </a:ext>
+                </a:extLst>
+              </p:cNvPr>
+              <p:cNvPicPr>
+                <a:picLocks noChangeAspect="1"/>
+              </p:cNvPicPr>
+              <p:nvPr/>
+            </p:nvPicPr>
+            <p:blipFill>
+              <a:blip r:embed="rId5" cstate="screen">
+                <a:extLst>
+                  <a:ext uri="{28A0092B-C50C-407E-A947-70E740481C1C}">
+                    <a14:useLocalDpi xmlns:a14="http://schemas.microsoft.com/office/drawing/2010/main"/>
+                  </a:ext>
+                </a:extLst>
+              </a:blip>
+              <a:stretch>
+                <a:fillRect/>
+              </a:stretch>
+            </p:blipFill>
+            <p:spPr>
+              <a:xfrm>
+                <a:off x="3845610" y="2968080"/>
+                <a:ext cx="998220" cy="998220"/>
+              </a:xfrm>
+              <a:prstGeom prst="rect">
+                <a:avLst/>
+              </a:prstGeom>
+            </p:spPr>
+          </p:pic>
+          <p:pic>
+            <p:nvPicPr>
+              <p:cNvPr id="37" name="Picture 36" descr="Icon of a webpage showing a person">
+                <a:extLst>
+                  <a:ext uri="{FF2B5EF4-FFF2-40B4-BE49-F238E27FC236}">
+                    <a16:creationId xmlns:a16="http://schemas.microsoft.com/office/drawing/2014/main" id="{9E2E4309-6B6D-4656-BF54-037CB32EC5B3}"/>
+                  </a:ext>
+                </a:extLst>
+              </p:cNvPr>
+              <p:cNvPicPr>
+                <a:picLocks noChangeAspect="1"/>
+              </p:cNvPicPr>
+              <p:nvPr/>
+            </p:nvPicPr>
+            <p:blipFill>
+              <a:blip r:embed="rId6" cstate="screen">
+                <a:extLst>
+                  <a:ext uri="{28A0092B-C50C-407E-A947-70E740481C1C}">
+                    <a14:useLocalDpi xmlns:a14="http://schemas.microsoft.com/office/drawing/2010/main"/>
+                  </a:ext>
+                </a:extLst>
+              </a:blip>
+              <a:stretch>
+                <a:fillRect/>
+              </a:stretch>
+            </p:blipFill>
+            <p:spPr>
+              <a:xfrm>
+                <a:off x="3844141" y="4166791"/>
+                <a:ext cx="998220" cy="998220"/>
+              </a:xfrm>
+              <a:prstGeom prst="rect">
+                <a:avLst/>
+              </a:prstGeom>
+            </p:spPr>
+          </p:pic>
+        </p:grpSp>
+        <p:pic>
+          <p:nvPicPr>
+            <p:cNvPr id="4" name="Picture 3" descr="Icon of coding brackets">
+              <a:extLst>
+                <a:ext uri="{FF2B5EF4-FFF2-40B4-BE49-F238E27FC236}">
+                  <a16:creationId xmlns:a16="http://schemas.microsoft.com/office/drawing/2014/main" id="{6C0D71BF-2821-4F4C-AC6C-5C7FF1331D97}"/>
+                </a:ext>
+              </a:extLst>
+            </p:cNvPr>
+            <p:cNvPicPr>
+              <a:picLocks noChangeAspect="1"/>
+            </p:cNvPicPr>
+            <p:nvPr/>
+          </p:nvPicPr>
+          <p:blipFill>
+            <a:blip r:embed="rId7" cstate="screen">
+              <a:extLst>
+                <a:ext uri="{28A0092B-C50C-407E-A947-70E740481C1C}">
+                  <a14:useLocalDpi xmlns:a14="http://schemas.microsoft.com/office/drawing/2010/main"/>
+                </a:ext>
+              </a:extLst>
+            </a:blip>
+            <a:stretch>
+              <a:fillRect/>
+            </a:stretch>
+          </p:blipFill>
+          <p:spPr>
+            <a:xfrm>
+              <a:off x="3642469" y="3205695"/>
+              <a:ext cx="621738" cy="486907"/>
+            </a:xfrm>
+            <a:prstGeom prst="rect">
+              <a:avLst/>
+            </a:prstGeom>
+          </p:spPr>
+        </p:pic>
+        <p:pic>
+          <p:nvPicPr>
+            <p:cNvPr id="6" name="Picture 5" descr="Icon of a whiteboard with a cloud symbol drawn on it">
+              <a:extLst>
+                <a:ext uri="{FF2B5EF4-FFF2-40B4-BE49-F238E27FC236}">
+                  <a16:creationId xmlns:a16="http://schemas.microsoft.com/office/drawing/2014/main" id="{6AFB0FDD-31C4-485E-ABC7-940AEE4CBDF0}"/>
+                </a:ext>
+              </a:extLst>
+            </p:cNvPr>
+            <p:cNvPicPr>
+              <a:picLocks noChangeAspect="1"/>
+            </p:cNvPicPr>
+            <p:nvPr/>
+          </p:nvPicPr>
+          <p:blipFill>
+            <a:blip r:embed="rId8" cstate="screen">
+              <a:extLst>
+                <a:ext uri="{28A0092B-C50C-407E-A947-70E740481C1C}">
+                  <a14:useLocalDpi xmlns:a14="http://schemas.microsoft.com/office/drawing/2010/main"/>
+                </a:ext>
+              </a:extLst>
+            </a:blip>
+            <a:stretch>
+              <a:fillRect/>
+            </a:stretch>
+          </p:blipFill>
+          <p:spPr>
+            <a:xfrm>
+              <a:off x="3642469" y="3841737"/>
+              <a:ext cx="621738" cy="486907"/>
+            </a:xfrm>
+            <a:prstGeom prst="rect">
+              <a:avLst/>
+            </a:prstGeom>
+          </p:spPr>
+        </p:pic>
+      </p:grpSp>
+    </p:spTree>
+    <p:extLst>
+      <p:ext uri="{BB962C8B-B14F-4D97-AF65-F5344CB8AC3E}">
+        <p14:creationId xmlns:p14="http://schemas.microsoft.com/office/powerpoint/2010/main" val="3722424290"/>
+      </p:ext>
+    </p:extLst>
+  </p:cSld>
+  <p:clrMapOvr>
+    <a:masterClrMapping/>
+  </p:clrMapOvr>
+  <p:transition>
+    <p:fade/>
+  </p:transition>
+</p:sld>
+</file>
+
+<file path=ppt/slides/slide40.xml><?xml version="1.0" encoding="utf-8"?>
 <p:sld xmlns:a="http://schemas.openxmlformats.org/drawingml/2006/main" xmlns:r="http://schemas.openxmlformats.org/officeDocument/2006/relationships" xmlns:p="http://schemas.openxmlformats.org/presentationml/2006/main" show="0">
   <p:cSld>
     <p:spTree>
@@ -33914,7 +35155,7 @@
 </p:sld>
 </file>
 
-<file path=ppt/slides/slide38.xml><?xml version="1.0" encoding="utf-8"?>
+<file path=ppt/slides/slide41.xml><?xml version="1.0" encoding="utf-8"?>
 <p:sld xmlns:a="http://schemas.openxmlformats.org/drawingml/2006/main" xmlns:r="http://schemas.openxmlformats.org/officeDocument/2006/relationships" xmlns:p="http://schemas.openxmlformats.org/presentationml/2006/main" show="0">
   <p:cSld>
     <p:spTree>
@@ -34752,7 +35993,7 @@
 </p:sld>
 </file>
 
-<file path=ppt/slides/slide39.xml><?xml version="1.0" encoding="utf-8"?>
+<file path=ppt/slides/slide42.xml><?xml version="1.0" encoding="utf-8"?>
 <p:sld xmlns:a="http://schemas.openxmlformats.org/drawingml/2006/main" xmlns:r="http://schemas.openxmlformats.org/officeDocument/2006/relationships" xmlns:p="http://schemas.openxmlformats.org/presentationml/2006/main" show="0">
   <p:cSld>
     <p:spTree>
@@ -35117,500 +36358,7 @@
 </p:sld>
 </file>
 
-<file path=ppt/slides/slide4.xml><?xml version="1.0" encoding="utf-8"?>
-<p:sld xmlns:a="http://schemas.openxmlformats.org/drawingml/2006/main" xmlns:r="http://schemas.openxmlformats.org/officeDocument/2006/relationships" xmlns:p="http://schemas.openxmlformats.org/presentationml/2006/main">
-  <p:cSld>
-    <p:spTree>
-      <p:nvGrpSpPr>
-        <p:cNvPr id="1" name=""/>
-        <p:cNvGrpSpPr/>
-        <p:nvPr/>
-      </p:nvGrpSpPr>
-      <p:grpSpPr>
-        <a:xfrm>
-          <a:off x="0" y="0"/>
-          <a:ext cx="0" cy="0"/>
-          <a:chOff x="0" y="0"/>
-          <a:chExt cx="0" cy="0"/>
-        </a:xfrm>
-      </p:grpSpPr>
-      <p:sp>
-        <p:nvSpPr>
-          <p:cNvPr id="2" name="Title 1">
-            <a:extLst>
-              <a:ext uri="{FF2B5EF4-FFF2-40B4-BE49-F238E27FC236}">
-                <a16:creationId xmlns:a16="http://schemas.microsoft.com/office/drawing/2014/main" id="{71E72A81-8C75-4163-9D28-302E0F8DD1CA}"/>
-              </a:ext>
-            </a:extLst>
-          </p:cNvPr>
-          <p:cNvSpPr>
-            <a:spLocks noGrp="1"/>
-          </p:cNvSpPr>
-          <p:nvPr>
-            <p:ph type="title"/>
-          </p:nvPr>
-        </p:nvSpPr>
-        <p:spPr>
-          <a:xfrm>
-            <a:off x="465139" y="2471343"/>
-            <a:ext cx="2290253" cy="2051844"/>
-          </a:xfrm>
-        </p:spPr>
-        <p:txBody>
-          <a:bodyPr/>
-          <a:lstStyle/>
-          <a:p>
-            <a:r>
-              <a:rPr lang="en-US" spc="0" dirty="0"/>
-              <a:t>Configure Azure Resources with Tools Introduction</a:t>
-            </a:r>
-          </a:p>
-        </p:txBody>
-      </p:sp>
-      <p:sp>
-        <p:nvSpPr>
-          <p:cNvPr id="62" name="Rectangle 61">
-            <a:extLst>
-              <a:ext uri="{FF2B5EF4-FFF2-40B4-BE49-F238E27FC236}">
-                <a16:creationId xmlns:a16="http://schemas.microsoft.com/office/drawing/2014/main" id="{1B42294D-DFF9-44C2-B135-8C166BD29A4F}"/>
-              </a:ext>
-            </a:extLst>
-          </p:cNvPr>
-          <p:cNvSpPr/>
-          <p:nvPr/>
-        </p:nvSpPr>
-        <p:spPr>
-          <a:xfrm>
-            <a:off x="4359853" y="508137"/>
-            <a:ext cx="6907099" cy="3703260"/>
-          </a:xfrm>
-          <a:prstGeom prst="rect">
-            <a:avLst/>
-          </a:prstGeom>
-          <a:noFill/>
-          <a:ln>
-            <a:noFill/>
-          </a:ln>
-        </p:spPr>
-        <p:style>
-          <a:lnRef idx="2">
-            <a:schemeClr val="lt1">
-              <a:hueOff val="0"/>
-              <a:satOff val="0"/>
-              <a:lumOff val="0"/>
-              <a:alphaOff val="0"/>
-            </a:schemeClr>
-          </a:lnRef>
-          <a:fillRef idx="1">
-            <a:schemeClr val="accent1">
-              <a:hueOff val="0"/>
-              <a:satOff val="0"/>
-              <a:lumOff val="0"/>
-              <a:alphaOff val="0"/>
-            </a:schemeClr>
-          </a:fillRef>
-          <a:effectRef idx="0">
-            <a:schemeClr val="accent1">
-              <a:hueOff val="0"/>
-              <a:satOff val="0"/>
-              <a:lumOff val="0"/>
-              <a:alphaOff val="0"/>
-            </a:schemeClr>
-          </a:effectRef>
-          <a:fontRef idx="minor">
-            <a:schemeClr val="lt1"/>
-          </a:fontRef>
-        </p:style>
-        <p:txBody>
-          <a:bodyPr spcFirstLastPara="0" vert="horz" wrap="square" lIns="0" tIns="0" rIns="0" bIns="0" numCol="1" spcCol="1270" anchor="ctr" anchorCtr="0">
-            <a:noAutofit/>
-          </a:bodyPr>
-          <a:lstStyle/>
-          <a:p>
-            <a:pPr>
-              <a:spcBef>
-                <a:spcPts val="600"/>
-              </a:spcBef>
-              <a:spcAft>
-                <a:spcPts val="2000"/>
-              </a:spcAft>
-            </a:pPr>
-            <a:r>
-              <a:rPr lang="en-US" sz="2000" dirty="0">
-                <a:solidFill>
-                  <a:schemeClr val="tx1"/>
-                </a:solidFill>
-              </a:rPr>
-              <a:t>Compare Administration tools (4 student topics)</a:t>
-            </a:r>
-          </a:p>
-          <a:p>
-            <a:pPr>
-              <a:spcBef>
-                <a:spcPts val="600"/>
-              </a:spcBef>
-              <a:spcAft>
-                <a:spcPts val="2000"/>
-              </a:spcAft>
-            </a:pPr>
-            <a:r>
-              <a:rPr lang="en-US" sz="2000" dirty="0">
-                <a:solidFill>
-                  <a:schemeClr val="tx1"/>
-                </a:solidFill>
-              </a:rPr>
-              <a:t>Demonstration – Azure Portal </a:t>
-            </a:r>
-          </a:p>
-          <a:p>
-            <a:pPr>
-              <a:spcBef>
-                <a:spcPts val="600"/>
-              </a:spcBef>
-              <a:spcAft>
-                <a:spcPts val="2000"/>
-              </a:spcAft>
-            </a:pPr>
-            <a:r>
-              <a:rPr lang="en-US" sz="2000" dirty="0">
-                <a:solidFill>
-                  <a:schemeClr val="tx1"/>
-                </a:solidFill>
-              </a:rPr>
-              <a:t>Demonstration – Azure Cloud Shell </a:t>
-            </a:r>
-          </a:p>
-          <a:p>
-            <a:pPr>
-              <a:spcBef>
-                <a:spcPts val="600"/>
-              </a:spcBef>
-              <a:spcAft>
-                <a:spcPts val="2000"/>
-              </a:spcAft>
-            </a:pPr>
-            <a:r>
-              <a:rPr lang="en-US" sz="2000" dirty="0">
-                <a:solidFill>
-                  <a:schemeClr val="tx1"/>
-                </a:solidFill>
-              </a:rPr>
-              <a:t>Demonstration – Working with PowerShell locally (optional)</a:t>
-            </a:r>
-          </a:p>
-          <a:p>
-            <a:pPr>
-              <a:spcBef>
-                <a:spcPts val="600"/>
-              </a:spcBef>
-              <a:spcAft>
-                <a:spcPts val="2000"/>
-              </a:spcAft>
-            </a:pPr>
-            <a:r>
-              <a:rPr lang="en-US" sz="2000" dirty="0">
-                <a:solidFill>
-                  <a:schemeClr val="tx1"/>
-                </a:solidFill>
-              </a:rPr>
-              <a:t>Demonstration – Azure CLI (optional)</a:t>
-            </a:r>
-          </a:p>
-          <a:p>
-            <a:pPr>
-              <a:spcAft>
-                <a:spcPts val="2000"/>
-              </a:spcAft>
-            </a:pPr>
-            <a:r>
-              <a:rPr lang="en-US" sz="2000" dirty="0">
-                <a:solidFill>
-                  <a:schemeClr val="tx1"/>
-                </a:solidFill>
-              </a:rPr>
-              <a:t>Summary and Resources</a:t>
-            </a:r>
-          </a:p>
-        </p:txBody>
-      </p:sp>
-      <p:grpSp>
-        <p:nvGrpSpPr>
-          <p:cNvPr id="5" name="Group 4">
-            <a:extLst>
-              <a:ext uri="{FF2B5EF4-FFF2-40B4-BE49-F238E27FC236}">
-                <a16:creationId xmlns:a16="http://schemas.microsoft.com/office/drawing/2014/main" id="{E8B405DC-E244-434D-94F8-F1694D1042F3}"/>
-              </a:ext>
-              <a:ext uri="{C183D7F6-B498-43B3-948B-1728B52AA6E4}">
-                <adec:decorative xmlns:adec="http://schemas.microsoft.com/office/drawing/2017/decorative" val="1"/>
-              </a:ext>
-            </a:extLst>
-          </p:cNvPr>
-          <p:cNvGrpSpPr/>
-          <p:nvPr/>
-        </p:nvGrpSpPr>
-        <p:grpSpPr>
-          <a:xfrm>
-            <a:off x="3638921" y="616458"/>
-            <a:ext cx="610961" cy="3524028"/>
-            <a:chOff x="3638921" y="616457"/>
-            <a:chExt cx="628279" cy="3712187"/>
-          </a:xfrm>
-        </p:grpSpPr>
-        <p:grpSp>
-          <p:nvGrpSpPr>
-            <p:cNvPr id="3" name="Group 2">
-              <a:extLst>
-                <a:ext uri="{FF2B5EF4-FFF2-40B4-BE49-F238E27FC236}">
-                  <a16:creationId xmlns:a16="http://schemas.microsoft.com/office/drawing/2014/main" id="{CDCB0692-C0B1-40FD-A728-9CF1F2B646E8}"/>
-                </a:ext>
-              </a:extLst>
-            </p:cNvPr>
-            <p:cNvGrpSpPr/>
-            <p:nvPr/>
-          </p:nvGrpSpPr>
-          <p:grpSpPr>
-            <a:xfrm>
-              <a:off x="3638921" y="616457"/>
-              <a:ext cx="628279" cy="2461337"/>
-              <a:chOff x="3844141" y="443928"/>
-              <a:chExt cx="1002998" cy="4721083"/>
-            </a:xfrm>
-          </p:grpSpPr>
-          <p:pic>
-            <p:nvPicPr>
-              <p:cNvPr id="29" name="Picture 28" descr="Icon of a pie chart">
-                <a:extLst>
-                  <a:ext uri="{FF2B5EF4-FFF2-40B4-BE49-F238E27FC236}">
-                    <a16:creationId xmlns:a16="http://schemas.microsoft.com/office/drawing/2014/main" id="{FF189369-1AAA-4487-B65C-73A8BEDBEBD2}"/>
-                  </a:ext>
-                </a:extLst>
-              </p:cNvPr>
-              <p:cNvPicPr>
-                <a:picLocks noChangeAspect="1"/>
-              </p:cNvPicPr>
-              <p:nvPr/>
-            </p:nvPicPr>
-            <p:blipFill>
-              <a:blip r:embed="rId3" cstate="screen">
-                <a:extLst>
-                  <a:ext uri="{28A0092B-C50C-407E-A947-70E740481C1C}">
-                    <a14:useLocalDpi xmlns:a14="http://schemas.microsoft.com/office/drawing/2010/main"/>
-                  </a:ext>
-                </a:extLst>
-              </a:blip>
-              <a:stretch>
-                <a:fillRect/>
-              </a:stretch>
-            </p:blipFill>
-            <p:spPr>
-              <a:xfrm>
-                <a:off x="3845610" y="443928"/>
-                <a:ext cx="998220" cy="998220"/>
-              </a:xfrm>
-              <a:prstGeom prst="rect">
-                <a:avLst/>
-              </a:prstGeom>
-            </p:spPr>
-          </p:pic>
-          <p:pic>
-            <p:nvPicPr>
-              <p:cNvPr id="33" name="Picture 32" descr="Icon of a webpage showing a person">
-                <a:extLst>
-                  <a:ext uri="{FF2B5EF4-FFF2-40B4-BE49-F238E27FC236}">
-                    <a16:creationId xmlns:a16="http://schemas.microsoft.com/office/drawing/2014/main" id="{B94417F4-B009-49AE-984D-E902694AD932}"/>
-                  </a:ext>
-                </a:extLst>
-              </p:cNvPr>
-              <p:cNvPicPr>
-                <a:picLocks noChangeAspect="1"/>
-              </p:cNvPicPr>
-              <p:nvPr/>
-            </p:nvPicPr>
-            <p:blipFill>
-              <a:blip r:embed="rId4" cstate="screen">
-                <a:extLst>
-                  <a:ext uri="{28A0092B-C50C-407E-A947-70E740481C1C}">
-                    <a14:useLocalDpi xmlns:a14="http://schemas.microsoft.com/office/drawing/2010/main"/>
-                  </a:ext>
-                </a:extLst>
-              </a:blip>
-              <a:stretch>
-                <a:fillRect/>
-              </a:stretch>
-            </p:blipFill>
-            <p:spPr>
-              <a:xfrm>
-                <a:off x="3848919" y="1724533"/>
-                <a:ext cx="998220" cy="998220"/>
-              </a:xfrm>
-              <a:prstGeom prst="rect">
-                <a:avLst/>
-              </a:prstGeom>
-            </p:spPr>
-          </p:pic>
-          <p:pic>
-            <p:nvPicPr>
-              <p:cNvPr id="35" name="Picture 34" descr="Icon of a cloud with multiples lines extending from it">
-                <a:extLst>
-                  <a:ext uri="{FF2B5EF4-FFF2-40B4-BE49-F238E27FC236}">
-                    <a16:creationId xmlns:a16="http://schemas.microsoft.com/office/drawing/2014/main" id="{3792D2D8-446B-4836-A57D-750913B794AB}"/>
-                  </a:ext>
-                </a:extLst>
-              </p:cNvPr>
-              <p:cNvPicPr>
-                <a:picLocks noChangeAspect="1"/>
-              </p:cNvPicPr>
-              <p:nvPr/>
-            </p:nvPicPr>
-            <p:blipFill>
-              <a:blip r:embed="rId5" cstate="screen">
-                <a:extLst>
-                  <a:ext uri="{28A0092B-C50C-407E-A947-70E740481C1C}">
-                    <a14:useLocalDpi xmlns:a14="http://schemas.microsoft.com/office/drawing/2010/main"/>
-                  </a:ext>
-                </a:extLst>
-              </a:blip>
-              <a:stretch>
-                <a:fillRect/>
-              </a:stretch>
-            </p:blipFill>
-            <p:spPr>
-              <a:xfrm>
-                <a:off x="3845610" y="2968080"/>
-                <a:ext cx="998220" cy="998220"/>
-              </a:xfrm>
-              <a:prstGeom prst="rect">
-                <a:avLst/>
-              </a:prstGeom>
-            </p:spPr>
-          </p:pic>
-          <p:pic>
-            <p:nvPicPr>
-              <p:cNvPr id="37" name="Picture 36" descr="Icon of a webpage showing a person">
-                <a:extLst>
-                  <a:ext uri="{FF2B5EF4-FFF2-40B4-BE49-F238E27FC236}">
-                    <a16:creationId xmlns:a16="http://schemas.microsoft.com/office/drawing/2014/main" id="{9E2E4309-6B6D-4656-BF54-037CB32EC5B3}"/>
-                  </a:ext>
-                </a:extLst>
-              </p:cNvPr>
-              <p:cNvPicPr>
-                <a:picLocks noChangeAspect="1"/>
-              </p:cNvPicPr>
-              <p:nvPr/>
-            </p:nvPicPr>
-            <p:blipFill>
-              <a:blip r:embed="rId6" cstate="screen">
-                <a:extLst>
-                  <a:ext uri="{28A0092B-C50C-407E-A947-70E740481C1C}">
-                    <a14:useLocalDpi xmlns:a14="http://schemas.microsoft.com/office/drawing/2010/main"/>
-                  </a:ext>
-                </a:extLst>
-              </a:blip>
-              <a:stretch>
-                <a:fillRect/>
-              </a:stretch>
-            </p:blipFill>
-            <p:spPr>
-              <a:xfrm>
-                <a:off x="3844141" y="4166791"/>
-                <a:ext cx="998220" cy="998220"/>
-              </a:xfrm>
-              <a:prstGeom prst="rect">
-                <a:avLst/>
-              </a:prstGeom>
-            </p:spPr>
-          </p:pic>
-        </p:grpSp>
-        <p:pic>
-          <p:nvPicPr>
-            <p:cNvPr id="4" name="Picture 3" descr="Icon of coding brackets">
-              <a:extLst>
-                <a:ext uri="{FF2B5EF4-FFF2-40B4-BE49-F238E27FC236}">
-                  <a16:creationId xmlns:a16="http://schemas.microsoft.com/office/drawing/2014/main" id="{6C0D71BF-2821-4F4C-AC6C-5C7FF1331D97}"/>
-                </a:ext>
-              </a:extLst>
-            </p:cNvPr>
-            <p:cNvPicPr>
-              <a:picLocks noChangeAspect="1"/>
-            </p:cNvPicPr>
-            <p:nvPr/>
-          </p:nvPicPr>
-          <p:blipFill>
-            <a:blip r:embed="rId7" cstate="screen">
-              <a:extLst>
-                <a:ext uri="{28A0092B-C50C-407E-A947-70E740481C1C}">
-                  <a14:useLocalDpi xmlns:a14="http://schemas.microsoft.com/office/drawing/2010/main"/>
-                </a:ext>
-              </a:extLst>
-            </a:blip>
-            <a:stretch>
-              <a:fillRect/>
-            </a:stretch>
-          </p:blipFill>
-          <p:spPr>
-            <a:xfrm>
-              <a:off x="3642469" y="3205695"/>
-              <a:ext cx="621738" cy="486907"/>
-            </a:xfrm>
-            <a:prstGeom prst="rect">
-              <a:avLst/>
-            </a:prstGeom>
-          </p:spPr>
-        </p:pic>
-        <p:pic>
-          <p:nvPicPr>
-            <p:cNvPr id="6" name="Picture 5" descr="Icon of a whiteboard with a cloud symbol drawn on it">
-              <a:extLst>
-                <a:ext uri="{FF2B5EF4-FFF2-40B4-BE49-F238E27FC236}">
-                  <a16:creationId xmlns:a16="http://schemas.microsoft.com/office/drawing/2014/main" id="{6AFB0FDD-31C4-485E-ABC7-940AEE4CBDF0}"/>
-                </a:ext>
-              </a:extLst>
-            </p:cNvPr>
-            <p:cNvPicPr>
-              <a:picLocks noChangeAspect="1"/>
-            </p:cNvPicPr>
-            <p:nvPr/>
-          </p:nvPicPr>
-          <p:blipFill>
-            <a:blip r:embed="rId8" cstate="screen">
-              <a:extLst>
-                <a:ext uri="{28A0092B-C50C-407E-A947-70E740481C1C}">
-                  <a14:useLocalDpi xmlns:a14="http://schemas.microsoft.com/office/drawing/2010/main"/>
-                </a:ext>
-              </a:extLst>
-            </a:blip>
-            <a:stretch>
-              <a:fillRect/>
-            </a:stretch>
-          </p:blipFill>
-          <p:spPr>
-            <a:xfrm>
-              <a:off x="3642469" y="3841737"/>
-              <a:ext cx="621738" cy="486907"/>
-            </a:xfrm>
-            <a:prstGeom prst="rect">
-              <a:avLst/>
-            </a:prstGeom>
-          </p:spPr>
-        </p:pic>
-      </p:grpSp>
-    </p:spTree>
-    <p:extLst>
-      <p:ext uri="{BB962C8B-B14F-4D97-AF65-F5344CB8AC3E}">
-        <p14:creationId xmlns:p14="http://schemas.microsoft.com/office/powerpoint/2010/main" val="3722424290"/>
-      </p:ext>
-    </p:extLst>
-  </p:cSld>
-  <p:clrMapOvr>
-    <a:masterClrMapping/>
-  </p:clrMapOvr>
-  <p:transition>
-    <p:fade/>
-  </p:transition>
-</p:sld>
-</file>
-
-<file path=ppt/slides/slide40.xml><?xml version="1.0" encoding="utf-8"?>
+<file path=ppt/slides/slide43.xml><?xml version="1.0" encoding="utf-8"?>
 <p:sld xmlns:a="http://schemas.openxmlformats.org/drawingml/2006/main" xmlns:r="http://schemas.openxmlformats.org/officeDocument/2006/relationships" xmlns:p="http://schemas.openxmlformats.org/presentationml/2006/main" show="0">
   <p:cSld>
     <p:spTree>
@@ -36028,7 +36776,7 @@
 </p:sld>
 </file>
 
-<file path=ppt/slides/slide41.xml><?xml version="1.0" encoding="utf-8"?>
+<file path=ppt/slides/slide44.xml><?xml version="1.0" encoding="utf-8"?>
 <p:sld xmlns:a="http://schemas.openxmlformats.org/drawingml/2006/main" xmlns:r="http://schemas.openxmlformats.org/officeDocument/2006/relationships" xmlns:p="http://schemas.openxmlformats.org/presentationml/2006/main" show="0">
   <p:cSld>
     <p:spTree>
@@ -36399,7 +37147,7 @@
 </p:sld>
 </file>
 
-<file path=ppt/slides/slide42.xml><?xml version="1.0" encoding="utf-8"?>
+<file path=ppt/slides/slide45.xml><?xml version="1.0" encoding="utf-8"?>
 <p:sld xmlns:a="http://schemas.openxmlformats.org/drawingml/2006/main" xmlns:r="http://schemas.openxmlformats.org/officeDocument/2006/relationships" xmlns:p="http://schemas.openxmlformats.org/presentationml/2006/main" show="0">
   <p:cSld>
     <p:spTree>
@@ -36894,7 +37642,7 @@
 </p:sld>
 </file>
 
-<file path=ppt/slides/slide43.xml><?xml version="1.0" encoding="utf-8"?>
+<file path=ppt/slides/slide46.xml><?xml version="1.0" encoding="utf-8"?>
 <p:sld xmlns:a="http://schemas.openxmlformats.org/drawingml/2006/main" xmlns:r="http://schemas.openxmlformats.org/officeDocument/2006/relationships" xmlns:p="http://schemas.openxmlformats.org/presentationml/2006/main" show="0">
   <p:cSld>
     <p:spTree>
